--- a/GoingNativeWithKendoUIMobile.pptx
+++ b/GoingNativeWithKendoUIMobile.pptx
@@ -2,10 +2,10 @@
 <file path=ppt/presentation.xml><?xml version="1.0" encoding="utf-8"?>
 <p:presentation xmlns:a="http://schemas.openxmlformats.org/drawingml/2006/main" xmlns:r="http://schemas.openxmlformats.org/officeDocument/2006/relationships" xmlns:p="http://schemas.openxmlformats.org/presentationml/2006/main" saveSubsetFonts="1">
   <p:sldMasterIdLst>
-    <p:sldMasterId id="2147483684" r:id="rId1"/>
+    <p:sldMasterId id="2147483696" r:id="rId1"/>
   </p:sldMasterIdLst>
   <p:notesMasterIdLst>
-    <p:notesMasterId r:id="rId31"/>
+    <p:notesMasterId r:id="rId33"/>
   </p:notesMasterIdLst>
   <p:sldIdLst>
     <p:sldId id="256" r:id="rId2"/>
@@ -37,8 +37,10 @@
     <p:sldId id="282" r:id="rId28"/>
     <p:sldId id="283" r:id="rId29"/>
     <p:sldId id="284" r:id="rId30"/>
+    <p:sldId id="286" r:id="rId31"/>
+    <p:sldId id="285" r:id="rId32"/>
   </p:sldIdLst>
-  <p:sldSz cx="9144000" cy="6858000" type="screen4x3"/>
+  <p:sldSz cx="12192000" cy="6858000"/>
   <p:notesSz cx="6858000" cy="9144000"/>
   <p:defaultTextStyle>
     <a:defPPr>
@@ -228,7 +230,7 @@
           <a:p>
             <a:fld id="{D39C16E0-0246-47C1-91A7-ED3E8784215F}" type="datetimeFigureOut">
               <a:rPr lang="en-US" smtClean="0"/>
-              <a:t>8/7/2012</a:t>
+              <a:t>8/9/2012</a:t>
             </a:fld>
             <a:endParaRPr lang="en-US"/>
           </a:p>
@@ -246,8 +248,8 @@
         </p:nvSpPr>
         <p:spPr>
           <a:xfrm>
-            <a:off x="1371600" y="1143000"/>
-            <a:ext cx="4114800" cy="3086100"/>
+            <a:off x="685800" y="1143000"/>
+            <a:ext cx="5486400" cy="3086100"/>
           </a:xfrm>
           <a:prstGeom prst="rect">
             <a:avLst/>
@@ -523,7 +525,12 @@
             <p:ph type="sldImg"/>
           </p:nvPr>
         </p:nvSpPr>
-        <p:spPr/>
+        <p:spPr>
+          <a:xfrm>
+            <a:off x="685800" y="1143000"/>
+            <a:ext cx="5486400" cy="3086100"/>
+          </a:xfrm>
+        </p:spPr>
       </p:sp>
       <p:sp>
         <p:nvSpPr>
@@ -632,7 +639,12 @@
             <p:ph type="sldImg"/>
           </p:nvPr>
         </p:nvSpPr>
-        <p:spPr/>
+        <p:spPr>
+          <a:xfrm>
+            <a:off x="685800" y="1143000"/>
+            <a:ext cx="5486400" cy="3086100"/>
+          </a:xfrm>
+        </p:spPr>
       </p:sp>
       <p:sp>
         <p:nvSpPr>
@@ -833,7 +845,12 @@
             <p:ph type="sldImg"/>
           </p:nvPr>
         </p:nvSpPr>
-        <p:spPr/>
+        <p:spPr>
+          <a:xfrm>
+            <a:off x="685800" y="1143000"/>
+            <a:ext cx="5486400" cy="3086100"/>
+          </a:xfrm>
+        </p:spPr>
       </p:sp>
       <p:sp>
         <p:nvSpPr>
@@ -1337,7 +1354,12 @@
             <p:ph type="sldImg"/>
           </p:nvPr>
         </p:nvSpPr>
-        <p:spPr/>
+        <p:spPr>
+          <a:xfrm>
+            <a:off x="685800" y="1143000"/>
+            <a:ext cx="5486400" cy="3086100"/>
+          </a:xfrm>
+        </p:spPr>
       </p:sp>
       <p:sp>
         <p:nvSpPr>
@@ -1673,7 +1695,12 @@
             <p:ph type="sldImg"/>
           </p:nvPr>
         </p:nvSpPr>
-        <p:spPr/>
+        <p:spPr>
+          <a:xfrm>
+            <a:off x="685800" y="1143000"/>
+            <a:ext cx="5486400" cy="3086100"/>
+          </a:xfrm>
+        </p:spPr>
       </p:sp>
       <p:sp>
         <p:nvSpPr>
@@ -1974,7 +2001,12 @@
             <p:ph type="sldImg"/>
           </p:nvPr>
         </p:nvSpPr>
-        <p:spPr/>
+        <p:spPr>
+          <a:xfrm>
+            <a:off x="685800" y="1143000"/>
+            <a:ext cx="5486400" cy="3086100"/>
+          </a:xfrm>
+        </p:spPr>
       </p:sp>
       <p:sp>
         <p:nvSpPr>
@@ -2479,7 +2511,12 @@
             <p:ph type="sldImg"/>
           </p:nvPr>
         </p:nvSpPr>
-        <p:spPr/>
+        <p:spPr>
+          <a:xfrm>
+            <a:off x="685800" y="1143000"/>
+            <a:ext cx="5486400" cy="3086100"/>
+          </a:xfrm>
+        </p:spPr>
       </p:sp>
       <p:sp>
         <p:nvSpPr>
@@ -2852,7 +2889,12 @@
             <p:ph type="sldImg"/>
           </p:nvPr>
         </p:nvSpPr>
-        <p:spPr/>
+        <p:spPr>
+          <a:xfrm>
+            <a:off x="685800" y="1143000"/>
+            <a:ext cx="5486400" cy="3086100"/>
+          </a:xfrm>
+        </p:spPr>
       </p:sp>
       <p:sp>
         <p:nvSpPr>
@@ -3225,7 +3267,12 @@
             <p:ph type="sldImg"/>
           </p:nvPr>
         </p:nvSpPr>
-        <p:spPr/>
+        <p:spPr>
+          <a:xfrm>
+            <a:off x="685800" y="1143000"/>
+            <a:ext cx="5486400" cy="3086100"/>
+          </a:xfrm>
+        </p:spPr>
       </p:sp>
       <p:sp>
         <p:nvSpPr>
@@ -3429,7 +3476,12 @@
             <p:ph type="sldImg"/>
           </p:nvPr>
         </p:nvSpPr>
-        <p:spPr/>
+        <p:spPr>
+          <a:xfrm>
+            <a:off x="685800" y="1143000"/>
+            <a:ext cx="5486400" cy="3086100"/>
+          </a:xfrm>
+        </p:spPr>
       </p:sp>
       <p:sp>
         <p:nvSpPr>
@@ -3961,7 +4013,12 @@
             <p:ph type="sldImg"/>
           </p:nvPr>
         </p:nvSpPr>
-        <p:spPr/>
+        <p:spPr>
+          <a:xfrm>
+            <a:off x="685800" y="1143000"/>
+            <a:ext cx="5486400" cy="3086100"/>
+          </a:xfrm>
+        </p:spPr>
       </p:sp>
       <p:sp>
         <p:nvSpPr>
@@ -4153,7 +4210,12 @@
             <p:ph type="sldImg"/>
           </p:nvPr>
         </p:nvSpPr>
-        <p:spPr/>
+        <p:spPr>
+          <a:xfrm>
+            <a:off x="685800" y="1143000"/>
+            <a:ext cx="5486400" cy="3086100"/>
+          </a:xfrm>
+        </p:spPr>
       </p:sp>
       <p:sp>
         <p:nvSpPr>
@@ -4693,7 +4755,12 @@
             <p:ph type="sldImg"/>
           </p:nvPr>
         </p:nvSpPr>
-        <p:spPr/>
+        <p:spPr>
+          <a:xfrm>
+            <a:off x="685800" y="1143000"/>
+            <a:ext cx="5486400" cy="3086100"/>
+          </a:xfrm>
+        </p:spPr>
       </p:sp>
       <p:sp>
         <p:nvSpPr>
@@ -5053,7 +5120,12 @@
             <p:ph type="sldImg"/>
           </p:nvPr>
         </p:nvSpPr>
-        <p:spPr/>
+        <p:spPr>
+          <a:xfrm>
+            <a:off x="685800" y="1143000"/>
+            <a:ext cx="5486400" cy="3086100"/>
+          </a:xfrm>
+        </p:spPr>
       </p:sp>
       <p:sp>
         <p:nvSpPr>
@@ -5470,7 +5542,12 @@
             <p:ph type="sldImg"/>
           </p:nvPr>
         </p:nvSpPr>
-        <p:spPr/>
+        <p:spPr>
+          <a:xfrm>
+            <a:off x="685800" y="1143000"/>
+            <a:ext cx="5486400" cy="3086100"/>
+          </a:xfrm>
+        </p:spPr>
       </p:sp>
       <p:sp>
         <p:nvSpPr>
@@ -5710,7 +5787,12 @@
             <p:ph type="sldImg"/>
           </p:nvPr>
         </p:nvSpPr>
-        <p:spPr/>
+        <p:spPr>
+          <a:xfrm>
+            <a:off x="685800" y="1143000"/>
+            <a:ext cx="5486400" cy="3086100"/>
+          </a:xfrm>
+        </p:spPr>
       </p:sp>
       <p:sp>
         <p:nvSpPr>
@@ -7377,7 +7459,12 @@
             <p:ph type="sldImg"/>
           </p:nvPr>
         </p:nvSpPr>
-        <p:spPr/>
+        <p:spPr>
+          <a:xfrm>
+            <a:off x="685800" y="1143000"/>
+            <a:ext cx="5486400" cy="3086100"/>
+          </a:xfrm>
+        </p:spPr>
       </p:sp>
       <p:sp>
         <p:nvSpPr>
@@ -7774,7 +7861,12 @@
             <p:ph type="sldImg"/>
           </p:nvPr>
         </p:nvSpPr>
-        <p:spPr/>
+        <p:spPr>
+          <a:xfrm>
+            <a:off x="685800" y="1143000"/>
+            <a:ext cx="5486400" cy="3086100"/>
+          </a:xfrm>
+        </p:spPr>
       </p:sp>
       <p:sp>
         <p:nvSpPr>
@@ -8855,7 +8947,12 @@
             <p:ph type="sldImg"/>
           </p:nvPr>
         </p:nvSpPr>
-        <p:spPr/>
+        <p:spPr>
+          <a:xfrm>
+            <a:off x="685800" y="1143000"/>
+            <a:ext cx="5486400" cy="3086100"/>
+          </a:xfrm>
+        </p:spPr>
       </p:sp>
       <p:sp>
         <p:nvSpPr>
@@ -9907,7 +10004,12 @@
             <p:ph type="sldImg"/>
           </p:nvPr>
         </p:nvSpPr>
-        <p:spPr/>
+        <p:spPr>
+          <a:xfrm>
+            <a:off x="685800" y="1143000"/>
+            <a:ext cx="5486400" cy="3086100"/>
+          </a:xfrm>
+        </p:spPr>
       </p:sp>
       <p:sp>
         <p:nvSpPr>
@@ -10200,7 +10302,7 @@
 </p:notes>
 </file>
 
-<file path=ppt/notesSlides/notesSlide3.xml><?xml version="1.0" encoding="utf-8"?>
+<file path=ppt/notesSlides/notesSlide28.xml><?xml version="1.0" encoding="utf-8"?>
 <p:notes xmlns:a="http://schemas.openxmlformats.org/drawingml/2006/main" xmlns:r="http://schemas.openxmlformats.org/officeDocument/2006/relationships" xmlns:p="http://schemas.openxmlformats.org/presentationml/2006/main">
   <p:cSld>
     <p:spTree>
@@ -10244,6 +10346,420 @@
           <a:bodyPr/>
           <a:lstStyle/>
           <a:p>
+            <a:endParaRPr lang="en-US" dirty="0"/>
+          </a:p>
+        </p:txBody>
+      </p:sp>
+      <p:sp>
+        <p:nvSpPr>
+          <p:cNvPr id="4" name="Slide Number Placeholder 3"/>
+          <p:cNvSpPr>
+            <a:spLocks noGrp="1"/>
+          </p:cNvSpPr>
+          <p:nvPr>
+            <p:ph type="sldNum" sz="quarter" idx="10"/>
+          </p:nvPr>
+        </p:nvSpPr>
+        <p:spPr/>
+        <p:txBody>
+          <a:bodyPr/>
+          <a:lstStyle/>
+          <a:p>
+            <a:fld id="{5FE99B72-F90B-46A1-B761-268CB2290A8C}" type="slidenum">
+              <a:rPr lang="en-US" smtClean="0"/>
+              <a:t>30</a:t>
+            </a:fld>
+            <a:endParaRPr lang="en-US"/>
+          </a:p>
+        </p:txBody>
+      </p:sp>
+    </p:spTree>
+    <p:extLst>
+      <p:ext uri="{BB962C8B-B14F-4D97-AF65-F5344CB8AC3E}">
+        <p14:creationId xmlns:p14="http://schemas.microsoft.com/office/powerpoint/2010/main" val="3817577194"/>
+      </p:ext>
+    </p:extLst>
+  </p:cSld>
+  <p:clrMapOvr>
+    <a:masterClrMapping/>
+  </p:clrMapOvr>
+</p:notes>
+</file>
+
+<file path=ppt/notesSlides/notesSlide29.xml><?xml version="1.0" encoding="utf-8"?>
+<p:notes xmlns:a="http://schemas.openxmlformats.org/drawingml/2006/main" xmlns:r="http://schemas.openxmlformats.org/officeDocument/2006/relationships" xmlns:p="http://schemas.openxmlformats.org/presentationml/2006/main">
+  <p:cSld>
+    <p:spTree>
+      <p:nvGrpSpPr>
+        <p:cNvPr id="1" name=""/>
+        <p:cNvGrpSpPr/>
+        <p:nvPr/>
+      </p:nvGrpSpPr>
+      <p:grpSpPr>
+        <a:xfrm>
+          <a:off x="0" y="0"/>
+          <a:ext cx="0" cy="0"/>
+          <a:chOff x="0" y="0"/>
+          <a:chExt cx="0" cy="0"/>
+        </a:xfrm>
+      </p:grpSpPr>
+      <p:sp>
+        <p:nvSpPr>
+          <p:cNvPr id="2" name="Slide Image Placeholder 1"/>
+          <p:cNvSpPr>
+            <a:spLocks noGrp="1" noRot="1" noChangeAspect="1"/>
+          </p:cNvSpPr>
+          <p:nvPr>
+            <p:ph type="sldImg"/>
+          </p:nvPr>
+        </p:nvSpPr>
+        <p:spPr>
+          <a:xfrm>
+            <a:off x="685800" y="1143000"/>
+            <a:ext cx="5486400" cy="3086100"/>
+          </a:xfrm>
+        </p:spPr>
+      </p:sp>
+      <p:sp>
+        <p:nvSpPr>
+          <p:cNvPr id="3" name="Notes Placeholder 2"/>
+          <p:cNvSpPr>
+            <a:spLocks noGrp="1"/>
+          </p:cNvSpPr>
+          <p:nvPr>
+            <p:ph type="body" idx="1"/>
+          </p:nvPr>
+        </p:nvSpPr>
+        <p:spPr/>
+        <p:txBody>
+          <a:bodyPr/>
+          <a:lstStyle/>
+          <a:p>
+            <a:pPr lvl="1"/>
+            <a:r>
+              <a:rPr lang="en-US" sz="1200" kern="1200" dirty="0" smtClean="0">
+                <a:solidFill>
+                  <a:schemeClr val="tx1"/>
+                </a:solidFill>
+                <a:effectLst/>
+                <a:latin typeface="+mn-lt"/>
+                <a:ea typeface="+mn-ea"/>
+                <a:cs typeface="+mn-cs"/>
+              </a:rPr>
+              <a:t>That wraps the module so let’s summarize what we’ve covered</a:t>
+            </a:r>
+            <a:endParaRPr lang="en-US" sz="2000" kern="1200" dirty="0" smtClean="0">
+              <a:solidFill>
+                <a:schemeClr val="tx1"/>
+              </a:solidFill>
+              <a:effectLst/>
+              <a:latin typeface="+mn-lt"/>
+              <a:ea typeface="+mn-ea"/>
+              <a:cs typeface="+mn-cs"/>
+            </a:endParaRPr>
+          </a:p>
+          <a:p>
+            <a:pPr lvl="1"/>
+            <a:r>
+              <a:rPr lang="en-US" sz="1200" kern="1200" dirty="0" smtClean="0">
+                <a:solidFill>
+                  <a:schemeClr val="tx1"/>
+                </a:solidFill>
+                <a:effectLst/>
+                <a:latin typeface="+mn-lt"/>
+                <a:ea typeface="+mn-ea"/>
+                <a:cs typeface="+mn-cs"/>
+              </a:rPr>
+              <a:t>First we covered the Kendo UI mobile application and all the features it provides to enable development of native-like applications across the 3 major mobile platforms using HTML</a:t>
+            </a:r>
+            <a:endParaRPr lang="en-US" sz="2000" kern="1200" dirty="0" smtClean="0">
+              <a:solidFill>
+                <a:schemeClr val="tx1"/>
+              </a:solidFill>
+              <a:effectLst/>
+              <a:latin typeface="+mn-lt"/>
+              <a:ea typeface="+mn-ea"/>
+              <a:cs typeface="+mn-cs"/>
+            </a:endParaRPr>
+          </a:p>
+          <a:p>
+            <a:pPr lvl="1"/>
+            <a:r>
+              <a:rPr lang="en-US" sz="1200" kern="1200" dirty="0" smtClean="0">
+                <a:solidFill>
+                  <a:schemeClr val="tx1"/>
+                </a:solidFill>
+                <a:effectLst/>
+                <a:latin typeface="+mn-lt"/>
+                <a:ea typeface="+mn-ea"/>
+                <a:cs typeface="+mn-cs"/>
+              </a:rPr>
+              <a:t>Next we talked about </a:t>
+            </a:r>
+            <a:r>
+              <a:rPr lang="en-US" sz="1200" kern="1200" dirty="0" err="1" smtClean="0">
+                <a:solidFill>
+                  <a:schemeClr val="tx1"/>
+                </a:solidFill>
+                <a:effectLst/>
+                <a:latin typeface="+mn-lt"/>
+                <a:ea typeface="+mn-ea"/>
+                <a:cs typeface="+mn-cs"/>
+              </a:rPr>
+              <a:t>vMobile</a:t>
+            </a:r>
+            <a:r>
+              <a:rPr lang="en-US" sz="1200" kern="1200" dirty="0" smtClean="0">
+                <a:solidFill>
+                  <a:schemeClr val="tx1"/>
+                </a:solidFill>
+                <a:effectLst/>
+                <a:latin typeface="+mn-lt"/>
+                <a:ea typeface="+mn-ea"/>
+                <a:cs typeface="+mn-cs"/>
+              </a:rPr>
+              <a:t> views and you can load both locally and remotely and navigate between them</a:t>
+            </a:r>
+            <a:endParaRPr lang="en-US" sz="2000" kern="1200" dirty="0" smtClean="0">
+              <a:solidFill>
+                <a:schemeClr val="tx1"/>
+              </a:solidFill>
+              <a:effectLst/>
+              <a:latin typeface="+mn-lt"/>
+              <a:ea typeface="+mn-ea"/>
+              <a:cs typeface="+mn-cs"/>
+            </a:endParaRPr>
+          </a:p>
+          <a:p>
+            <a:pPr lvl="1"/>
+            <a:r>
+              <a:rPr lang="en-US" sz="1200" kern="1200" dirty="0" smtClean="0">
+                <a:solidFill>
+                  <a:schemeClr val="tx1"/>
+                </a:solidFill>
+                <a:effectLst/>
+                <a:latin typeface="+mn-lt"/>
+                <a:ea typeface="+mn-ea"/>
+                <a:cs typeface="+mn-cs"/>
+              </a:rPr>
+              <a:t>We looked at how Kendo UI leverages the new input elements introduced in HTML5 to create native input elements for iOS, Android, and Blackberry</a:t>
+            </a:r>
+            <a:endParaRPr lang="en-US" sz="2000" kern="1200" dirty="0" smtClean="0">
+              <a:solidFill>
+                <a:schemeClr val="tx1"/>
+              </a:solidFill>
+              <a:effectLst/>
+              <a:latin typeface="+mn-lt"/>
+              <a:ea typeface="+mn-ea"/>
+              <a:cs typeface="+mn-cs"/>
+            </a:endParaRPr>
+          </a:p>
+          <a:p>
+            <a:pPr lvl="1"/>
+            <a:r>
+              <a:rPr lang="en-US" sz="1200" kern="1200" dirty="0" smtClean="0">
+                <a:solidFill>
+                  <a:schemeClr val="tx1"/>
+                </a:solidFill>
+                <a:effectLst/>
+                <a:latin typeface="+mn-lt"/>
+                <a:ea typeface="+mn-ea"/>
+                <a:cs typeface="+mn-cs"/>
+              </a:rPr>
+              <a:t>We looked at the very cool </a:t>
+            </a:r>
+            <a:r>
+              <a:rPr lang="en-US" sz="1200" kern="1200" dirty="0" err="1" smtClean="0">
+                <a:solidFill>
+                  <a:schemeClr val="tx1"/>
+                </a:solidFill>
+                <a:effectLst/>
+                <a:latin typeface="+mn-lt"/>
+                <a:ea typeface="+mn-ea"/>
+                <a:cs typeface="+mn-cs"/>
+              </a:rPr>
+              <a:t>SplitView</a:t>
+            </a:r>
+            <a:r>
+              <a:rPr lang="en-US" sz="1200" kern="1200" dirty="0" smtClean="0">
+                <a:solidFill>
+                  <a:schemeClr val="tx1"/>
+                </a:solidFill>
+                <a:effectLst/>
+                <a:latin typeface="+mn-lt"/>
+                <a:ea typeface="+mn-ea"/>
+                <a:cs typeface="+mn-cs"/>
+              </a:rPr>
+              <a:t> for doing tablet applications</a:t>
+            </a:r>
+            <a:endParaRPr lang="en-US" sz="2000" kern="1200" dirty="0" smtClean="0">
+              <a:solidFill>
+                <a:schemeClr val="tx1"/>
+              </a:solidFill>
+              <a:effectLst/>
+              <a:latin typeface="+mn-lt"/>
+              <a:ea typeface="+mn-ea"/>
+              <a:cs typeface="+mn-cs"/>
+            </a:endParaRPr>
+          </a:p>
+          <a:p>
+            <a:pPr lvl="1"/>
+            <a:r>
+              <a:rPr lang="en-US" sz="1200" kern="1200" dirty="0" smtClean="0">
+                <a:solidFill>
+                  <a:schemeClr val="tx1"/>
+                </a:solidFill>
+                <a:effectLst/>
+                <a:latin typeface="+mn-lt"/>
+                <a:ea typeface="+mn-ea"/>
+                <a:cs typeface="+mn-cs"/>
+              </a:rPr>
+              <a:t>And we wrapped up by covering the mobile widgets</a:t>
+            </a:r>
+            <a:endParaRPr lang="en-US" sz="2000" kern="1200" dirty="0" smtClean="0">
+              <a:solidFill>
+                <a:schemeClr val="tx1"/>
+              </a:solidFill>
+              <a:effectLst/>
+              <a:latin typeface="+mn-lt"/>
+              <a:ea typeface="+mn-ea"/>
+              <a:cs typeface="+mn-cs"/>
+            </a:endParaRPr>
+          </a:p>
+          <a:p>
+            <a:pPr lvl="1"/>
+            <a:r>
+              <a:rPr lang="en-US" sz="1200" kern="1200" dirty="0" smtClean="0">
+                <a:solidFill>
+                  <a:schemeClr val="tx1"/>
+                </a:solidFill>
+                <a:effectLst/>
+                <a:latin typeface="+mn-lt"/>
+                <a:ea typeface="+mn-ea"/>
+                <a:cs typeface="+mn-cs"/>
+              </a:rPr>
+              <a:t>Through all of those things we’ve seen the power and flexibility that Kendo UI mobile offers for creating html mobile applications with true native look and feel across the 3 major platforms.</a:t>
+            </a:r>
+            <a:endParaRPr lang="en-US" sz="2000" kern="1200" dirty="0" smtClean="0">
+              <a:solidFill>
+                <a:schemeClr val="tx1"/>
+              </a:solidFill>
+              <a:effectLst/>
+              <a:latin typeface="+mn-lt"/>
+              <a:ea typeface="+mn-ea"/>
+              <a:cs typeface="+mn-cs"/>
+            </a:endParaRPr>
+          </a:p>
+          <a:p>
+            <a:r>
+              <a:rPr lang="en-US" sz="1200" kern="1200" smtClean="0">
+                <a:solidFill>
+                  <a:schemeClr val="tx1"/>
+                </a:solidFill>
+                <a:effectLst/>
+                <a:latin typeface="+mn-lt"/>
+                <a:ea typeface="+mn-ea"/>
+                <a:cs typeface="+mn-cs"/>
+              </a:rPr>
+              <a:t>In the next module we’ll cover the Kendo UI HTML Helpers for ASP.NET MVC.</a:t>
+            </a:r>
+            <a:endParaRPr lang="en-US" sz="7200" b="1" kern="1200" dirty="0" smtClean="0">
+              <a:solidFill>
+                <a:schemeClr val="tx1"/>
+              </a:solidFill>
+              <a:effectLst/>
+              <a:latin typeface="+mn-lt"/>
+              <a:ea typeface="+mn-ea"/>
+              <a:cs typeface="+mn-cs"/>
+            </a:endParaRPr>
+          </a:p>
+        </p:txBody>
+      </p:sp>
+      <p:sp>
+        <p:nvSpPr>
+          <p:cNvPr id="4" name="Slide Number Placeholder 3"/>
+          <p:cNvSpPr>
+            <a:spLocks noGrp="1"/>
+          </p:cNvSpPr>
+          <p:nvPr>
+            <p:ph type="sldNum" sz="quarter" idx="10"/>
+          </p:nvPr>
+        </p:nvSpPr>
+        <p:spPr/>
+        <p:txBody>
+          <a:bodyPr/>
+          <a:lstStyle/>
+          <a:p>
+            <a:fld id="{5FE99B72-F90B-46A1-B761-268CB2290A8C}" type="slidenum">
+              <a:rPr lang="en-US" smtClean="0"/>
+              <a:t>31</a:t>
+            </a:fld>
+            <a:endParaRPr lang="en-US"/>
+          </a:p>
+        </p:txBody>
+      </p:sp>
+    </p:spTree>
+    <p:extLst>
+      <p:ext uri="{BB962C8B-B14F-4D97-AF65-F5344CB8AC3E}">
+        <p14:creationId xmlns:p14="http://schemas.microsoft.com/office/powerpoint/2010/main" val="671174131"/>
+      </p:ext>
+    </p:extLst>
+  </p:cSld>
+  <p:clrMapOvr>
+    <a:masterClrMapping/>
+  </p:clrMapOvr>
+</p:notes>
+</file>
+
+<file path=ppt/notesSlides/notesSlide3.xml><?xml version="1.0" encoding="utf-8"?>
+<p:notes xmlns:a="http://schemas.openxmlformats.org/drawingml/2006/main" xmlns:r="http://schemas.openxmlformats.org/officeDocument/2006/relationships" xmlns:p="http://schemas.openxmlformats.org/presentationml/2006/main">
+  <p:cSld>
+    <p:spTree>
+      <p:nvGrpSpPr>
+        <p:cNvPr id="1" name=""/>
+        <p:cNvGrpSpPr/>
+        <p:nvPr/>
+      </p:nvGrpSpPr>
+      <p:grpSpPr>
+        <a:xfrm>
+          <a:off x="0" y="0"/>
+          <a:ext cx="0" cy="0"/>
+          <a:chOff x="0" y="0"/>
+          <a:chExt cx="0" cy="0"/>
+        </a:xfrm>
+      </p:grpSpPr>
+      <p:sp>
+        <p:nvSpPr>
+          <p:cNvPr id="2" name="Slide Image Placeholder 1"/>
+          <p:cNvSpPr>
+            <a:spLocks noGrp="1" noRot="1" noChangeAspect="1"/>
+          </p:cNvSpPr>
+          <p:nvPr>
+            <p:ph type="sldImg"/>
+          </p:nvPr>
+        </p:nvSpPr>
+        <p:spPr>
+          <a:xfrm>
+            <a:off x="685800" y="1143000"/>
+            <a:ext cx="5486400" cy="3086100"/>
+          </a:xfrm>
+        </p:spPr>
+      </p:sp>
+      <p:sp>
+        <p:nvSpPr>
+          <p:cNvPr id="3" name="Notes Placeholder 2"/>
+          <p:cNvSpPr>
+            <a:spLocks noGrp="1"/>
+          </p:cNvSpPr>
+          <p:nvPr>
+            <p:ph type="body" idx="1"/>
+          </p:nvPr>
+        </p:nvSpPr>
+        <p:spPr/>
+        <p:txBody>
+          <a:bodyPr/>
+          <a:lstStyle/>
+          <a:p>
             <a:pPr lvl="1"/>
             <a:r>
               <a:rPr lang="en-US" sz="1200" kern="1200" dirty="0" smtClean="0">
@@ -10662,7 +11178,12 @@
             <p:ph type="sldImg"/>
           </p:nvPr>
         </p:nvSpPr>
-        <p:spPr/>
+        <p:spPr>
+          <a:xfrm>
+            <a:off x="685800" y="1143000"/>
+            <a:ext cx="5486400" cy="3086100"/>
+          </a:xfrm>
+        </p:spPr>
       </p:sp>
       <p:sp>
         <p:nvSpPr>
@@ -11005,7 +11526,12 @@
             <p:ph type="sldImg"/>
           </p:nvPr>
         </p:nvSpPr>
-        <p:spPr/>
+        <p:spPr>
+          <a:xfrm>
+            <a:off x="685800" y="1143000"/>
+            <a:ext cx="5486400" cy="3086100"/>
+          </a:xfrm>
+        </p:spPr>
       </p:sp>
       <p:sp>
         <p:nvSpPr>
@@ -11308,7 +11834,12 @@
             <p:ph type="sldImg"/>
           </p:nvPr>
         </p:nvSpPr>
-        <p:spPr/>
+        <p:spPr>
+          <a:xfrm>
+            <a:off x="685800" y="1143000"/>
+            <a:ext cx="5486400" cy="3086100"/>
+          </a:xfrm>
+        </p:spPr>
       </p:sp>
       <p:sp>
         <p:nvSpPr>
@@ -11618,7 +12149,12 @@
             <p:ph type="sldImg"/>
           </p:nvPr>
         </p:nvSpPr>
-        <p:spPr/>
+        <p:spPr>
+          <a:xfrm>
+            <a:off x="685800" y="1143000"/>
+            <a:ext cx="5486400" cy="3086100"/>
+          </a:xfrm>
+        </p:spPr>
       </p:sp>
       <p:sp>
         <p:nvSpPr>
@@ -12002,7 +12538,12 @@
             <p:ph type="sldImg"/>
           </p:nvPr>
         </p:nvSpPr>
-        <p:spPr/>
+        <p:spPr>
+          <a:xfrm>
+            <a:off x="685800" y="1143000"/>
+            <a:ext cx="5486400" cy="3086100"/>
+          </a:xfrm>
+        </p:spPr>
       </p:sp>
       <p:sp>
         <p:nvSpPr>
@@ -12290,7 +12831,12 @@
             <p:ph type="sldImg"/>
           </p:nvPr>
         </p:nvSpPr>
-        <p:spPr/>
+        <p:spPr>
+          <a:xfrm>
+            <a:off x="685800" y="1143000"/>
+            <a:ext cx="5486400" cy="3086100"/>
+          </a:xfrm>
+        </p:spPr>
       </p:sp>
       <p:sp>
         <p:nvSpPr>
@@ -12772,8 +13318,8 @@
         </p:nvSpPr>
         <p:spPr>
           <a:xfrm>
-            <a:off x="686405" y="2129731"/>
-            <a:ext cx="7771190" cy="1470422"/>
+            <a:off x="915207" y="2129731"/>
+            <a:ext cx="10361587" cy="1470421"/>
           </a:xfrm>
         </p:spPr>
         <p:txBody>
@@ -12800,8 +13346,8 @@
         </p:nvSpPr>
         <p:spPr>
           <a:xfrm>
-            <a:off x="1371298" y="3885903"/>
-            <a:ext cx="6401405" cy="1753195"/>
+            <a:off x="1828398" y="3885904"/>
+            <a:ext cx="8535207" cy="1753195"/>
           </a:xfrm>
         </p:spPr>
         <p:txBody>
@@ -12811,35 +13357,35 @@
               <a:buNone/>
               <a:defRPr/>
             </a:lvl1pPr>
-            <a:lvl2pPr marL="428625" indent="0" algn="ctr">
+            <a:lvl2pPr marL="514794" indent="0" algn="ctr">
               <a:buNone/>
               <a:defRPr/>
             </a:lvl2pPr>
-            <a:lvl3pPr marL="857250" indent="0" algn="ctr">
+            <a:lvl3pPr marL="1029589" indent="0" algn="ctr">
               <a:buNone/>
               <a:defRPr/>
             </a:lvl3pPr>
-            <a:lvl4pPr marL="1285875" indent="0" algn="ctr">
+            <a:lvl4pPr marL="1544383" indent="0" algn="ctr">
               <a:buNone/>
               <a:defRPr/>
             </a:lvl4pPr>
-            <a:lvl5pPr marL="1714500" indent="0" algn="ctr">
+            <a:lvl5pPr marL="2059178" indent="0" algn="ctr">
               <a:buNone/>
               <a:defRPr/>
             </a:lvl5pPr>
-            <a:lvl6pPr marL="2143125" indent="0" algn="ctr">
+            <a:lvl6pPr marL="2573972" indent="0" algn="ctr">
               <a:buNone/>
               <a:defRPr/>
             </a:lvl6pPr>
-            <a:lvl7pPr marL="2571750" indent="0" algn="ctr">
+            <a:lvl7pPr marL="3088765" indent="0" algn="ctr">
               <a:buNone/>
               <a:defRPr/>
             </a:lvl7pPr>
-            <a:lvl8pPr marL="3000375" indent="0" algn="ctr">
+            <a:lvl8pPr marL="3603561" indent="0" algn="ctr">
               <a:buNone/>
               <a:defRPr/>
             </a:lvl8pPr>
-            <a:lvl9pPr marL="3429000" indent="0" algn="ctr">
+            <a:lvl9pPr marL="4118354" indent="0" algn="ctr">
               <a:buNone/>
               <a:defRPr/>
             </a:lvl9pPr>
@@ -12856,7 +13402,7 @@
     </p:spTree>
     <p:extLst>
       <p:ext uri="{BB962C8B-B14F-4D97-AF65-F5344CB8AC3E}">
-        <p14:creationId xmlns:p14="http://schemas.microsoft.com/office/powerpoint/2010/main" val="1389405516"/>
+        <p14:creationId xmlns:p14="http://schemas.microsoft.com/office/powerpoint/2010/main" val="471928251"/>
       </p:ext>
     </p:extLst>
   </p:cSld>
@@ -12961,7 +13507,7 @@
     </p:spTree>
     <p:extLst>
       <p:ext uri="{BB962C8B-B14F-4D97-AF65-F5344CB8AC3E}">
-        <p14:creationId xmlns:p14="http://schemas.microsoft.com/office/powerpoint/2010/main" val="2173945173"/>
+        <p14:creationId xmlns:p14="http://schemas.microsoft.com/office/powerpoint/2010/main" val="4023698139"/>
       </p:ext>
     </p:extLst>
   </p:cSld>
@@ -13000,8 +13546,8 @@
         </p:nvSpPr>
         <p:spPr>
           <a:xfrm>
-            <a:off x="6717393" y="558106"/>
-            <a:ext cx="2084916" cy="5383113"/>
+            <a:off x="8956524" y="558108"/>
+            <a:ext cx="2779888" cy="5383113"/>
           </a:xfrm>
         </p:spPr>
         <p:txBody>
@@ -13028,8 +13574,8 @@
         </p:nvSpPr>
         <p:spPr>
           <a:xfrm>
-            <a:off x="458108" y="558106"/>
-            <a:ext cx="6114143" cy="5383113"/>
+            <a:off x="610811" y="558108"/>
+            <a:ext cx="8152191" cy="5383113"/>
           </a:xfrm>
         </p:spPr>
         <p:txBody>
@@ -13076,7 +13622,7 @@
     </p:spTree>
     <p:extLst>
       <p:ext uri="{BB962C8B-B14F-4D97-AF65-F5344CB8AC3E}">
-        <p14:creationId xmlns:p14="http://schemas.microsoft.com/office/powerpoint/2010/main" val="3632522270"/>
+        <p14:creationId xmlns:p14="http://schemas.microsoft.com/office/powerpoint/2010/main" val="1633324136"/>
       </p:ext>
     </p:extLst>
   </p:cSld>
@@ -13181,7 +13727,7 @@
     </p:spTree>
     <p:extLst>
       <p:ext uri="{BB962C8B-B14F-4D97-AF65-F5344CB8AC3E}">
-        <p14:creationId xmlns:p14="http://schemas.microsoft.com/office/powerpoint/2010/main" val="2783174648"/>
+        <p14:creationId xmlns:p14="http://schemas.microsoft.com/office/powerpoint/2010/main" val="4011212033"/>
       </p:ext>
     </p:extLst>
   </p:cSld>
@@ -13220,15 +13766,15 @@
         </p:nvSpPr>
         <p:spPr>
           <a:xfrm>
-            <a:off x="722690" y="4406801"/>
-            <a:ext cx="7772703" cy="1361777"/>
+            <a:off x="963587" y="4406802"/>
+            <a:ext cx="10363604" cy="1361777"/>
           </a:xfrm>
         </p:spPr>
         <p:txBody>
           <a:bodyPr anchor="t"/>
           <a:lstStyle>
             <a:lvl1pPr algn="l">
-              <a:defRPr sz="3750" b="1" cap="all"/>
+              <a:defRPr sz="4533" b="1" cap="all"/>
             </a:lvl1pPr>
           </a:lstStyle>
           <a:p>
@@ -13252,8 +13798,8 @@
         </p:nvSpPr>
         <p:spPr>
           <a:xfrm>
-            <a:off x="722690" y="2906613"/>
-            <a:ext cx="7772703" cy="1500188"/>
+            <a:off x="963587" y="2906614"/>
+            <a:ext cx="10363604" cy="1500188"/>
           </a:xfrm>
         </p:spPr>
         <p:txBody>
@@ -13261,39 +13807,39 @@
           <a:lstStyle>
             <a:lvl1pPr marL="0" indent="0">
               <a:buNone/>
-              <a:defRPr sz="1875"/>
+              <a:defRPr sz="2267"/>
             </a:lvl1pPr>
-            <a:lvl2pPr marL="428625" indent="0">
+            <a:lvl2pPr marL="514794" indent="0">
               <a:buNone/>
-              <a:defRPr sz="1688"/>
+              <a:defRPr sz="2000"/>
             </a:lvl2pPr>
-            <a:lvl3pPr marL="857250" indent="0">
+            <a:lvl3pPr marL="1029589" indent="0">
               <a:buNone/>
-              <a:defRPr sz="1500"/>
+              <a:defRPr sz="1867"/>
             </a:lvl3pPr>
-            <a:lvl4pPr marL="1285875" indent="0">
+            <a:lvl4pPr marL="1544383" indent="0">
               <a:buNone/>
-              <a:defRPr sz="1313"/>
+              <a:defRPr sz="1600"/>
             </a:lvl4pPr>
-            <a:lvl5pPr marL="1714500" indent="0">
+            <a:lvl5pPr marL="2059178" indent="0">
               <a:buNone/>
-              <a:defRPr sz="1313"/>
+              <a:defRPr sz="1600"/>
             </a:lvl5pPr>
-            <a:lvl6pPr marL="2143125" indent="0">
+            <a:lvl6pPr marL="2573972" indent="0">
               <a:buNone/>
-              <a:defRPr sz="1313"/>
+              <a:defRPr sz="1600"/>
             </a:lvl6pPr>
-            <a:lvl7pPr marL="2571750" indent="0">
+            <a:lvl7pPr marL="3088765" indent="0">
               <a:buNone/>
-              <a:defRPr sz="1313"/>
+              <a:defRPr sz="1600"/>
             </a:lvl7pPr>
-            <a:lvl8pPr marL="3000375" indent="0">
+            <a:lvl8pPr marL="3603561" indent="0">
               <a:buNone/>
-              <a:defRPr sz="1313"/>
+              <a:defRPr sz="1600"/>
             </a:lvl8pPr>
-            <a:lvl9pPr marL="3429000" indent="0">
+            <a:lvl9pPr marL="4118354" indent="0">
               <a:buNone/>
-              <a:defRPr sz="1313"/>
+              <a:defRPr sz="1600"/>
             </a:lvl9pPr>
           </a:lstStyle>
           <a:p>
@@ -13308,7 +13854,7 @@
     </p:spTree>
     <p:extLst>
       <p:ext uri="{BB962C8B-B14F-4D97-AF65-F5344CB8AC3E}">
-        <p14:creationId xmlns:p14="http://schemas.microsoft.com/office/powerpoint/2010/main" val="2917331968"/>
+        <p14:creationId xmlns:p14="http://schemas.microsoft.com/office/powerpoint/2010/main" val="1291865048"/>
       </p:ext>
     </p:extLst>
   </p:cSld>
@@ -13370,39 +13916,39 @@
         </p:nvSpPr>
         <p:spPr>
           <a:xfrm>
-            <a:off x="458108" y="1343919"/>
-            <a:ext cx="4098773" cy="4597300"/>
+            <a:off x="610811" y="1343919"/>
+            <a:ext cx="5465031" cy="4597300"/>
           </a:xfrm>
         </p:spPr>
         <p:txBody>
           <a:bodyPr/>
           <a:lstStyle>
             <a:lvl1pPr>
-              <a:defRPr sz="2625"/>
+              <a:defRPr sz="3200"/>
             </a:lvl1pPr>
             <a:lvl2pPr>
-              <a:defRPr sz="2250"/>
+              <a:defRPr sz="2667"/>
             </a:lvl2pPr>
             <a:lvl3pPr>
-              <a:defRPr sz="1875"/>
+              <a:defRPr sz="2267"/>
             </a:lvl3pPr>
             <a:lvl4pPr>
-              <a:defRPr sz="1688"/>
+              <a:defRPr sz="2000"/>
             </a:lvl4pPr>
             <a:lvl5pPr>
-              <a:defRPr sz="1688"/>
+              <a:defRPr sz="2000"/>
             </a:lvl5pPr>
             <a:lvl6pPr>
-              <a:defRPr sz="1688"/>
+              <a:defRPr sz="2000"/>
             </a:lvl6pPr>
             <a:lvl7pPr>
-              <a:defRPr sz="1688"/>
+              <a:defRPr sz="2000"/>
             </a:lvl7pPr>
             <a:lvl8pPr>
-              <a:defRPr sz="1688"/>
+              <a:defRPr sz="2000"/>
             </a:lvl8pPr>
             <a:lvl9pPr>
-              <a:defRPr sz="1688"/>
+              <a:defRPr sz="2000"/>
             </a:lvl9pPr>
           </a:lstStyle>
           <a:p>
@@ -13455,39 +14001,39 @@
         </p:nvSpPr>
         <p:spPr>
           <a:xfrm>
-            <a:off x="4702024" y="1343919"/>
-            <a:ext cx="4100286" cy="4597300"/>
+            <a:off x="6269365" y="1343919"/>
+            <a:ext cx="5467048" cy="4597300"/>
           </a:xfrm>
         </p:spPr>
         <p:txBody>
           <a:bodyPr/>
           <a:lstStyle>
             <a:lvl1pPr>
-              <a:defRPr sz="2625"/>
+              <a:defRPr sz="3200"/>
             </a:lvl1pPr>
             <a:lvl2pPr>
-              <a:defRPr sz="2250"/>
+              <a:defRPr sz="2667"/>
             </a:lvl2pPr>
             <a:lvl3pPr>
-              <a:defRPr sz="1875"/>
+              <a:defRPr sz="2267"/>
             </a:lvl3pPr>
             <a:lvl4pPr>
-              <a:defRPr sz="1688"/>
+              <a:defRPr sz="2000"/>
             </a:lvl4pPr>
             <a:lvl5pPr>
-              <a:defRPr sz="1688"/>
+              <a:defRPr sz="2000"/>
             </a:lvl5pPr>
             <a:lvl6pPr>
-              <a:defRPr sz="1688"/>
+              <a:defRPr sz="2000"/>
             </a:lvl6pPr>
             <a:lvl7pPr>
-              <a:defRPr sz="1688"/>
+              <a:defRPr sz="2000"/>
             </a:lvl7pPr>
             <a:lvl8pPr>
-              <a:defRPr sz="1688"/>
+              <a:defRPr sz="2000"/>
             </a:lvl8pPr>
             <a:lvl9pPr>
-              <a:defRPr sz="1688"/>
+              <a:defRPr sz="2000"/>
             </a:lvl9pPr>
           </a:lstStyle>
           <a:p>
@@ -13531,7 +14077,7 @@
     </p:spTree>
     <p:extLst>
       <p:ext uri="{BB962C8B-B14F-4D97-AF65-F5344CB8AC3E}">
-        <p14:creationId xmlns:p14="http://schemas.microsoft.com/office/powerpoint/2010/main" val="1038111071"/>
+        <p14:creationId xmlns:p14="http://schemas.microsoft.com/office/powerpoint/2010/main" val="2108159294"/>
       </p:ext>
     </p:extLst>
   </p:cSld>
@@ -13570,8 +14116,8 @@
         </p:nvSpPr>
         <p:spPr>
           <a:xfrm>
-            <a:off x="456595" y="275333"/>
-            <a:ext cx="8230810" cy="1143000"/>
+            <a:off x="608794" y="275332"/>
+            <a:ext cx="10974413" cy="1143000"/>
           </a:xfrm>
         </p:spPr>
         <p:txBody>
@@ -13602,8 +14148,8 @@
         </p:nvSpPr>
         <p:spPr>
           <a:xfrm>
-            <a:off x="456595" y="1534419"/>
-            <a:ext cx="4041322" cy="639961"/>
+            <a:off x="608794" y="1534420"/>
+            <a:ext cx="5388429" cy="639961"/>
           </a:xfrm>
         </p:spPr>
         <p:txBody>
@@ -13611,39 +14157,39 @@
           <a:lstStyle>
             <a:lvl1pPr marL="0" indent="0">
               <a:buNone/>
-              <a:defRPr sz="2250" b="1"/>
+              <a:defRPr sz="2667" b="1"/>
             </a:lvl1pPr>
-            <a:lvl2pPr marL="428625" indent="0">
+            <a:lvl2pPr marL="514794" indent="0">
               <a:buNone/>
-              <a:defRPr sz="1875" b="1"/>
+              <a:defRPr sz="2267" b="1"/>
             </a:lvl2pPr>
-            <a:lvl3pPr marL="857250" indent="0">
+            <a:lvl3pPr marL="1029589" indent="0">
               <a:buNone/>
-              <a:defRPr sz="1688" b="1"/>
+              <a:defRPr sz="2000" b="1"/>
             </a:lvl3pPr>
-            <a:lvl4pPr marL="1285875" indent="0">
+            <a:lvl4pPr marL="1544383" indent="0">
               <a:buNone/>
-              <a:defRPr sz="1500" b="1"/>
+              <a:defRPr sz="1867" b="1"/>
             </a:lvl4pPr>
-            <a:lvl5pPr marL="1714500" indent="0">
+            <a:lvl5pPr marL="2059178" indent="0">
               <a:buNone/>
-              <a:defRPr sz="1500" b="1"/>
+              <a:defRPr sz="1867" b="1"/>
             </a:lvl5pPr>
-            <a:lvl6pPr marL="2143125" indent="0">
+            <a:lvl6pPr marL="2573972" indent="0">
               <a:buNone/>
-              <a:defRPr sz="1500" b="1"/>
+              <a:defRPr sz="1867" b="1"/>
             </a:lvl6pPr>
-            <a:lvl7pPr marL="2571750" indent="0">
+            <a:lvl7pPr marL="3088765" indent="0">
               <a:buNone/>
-              <a:defRPr sz="1500" b="1"/>
+              <a:defRPr sz="1867" b="1"/>
             </a:lvl7pPr>
-            <a:lvl8pPr marL="3000375" indent="0">
+            <a:lvl8pPr marL="3603561" indent="0">
               <a:buNone/>
-              <a:defRPr sz="1500" b="1"/>
+              <a:defRPr sz="1867" b="1"/>
             </a:lvl8pPr>
-            <a:lvl9pPr marL="3429000" indent="0">
+            <a:lvl9pPr marL="4118354" indent="0">
               <a:buNone/>
-              <a:defRPr sz="1500" b="1"/>
+              <a:defRPr sz="1867" b="1"/>
             </a:lvl9pPr>
           </a:lstStyle>
           <a:p>
@@ -13667,39 +14213,39 @@
         </p:nvSpPr>
         <p:spPr>
           <a:xfrm>
-            <a:off x="456595" y="2174380"/>
-            <a:ext cx="4041322" cy="3951386"/>
+            <a:off x="608794" y="2174379"/>
+            <a:ext cx="5388429" cy="3951387"/>
           </a:xfrm>
         </p:spPr>
         <p:txBody>
           <a:bodyPr/>
           <a:lstStyle>
             <a:lvl1pPr>
-              <a:defRPr sz="2250"/>
+              <a:defRPr sz="2667"/>
             </a:lvl1pPr>
             <a:lvl2pPr>
-              <a:defRPr sz="1875"/>
+              <a:defRPr sz="2267"/>
             </a:lvl2pPr>
             <a:lvl3pPr>
-              <a:defRPr sz="1688"/>
+              <a:defRPr sz="2000"/>
             </a:lvl3pPr>
             <a:lvl4pPr>
-              <a:defRPr sz="1500"/>
+              <a:defRPr sz="1867"/>
             </a:lvl4pPr>
             <a:lvl5pPr>
-              <a:defRPr sz="1500"/>
+              <a:defRPr sz="1867"/>
             </a:lvl5pPr>
             <a:lvl6pPr>
-              <a:defRPr sz="1500"/>
+              <a:defRPr sz="1867"/>
             </a:lvl6pPr>
             <a:lvl7pPr>
-              <a:defRPr sz="1500"/>
+              <a:defRPr sz="1867"/>
             </a:lvl7pPr>
             <a:lvl8pPr>
-              <a:defRPr sz="1500"/>
+              <a:defRPr sz="1867"/>
             </a:lvl8pPr>
             <a:lvl9pPr>
-              <a:defRPr sz="1500"/>
+              <a:defRPr sz="1867"/>
             </a:lvl9pPr>
           </a:lstStyle>
           <a:p>
@@ -13752,8 +14298,8 @@
         </p:nvSpPr>
         <p:spPr>
           <a:xfrm>
-            <a:off x="4644572" y="1534419"/>
-            <a:ext cx="4042833" cy="639961"/>
+            <a:off x="6192763" y="1534420"/>
+            <a:ext cx="5390444" cy="639961"/>
           </a:xfrm>
         </p:spPr>
         <p:txBody>
@@ -13761,39 +14307,39 @@
           <a:lstStyle>
             <a:lvl1pPr marL="0" indent="0">
               <a:buNone/>
-              <a:defRPr sz="2250" b="1"/>
+              <a:defRPr sz="2667" b="1"/>
             </a:lvl1pPr>
-            <a:lvl2pPr marL="428625" indent="0">
+            <a:lvl2pPr marL="514794" indent="0">
               <a:buNone/>
-              <a:defRPr sz="1875" b="1"/>
+              <a:defRPr sz="2267" b="1"/>
             </a:lvl2pPr>
-            <a:lvl3pPr marL="857250" indent="0">
+            <a:lvl3pPr marL="1029589" indent="0">
               <a:buNone/>
-              <a:defRPr sz="1688" b="1"/>
+              <a:defRPr sz="2000" b="1"/>
             </a:lvl3pPr>
-            <a:lvl4pPr marL="1285875" indent="0">
+            <a:lvl4pPr marL="1544383" indent="0">
               <a:buNone/>
-              <a:defRPr sz="1500" b="1"/>
+              <a:defRPr sz="1867" b="1"/>
             </a:lvl4pPr>
-            <a:lvl5pPr marL="1714500" indent="0">
+            <a:lvl5pPr marL="2059178" indent="0">
               <a:buNone/>
-              <a:defRPr sz="1500" b="1"/>
+              <a:defRPr sz="1867" b="1"/>
             </a:lvl5pPr>
-            <a:lvl6pPr marL="2143125" indent="0">
+            <a:lvl6pPr marL="2573972" indent="0">
               <a:buNone/>
-              <a:defRPr sz="1500" b="1"/>
+              <a:defRPr sz="1867" b="1"/>
             </a:lvl6pPr>
-            <a:lvl7pPr marL="2571750" indent="0">
+            <a:lvl7pPr marL="3088765" indent="0">
               <a:buNone/>
-              <a:defRPr sz="1500" b="1"/>
+              <a:defRPr sz="1867" b="1"/>
             </a:lvl7pPr>
-            <a:lvl8pPr marL="3000375" indent="0">
+            <a:lvl8pPr marL="3603561" indent="0">
               <a:buNone/>
-              <a:defRPr sz="1500" b="1"/>
+              <a:defRPr sz="1867" b="1"/>
             </a:lvl8pPr>
-            <a:lvl9pPr marL="3429000" indent="0">
+            <a:lvl9pPr marL="4118354" indent="0">
               <a:buNone/>
-              <a:defRPr sz="1500" b="1"/>
+              <a:defRPr sz="1867" b="1"/>
             </a:lvl9pPr>
           </a:lstStyle>
           <a:p>
@@ -13817,39 +14363,39 @@
         </p:nvSpPr>
         <p:spPr>
           <a:xfrm>
-            <a:off x="4644572" y="2174380"/>
-            <a:ext cx="4042833" cy="3951386"/>
+            <a:off x="6192763" y="2174379"/>
+            <a:ext cx="5390444" cy="3951387"/>
           </a:xfrm>
         </p:spPr>
         <p:txBody>
           <a:bodyPr/>
           <a:lstStyle>
             <a:lvl1pPr>
-              <a:defRPr sz="2250"/>
+              <a:defRPr sz="2667"/>
             </a:lvl1pPr>
             <a:lvl2pPr>
-              <a:defRPr sz="1875"/>
+              <a:defRPr sz="2267"/>
             </a:lvl2pPr>
             <a:lvl3pPr>
-              <a:defRPr sz="1688"/>
+              <a:defRPr sz="2000"/>
             </a:lvl3pPr>
             <a:lvl4pPr>
-              <a:defRPr sz="1500"/>
+              <a:defRPr sz="1867"/>
             </a:lvl4pPr>
             <a:lvl5pPr>
-              <a:defRPr sz="1500"/>
+              <a:defRPr sz="1867"/>
             </a:lvl5pPr>
             <a:lvl6pPr>
-              <a:defRPr sz="1500"/>
+              <a:defRPr sz="1867"/>
             </a:lvl6pPr>
             <a:lvl7pPr>
-              <a:defRPr sz="1500"/>
+              <a:defRPr sz="1867"/>
             </a:lvl7pPr>
             <a:lvl8pPr>
-              <a:defRPr sz="1500"/>
+              <a:defRPr sz="1867"/>
             </a:lvl8pPr>
             <a:lvl9pPr>
-              <a:defRPr sz="1500"/>
+              <a:defRPr sz="1867"/>
             </a:lvl9pPr>
           </a:lstStyle>
           <a:p>
@@ -13893,7 +14439,7 @@
     </p:spTree>
     <p:extLst>
       <p:ext uri="{BB962C8B-B14F-4D97-AF65-F5344CB8AC3E}">
-        <p14:creationId xmlns:p14="http://schemas.microsoft.com/office/powerpoint/2010/main" val="3150910191"/>
+        <p14:creationId xmlns:p14="http://schemas.microsoft.com/office/powerpoint/2010/main" val="197851342"/>
       </p:ext>
     </p:extLst>
   </p:cSld>
@@ -13946,7 +14492,7 @@
     </p:spTree>
     <p:extLst>
       <p:ext uri="{BB962C8B-B14F-4D97-AF65-F5344CB8AC3E}">
-        <p14:creationId xmlns:p14="http://schemas.microsoft.com/office/powerpoint/2010/main" val="765596470"/>
+        <p14:creationId xmlns:p14="http://schemas.microsoft.com/office/powerpoint/2010/main" val="2480164726"/>
       </p:ext>
     </p:extLst>
   </p:cSld>
@@ -13976,7 +14522,7 @@
     </p:spTree>
     <p:extLst>
       <p:ext uri="{BB962C8B-B14F-4D97-AF65-F5344CB8AC3E}">
-        <p14:creationId xmlns:p14="http://schemas.microsoft.com/office/powerpoint/2010/main" val="2815341831"/>
+        <p14:creationId xmlns:p14="http://schemas.microsoft.com/office/powerpoint/2010/main" val="1013898050"/>
       </p:ext>
     </p:extLst>
   </p:cSld>
@@ -14015,15 +14561,15 @@
         </p:nvSpPr>
         <p:spPr>
           <a:xfrm>
-            <a:off x="456596" y="272357"/>
-            <a:ext cx="3008690" cy="1162347"/>
+            <a:off x="608795" y="272357"/>
+            <a:ext cx="4011587" cy="1162347"/>
           </a:xfrm>
         </p:spPr>
         <p:txBody>
           <a:bodyPr anchor="b"/>
           <a:lstStyle>
             <a:lvl1pPr algn="l">
-              <a:defRPr sz="1875" b="1"/>
+              <a:defRPr sz="2267" b="1"/>
             </a:lvl1pPr>
           </a:lstStyle>
           <a:p>
@@ -14047,39 +14593,39 @@
         </p:nvSpPr>
         <p:spPr>
           <a:xfrm>
-            <a:off x="3575655" y="272356"/>
-            <a:ext cx="5111750" cy="5853410"/>
+            <a:off x="4767540" y="272357"/>
+            <a:ext cx="6815667" cy="5853409"/>
           </a:xfrm>
         </p:spPr>
         <p:txBody>
           <a:bodyPr/>
           <a:lstStyle>
             <a:lvl1pPr>
-              <a:defRPr sz="3000"/>
+              <a:defRPr sz="3600"/>
             </a:lvl1pPr>
             <a:lvl2pPr>
-              <a:defRPr sz="2625"/>
+              <a:defRPr sz="3200"/>
             </a:lvl2pPr>
             <a:lvl3pPr>
-              <a:defRPr sz="2250"/>
+              <a:defRPr sz="2667"/>
             </a:lvl3pPr>
             <a:lvl4pPr>
-              <a:defRPr sz="1875"/>
+              <a:defRPr sz="2267"/>
             </a:lvl4pPr>
             <a:lvl5pPr>
-              <a:defRPr sz="1875"/>
+              <a:defRPr sz="2267"/>
             </a:lvl5pPr>
             <a:lvl6pPr>
-              <a:defRPr sz="1875"/>
+              <a:defRPr sz="2267"/>
             </a:lvl6pPr>
             <a:lvl7pPr>
-              <a:defRPr sz="1875"/>
+              <a:defRPr sz="2267"/>
             </a:lvl7pPr>
             <a:lvl8pPr>
-              <a:defRPr sz="1875"/>
+              <a:defRPr sz="2267"/>
             </a:lvl8pPr>
             <a:lvl9pPr>
-              <a:defRPr sz="1875"/>
+              <a:defRPr sz="2267"/>
             </a:lvl9pPr>
           </a:lstStyle>
           <a:p>
@@ -14132,8 +14678,8 @@
         </p:nvSpPr>
         <p:spPr>
           <a:xfrm>
-            <a:off x="456596" y="1434703"/>
-            <a:ext cx="3008690" cy="4691063"/>
+            <a:off x="608795" y="1434703"/>
+            <a:ext cx="4011587" cy="4691063"/>
           </a:xfrm>
         </p:spPr>
         <p:txBody>
@@ -14141,39 +14687,39 @@
           <a:lstStyle>
             <a:lvl1pPr marL="0" indent="0">
               <a:buNone/>
-              <a:defRPr sz="1313"/>
+              <a:defRPr sz="1600"/>
             </a:lvl1pPr>
-            <a:lvl2pPr marL="428625" indent="0">
+            <a:lvl2pPr marL="514794" indent="0">
               <a:buNone/>
-              <a:defRPr sz="1125"/>
+              <a:defRPr sz="1333"/>
             </a:lvl2pPr>
-            <a:lvl3pPr marL="857250" indent="0">
+            <a:lvl3pPr marL="1029589" indent="0">
               <a:buNone/>
-              <a:defRPr sz="938"/>
+              <a:defRPr sz="1067"/>
             </a:lvl3pPr>
-            <a:lvl4pPr marL="1285875" indent="0">
+            <a:lvl4pPr marL="1544383" indent="0">
               <a:buNone/>
-              <a:defRPr sz="844"/>
+              <a:defRPr sz="1067"/>
             </a:lvl4pPr>
-            <a:lvl5pPr marL="1714500" indent="0">
+            <a:lvl5pPr marL="2059178" indent="0">
               <a:buNone/>
-              <a:defRPr sz="844"/>
+              <a:defRPr sz="1067"/>
             </a:lvl5pPr>
-            <a:lvl6pPr marL="2143125" indent="0">
+            <a:lvl6pPr marL="2573972" indent="0">
               <a:buNone/>
-              <a:defRPr sz="844"/>
+              <a:defRPr sz="1067"/>
             </a:lvl6pPr>
-            <a:lvl7pPr marL="2571750" indent="0">
+            <a:lvl7pPr marL="3088765" indent="0">
               <a:buNone/>
-              <a:defRPr sz="844"/>
+              <a:defRPr sz="1067"/>
             </a:lvl7pPr>
-            <a:lvl8pPr marL="3000375" indent="0">
+            <a:lvl8pPr marL="3603561" indent="0">
               <a:buNone/>
-              <a:defRPr sz="844"/>
+              <a:defRPr sz="1067"/>
             </a:lvl8pPr>
-            <a:lvl9pPr marL="3429000" indent="0">
+            <a:lvl9pPr marL="4118354" indent="0">
               <a:buNone/>
-              <a:defRPr sz="844"/>
+              <a:defRPr sz="1067"/>
             </a:lvl9pPr>
           </a:lstStyle>
           <a:p>
@@ -14188,7 +14734,7 @@
     </p:spTree>
     <p:extLst>
       <p:ext uri="{BB962C8B-B14F-4D97-AF65-F5344CB8AC3E}">
-        <p14:creationId xmlns:p14="http://schemas.microsoft.com/office/powerpoint/2010/main" val="3417372547"/>
+        <p14:creationId xmlns:p14="http://schemas.microsoft.com/office/powerpoint/2010/main" val="399380760"/>
       </p:ext>
     </p:extLst>
   </p:cSld>
@@ -14227,15 +14773,15 @@
         </p:nvSpPr>
         <p:spPr>
           <a:xfrm>
-            <a:off x="1791608" y="4801195"/>
-            <a:ext cx="5486702" cy="565547"/>
+            <a:off x="2388811" y="4801196"/>
+            <a:ext cx="7315603" cy="565547"/>
           </a:xfrm>
         </p:spPr>
         <p:txBody>
           <a:bodyPr anchor="b"/>
           <a:lstStyle>
             <a:lvl1pPr algn="l">
-              <a:defRPr sz="1875" b="1"/>
+              <a:defRPr sz="2267" b="1"/>
             </a:lvl1pPr>
           </a:lstStyle>
           <a:p>
@@ -14259,8 +14805,8 @@
         </p:nvSpPr>
         <p:spPr>
           <a:xfrm>
-            <a:off x="1791608" y="613172"/>
-            <a:ext cx="5486702" cy="4115098"/>
+            <a:off x="2388811" y="613172"/>
+            <a:ext cx="7315603" cy="4115099"/>
           </a:xfrm>
         </p:spPr>
         <p:txBody>
@@ -14268,39 +14814,39 @@
           <a:lstStyle>
             <a:lvl1pPr marL="0" indent="0">
               <a:buNone/>
-              <a:defRPr sz="3000"/>
+              <a:defRPr sz="3600"/>
             </a:lvl1pPr>
-            <a:lvl2pPr marL="428625" indent="0">
+            <a:lvl2pPr marL="514794" indent="0">
               <a:buNone/>
-              <a:defRPr sz="2625"/>
+              <a:defRPr sz="3200"/>
             </a:lvl2pPr>
-            <a:lvl3pPr marL="857250" indent="0">
+            <a:lvl3pPr marL="1029589" indent="0">
               <a:buNone/>
-              <a:defRPr sz="2250"/>
+              <a:defRPr sz="2667"/>
             </a:lvl3pPr>
-            <a:lvl4pPr marL="1285875" indent="0">
+            <a:lvl4pPr marL="1544383" indent="0">
               <a:buNone/>
-              <a:defRPr sz="1875"/>
+              <a:defRPr sz="2267"/>
             </a:lvl4pPr>
-            <a:lvl5pPr marL="1714500" indent="0">
+            <a:lvl5pPr marL="2059178" indent="0">
               <a:buNone/>
-              <a:defRPr sz="1875"/>
+              <a:defRPr sz="2267"/>
             </a:lvl5pPr>
-            <a:lvl6pPr marL="2143125" indent="0">
+            <a:lvl6pPr marL="2573972" indent="0">
               <a:buNone/>
-              <a:defRPr sz="1875"/>
+              <a:defRPr sz="2267"/>
             </a:lvl6pPr>
-            <a:lvl7pPr marL="2571750" indent="0">
+            <a:lvl7pPr marL="3088765" indent="0">
               <a:buNone/>
-              <a:defRPr sz="1875"/>
+              <a:defRPr sz="2267"/>
             </a:lvl7pPr>
-            <a:lvl8pPr marL="3000375" indent="0">
+            <a:lvl8pPr marL="3603561" indent="0">
               <a:buNone/>
-              <a:defRPr sz="1875"/>
+              <a:defRPr sz="2267"/>
             </a:lvl8pPr>
-            <a:lvl9pPr marL="3429000" indent="0">
+            <a:lvl9pPr marL="4118354" indent="0">
               <a:buNone/>
-              <a:defRPr sz="1875"/>
+              <a:defRPr sz="2267"/>
             </a:lvl9pPr>
           </a:lstStyle>
           <a:p>
@@ -14309,6 +14855,7 @@
               <a:rPr lang="en-US" noProof="0" smtClean="0"/>
               <a:t>Click icon to add picture</a:t>
             </a:r>
+            <a:endParaRPr lang="en-US" noProof="0" smtClean="0"/>
           </a:p>
         </p:txBody>
       </p:sp>
@@ -14324,8 +14871,8 @@
         </p:nvSpPr>
         <p:spPr>
           <a:xfrm>
-            <a:off x="1791608" y="5366742"/>
-            <a:ext cx="5486702" cy="805161"/>
+            <a:off x="2388811" y="5366743"/>
+            <a:ext cx="7315603" cy="805160"/>
           </a:xfrm>
         </p:spPr>
         <p:txBody>
@@ -14333,39 +14880,39 @@
           <a:lstStyle>
             <a:lvl1pPr marL="0" indent="0">
               <a:buNone/>
-              <a:defRPr sz="1313"/>
+              <a:defRPr sz="1600"/>
             </a:lvl1pPr>
-            <a:lvl2pPr marL="428625" indent="0">
+            <a:lvl2pPr marL="514794" indent="0">
               <a:buNone/>
-              <a:defRPr sz="1125"/>
+              <a:defRPr sz="1333"/>
             </a:lvl2pPr>
-            <a:lvl3pPr marL="857250" indent="0">
+            <a:lvl3pPr marL="1029589" indent="0">
               <a:buNone/>
-              <a:defRPr sz="938"/>
+              <a:defRPr sz="1067"/>
             </a:lvl3pPr>
-            <a:lvl4pPr marL="1285875" indent="0">
+            <a:lvl4pPr marL="1544383" indent="0">
               <a:buNone/>
-              <a:defRPr sz="844"/>
+              <a:defRPr sz="1067"/>
             </a:lvl4pPr>
-            <a:lvl5pPr marL="1714500" indent="0">
+            <a:lvl5pPr marL="2059178" indent="0">
               <a:buNone/>
-              <a:defRPr sz="844"/>
+              <a:defRPr sz="1067"/>
             </a:lvl5pPr>
-            <a:lvl6pPr marL="2143125" indent="0">
+            <a:lvl6pPr marL="2573972" indent="0">
               <a:buNone/>
-              <a:defRPr sz="844"/>
+              <a:defRPr sz="1067"/>
             </a:lvl6pPr>
-            <a:lvl7pPr marL="2571750" indent="0">
+            <a:lvl7pPr marL="3088765" indent="0">
               <a:buNone/>
-              <a:defRPr sz="844"/>
+              <a:defRPr sz="1067"/>
             </a:lvl7pPr>
-            <a:lvl8pPr marL="3000375" indent="0">
+            <a:lvl8pPr marL="3603561" indent="0">
               <a:buNone/>
-              <a:defRPr sz="844"/>
+              <a:defRPr sz="1067"/>
             </a:lvl8pPr>
-            <a:lvl9pPr marL="3429000" indent="0">
+            <a:lvl9pPr marL="4118354" indent="0">
               <a:buNone/>
-              <a:defRPr sz="844"/>
+              <a:defRPr sz="1067"/>
             </a:lvl9pPr>
           </a:lstStyle>
           <a:p>
@@ -14380,7 +14927,7 @@
     </p:spTree>
     <p:extLst>
       <p:ext uri="{BB962C8B-B14F-4D97-AF65-F5344CB8AC3E}">
-        <p14:creationId xmlns:p14="http://schemas.microsoft.com/office/powerpoint/2010/main" val="2940244909"/>
+        <p14:creationId xmlns:p14="http://schemas.microsoft.com/office/powerpoint/2010/main" val="2254100011"/>
       </p:ext>
     </p:extLst>
   </p:cSld>
@@ -14437,8 +14984,8 @@
         </p:blipFill>
         <p:spPr bwMode="auto">
           <a:xfrm>
-            <a:off x="0" y="-8447"/>
-            <a:ext cx="9144000" cy="6815084"/>
+            <a:off x="1" y="-8446"/>
+            <a:ext cx="12191999" cy="6866447"/>
           </a:xfrm>
           <a:prstGeom prst="rect">
             <a:avLst/>
@@ -14464,8 +15011,8 @@
         </p:nvSpPr>
         <p:spPr bwMode="auto">
           <a:xfrm>
-            <a:off x="458108" y="558106"/>
-            <a:ext cx="8344202" cy="785813"/>
+            <a:off x="610810" y="558107"/>
+            <a:ext cx="11125603" cy="785812"/>
           </a:xfrm>
           <a:prstGeom prst="rect">
             <a:avLst/>
@@ -14479,7 +15026,7 @@
           </a:ln>
         </p:spPr>
         <p:txBody>
-          <a:bodyPr vert="horz" wrap="square" lIns="96646" tIns="48323" rIns="96646" bIns="48323" numCol="1" anchor="ctr" anchorCtr="0" compatLnSpc="1">
+          <a:bodyPr vert="horz" wrap="square" lIns="81618" tIns="40809" rIns="81618" bIns="40809" numCol="1" anchor="ctr" anchorCtr="0" compatLnSpc="1">
             <a:prstTxWarp prst="textNoShape">
               <a:avLst/>
             </a:prstTxWarp>
@@ -14491,6 +15038,7 @@
               <a:rPr lang="en-US" smtClean="0"/>
               <a:t>Click to edit Master title style</a:t>
             </a:r>
+            <a:endParaRPr lang="en-US" smtClean="0"/>
           </a:p>
         </p:txBody>
       </p:sp>
@@ -14506,8 +15054,8 @@
         </p:nvSpPr>
         <p:spPr bwMode="auto">
           <a:xfrm>
-            <a:off x="458108" y="1343919"/>
-            <a:ext cx="8344202" cy="4597300"/>
+            <a:off x="610810" y="1343919"/>
+            <a:ext cx="11125603" cy="4597300"/>
           </a:xfrm>
           <a:prstGeom prst="rect">
             <a:avLst/>
@@ -14521,7 +15069,7 @@
           </a:ln>
         </p:spPr>
         <p:txBody>
-          <a:bodyPr vert="horz" wrap="square" lIns="96646" tIns="48323" rIns="96646" bIns="48323" numCol="1" anchor="t" anchorCtr="0" compatLnSpc="1">
+          <a:bodyPr vert="horz" wrap="square" lIns="81618" tIns="40809" rIns="81618" bIns="40809" numCol="1" anchor="t" anchorCtr="0" compatLnSpc="1">
             <a:prstTxWarp prst="textNoShape">
               <a:avLst/>
             </a:prstTxWarp>
@@ -14561,40 +15109,41 @@
               <a:rPr lang="en-US" smtClean="0"/>
               <a:t>Fifth level</a:t>
             </a:r>
+            <a:endParaRPr lang="en-US" smtClean="0"/>
           </a:p>
         </p:txBody>
       </p:sp>
     </p:spTree>
     <p:extLst>
       <p:ext uri="{BB962C8B-B14F-4D97-AF65-F5344CB8AC3E}">
-        <p14:creationId xmlns:p14="http://schemas.microsoft.com/office/powerpoint/2010/main" val="3391818758"/>
+        <p14:creationId xmlns:p14="http://schemas.microsoft.com/office/powerpoint/2010/main" val="1110309217"/>
       </p:ext>
     </p:extLst>
   </p:cSld>
   <p:clrMap bg1="lt1" tx1="dk1" bg2="lt2" tx2="dk2" accent1="accent1" accent2="accent2" accent3="accent3" accent4="accent4" accent5="accent5" accent6="accent6" hlink="hlink" folHlink="folHlink"/>
   <p:sldLayoutIdLst>
-    <p:sldLayoutId id="2147483685" r:id="rId1"/>
-    <p:sldLayoutId id="2147483686" r:id="rId2"/>
-    <p:sldLayoutId id="2147483687" r:id="rId3"/>
-    <p:sldLayoutId id="2147483688" r:id="rId4"/>
-    <p:sldLayoutId id="2147483689" r:id="rId5"/>
-    <p:sldLayoutId id="2147483690" r:id="rId6"/>
-    <p:sldLayoutId id="2147483691" r:id="rId7"/>
-    <p:sldLayoutId id="2147483692" r:id="rId8"/>
-    <p:sldLayoutId id="2147483693" r:id="rId9"/>
-    <p:sldLayoutId id="2147483694" r:id="rId10"/>
-    <p:sldLayoutId id="2147483695" r:id="rId11"/>
+    <p:sldLayoutId id="2147483697" r:id="rId1"/>
+    <p:sldLayoutId id="2147483698" r:id="rId2"/>
+    <p:sldLayoutId id="2147483699" r:id="rId3"/>
+    <p:sldLayoutId id="2147483700" r:id="rId4"/>
+    <p:sldLayoutId id="2147483701" r:id="rId5"/>
+    <p:sldLayoutId id="2147483702" r:id="rId6"/>
+    <p:sldLayoutId id="2147483703" r:id="rId7"/>
+    <p:sldLayoutId id="2147483704" r:id="rId8"/>
+    <p:sldLayoutId id="2147483705" r:id="rId9"/>
+    <p:sldLayoutId id="2147483706" r:id="rId10"/>
+    <p:sldLayoutId id="2147483707" r:id="rId11"/>
   </p:sldLayoutIdLst>
   <p:txStyles>
     <p:titleStyle>
-      <a:lvl1pPr algn="l" defTabSz="906364" rtl="0" eaLnBrk="1" fontAlgn="base" hangingPunct="1">
+      <a:lvl1pPr algn="l" defTabSz="1088575" rtl="0" eaLnBrk="1" fontAlgn="base" hangingPunct="1">
         <a:spcBef>
           <a:spcPct val="0"/>
         </a:spcBef>
         <a:spcAft>
           <a:spcPct val="0"/>
         </a:spcAft>
-        <a:defRPr sz="3188">
+        <a:defRPr sz="3867">
           <a:solidFill>
             <a:srgbClr val="0066CC"/>
           </a:solidFill>
@@ -14603,112 +15152,112 @@
           <a:cs typeface="+mj-cs"/>
         </a:defRPr>
       </a:lvl1pPr>
-      <a:lvl2pPr algn="l" defTabSz="906364" rtl="0" eaLnBrk="1" fontAlgn="base" hangingPunct="1">
+      <a:lvl2pPr algn="l" defTabSz="1088575" rtl="0" eaLnBrk="1" fontAlgn="base" hangingPunct="1">
         <a:spcBef>
           <a:spcPct val="0"/>
         </a:spcBef>
         <a:spcAft>
           <a:spcPct val="0"/>
         </a:spcAft>
-        <a:defRPr sz="3188">
+        <a:defRPr sz="3867">
           <a:solidFill>
             <a:srgbClr val="0066CC"/>
           </a:solidFill>
           <a:latin typeface="Arial" charset="0"/>
         </a:defRPr>
       </a:lvl2pPr>
-      <a:lvl3pPr algn="l" defTabSz="906364" rtl="0" eaLnBrk="1" fontAlgn="base" hangingPunct="1">
+      <a:lvl3pPr algn="l" defTabSz="1088575" rtl="0" eaLnBrk="1" fontAlgn="base" hangingPunct="1">
         <a:spcBef>
           <a:spcPct val="0"/>
         </a:spcBef>
         <a:spcAft>
           <a:spcPct val="0"/>
         </a:spcAft>
-        <a:defRPr sz="3188">
+        <a:defRPr sz="3867">
           <a:solidFill>
             <a:srgbClr val="0066CC"/>
           </a:solidFill>
           <a:latin typeface="Arial" charset="0"/>
         </a:defRPr>
       </a:lvl3pPr>
-      <a:lvl4pPr algn="l" defTabSz="906364" rtl="0" eaLnBrk="1" fontAlgn="base" hangingPunct="1">
+      <a:lvl4pPr algn="l" defTabSz="1088575" rtl="0" eaLnBrk="1" fontAlgn="base" hangingPunct="1">
         <a:spcBef>
           <a:spcPct val="0"/>
         </a:spcBef>
         <a:spcAft>
           <a:spcPct val="0"/>
         </a:spcAft>
-        <a:defRPr sz="3188">
+        <a:defRPr sz="3867">
           <a:solidFill>
             <a:srgbClr val="0066CC"/>
           </a:solidFill>
           <a:latin typeface="Arial" charset="0"/>
         </a:defRPr>
       </a:lvl4pPr>
-      <a:lvl5pPr algn="l" defTabSz="906364" rtl="0" eaLnBrk="1" fontAlgn="base" hangingPunct="1">
+      <a:lvl5pPr algn="l" defTabSz="1088575" rtl="0" eaLnBrk="1" fontAlgn="base" hangingPunct="1">
         <a:spcBef>
           <a:spcPct val="0"/>
         </a:spcBef>
         <a:spcAft>
           <a:spcPct val="0"/>
         </a:spcAft>
-        <a:defRPr sz="3188">
+        <a:defRPr sz="3867">
           <a:solidFill>
             <a:srgbClr val="0066CC"/>
           </a:solidFill>
           <a:latin typeface="Arial" charset="0"/>
         </a:defRPr>
       </a:lvl5pPr>
-      <a:lvl6pPr marL="428625" algn="l" defTabSz="906364" rtl="0" eaLnBrk="1" fontAlgn="base" hangingPunct="1">
+      <a:lvl6pPr marL="514794" algn="l" defTabSz="1088575" rtl="0" eaLnBrk="1" fontAlgn="base" hangingPunct="1">
         <a:spcBef>
           <a:spcPct val="0"/>
         </a:spcBef>
         <a:spcAft>
           <a:spcPct val="0"/>
         </a:spcAft>
-        <a:defRPr sz="3188">
+        <a:defRPr sz="3867">
           <a:solidFill>
             <a:srgbClr val="0066CC"/>
           </a:solidFill>
           <a:latin typeface="Arial" charset="0"/>
         </a:defRPr>
       </a:lvl6pPr>
-      <a:lvl7pPr marL="857250" algn="l" defTabSz="906364" rtl="0" eaLnBrk="1" fontAlgn="base" hangingPunct="1">
+      <a:lvl7pPr marL="1029589" algn="l" defTabSz="1088575" rtl="0" eaLnBrk="1" fontAlgn="base" hangingPunct="1">
         <a:spcBef>
           <a:spcPct val="0"/>
         </a:spcBef>
         <a:spcAft>
           <a:spcPct val="0"/>
         </a:spcAft>
-        <a:defRPr sz="3188">
+        <a:defRPr sz="3867">
           <a:solidFill>
             <a:srgbClr val="0066CC"/>
           </a:solidFill>
           <a:latin typeface="Arial" charset="0"/>
         </a:defRPr>
       </a:lvl7pPr>
-      <a:lvl8pPr marL="1285875" algn="l" defTabSz="906364" rtl="0" eaLnBrk="1" fontAlgn="base" hangingPunct="1">
+      <a:lvl8pPr marL="1544383" algn="l" defTabSz="1088575" rtl="0" eaLnBrk="1" fontAlgn="base" hangingPunct="1">
         <a:spcBef>
           <a:spcPct val="0"/>
         </a:spcBef>
         <a:spcAft>
           <a:spcPct val="0"/>
         </a:spcAft>
-        <a:defRPr sz="3188">
+        <a:defRPr sz="3867">
           <a:solidFill>
             <a:srgbClr val="0066CC"/>
           </a:solidFill>
           <a:latin typeface="Arial" charset="0"/>
         </a:defRPr>
       </a:lvl8pPr>
-      <a:lvl9pPr marL="1714500" algn="l" defTabSz="906364" rtl="0" eaLnBrk="1" fontAlgn="base" hangingPunct="1">
+      <a:lvl9pPr marL="2059178" algn="l" defTabSz="1088575" rtl="0" eaLnBrk="1" fontAlgn="base" hangingPunct="1">
         <a:spcBef>
           <a:spcPct val="0"/>
         </a:spcBef>
         <a:spcAft>
           <a:spcPct val="0"/>
         </a:spcAft>
-        <a:defRPr sz="3188">
+        <a:defRPr sz="3867">
           <a:solidFill>
             <a:srgbClr val="0066CC"/>
           </a:solidFill>
@@ -14717,7 +15266,7 @@
       </a:lvl9pPr>
     </p:titleStyle>
     <p:bodyStyle>
-      <a:lvl1pPr marL="340817" indent="-340817" algn="l" defTabSz="906364" rtl="0" eaLnBrk="1" fontAlgn="base" hangingPunct="1">
+      <a:lvl1pPr marL="409334" indent="-409334" algn="l" defTabSz="1088575" rtl="0" eaLnBrk="1" fontAlgn="base" hangingPunct="1">
         <a:spcBef>
           <a:spcPct val="20000"/>
         </a:spcBef>
@@ -14725,7 +15274,7 @@
           <a:spcPct val="0"/>
         </a:spcAft>
         <a:buChar char="•"/>
-        <a:defRPr sz="2719">
+        <a:defRPr sz="3200">
           <a:solidFill>
             <a:schemeClr val="tx1"/>
           </a:solidFill>
@@ -14734,7 +15283,7 @@
           <a:cs typeface="+mn-cs"/>
         </a:defRPr>
       </a:lvl1pPr>
-      <a:lvl2pPr marL="735211" indent="-282773" algn="l" defTabSz="906364" rtl="0" eaLnBrk="1" fontAlgn="base" hangingPunct="1">
+      <a:lvl2pPr marL="883015" indent="-339621" algn="l" defTabSz="1088575" rtl="0" eaLnBrk="1" fontAlgn="base" hangingPunct="1">
         <a:spcBef>
           <a:spcPct val="20000"/>
         </a:spcBef>
@@ -14742,14 +15291,14 @@
           <a:spcPct val="0"/>
         </a:spcAft>
         <a:buChar char="–"/>
-        <a:defRPr sz="2438">
+        <a:defRPr sz="2933">
           <a:solidFill>
             <a:schemeClr val="tx1"/>
           </a:solidFill>
           <a:latin typeface="+mn-lt"/>
         </a:defRPr>
       </a:lvl2pPr>
-      <a:lvl3pPr marL="1132583" indent="-226219" algn="l" defTabSz="906364" rtl="0" eaLnBrk="1" fontAlgn="base" hangingPunct="1">
+      <a:lvl3pPr marL="1360273" indent="-271697" algn="l" defTabSz="1088575" rtl="0" eaLnBrk="1" fontAlgn="base" hangingPunct="1">
         <a:spcBef>
           <a:spcPct val="20000"/>
         </a:spcBef>
@@ -14757,14 +15306,14 @@
           <a:spcPct val="0"/>
         </a:spcAft>
         <a:buChar char="•"/>
-        <a:defRPr sz="1969">
+        <a:defRPr sz="2400">
           <a:solidFill>
             <a:schemeClr val="tx1"/>
           </a:solidFill>
           <a:latin typeface="+mn-lt"/>
         </a:defRPr>
       </a:lvl3pPr>
-      <a:lvl4pPr marL="1583531" indent="-223242" algn="l" defTabSz="906364" rtl="0" eaLnBrk="1" fontAlgn="base" hangingPunct="1">
+      <a:lvl4pPr marL="1901879" indent="-268123" algn="l" defTabSz="1088575" rtl="0" eaLnBrk="1" fontAlgn="base" hangingPunct="1">
         <a:spcBef>
           <a:spcPct val="20000"/>
         </a:spcBef>
@@ -14772,14 +15321,14 @@
           <a:spcPct val="0"/>
         </a:spcAft>
         <a:buChar char="–"/>
-        <a:defRPr sz="1969">
+        <a:defRPr sz="2400">
           <a:solidFill>
             <a:schemeClr val="tx1"/>
           </a:solidFill>
           <a:latin typeface="+mn-lt"/>
         </a:defRPr>
       </a:lvl4pPr>
-      <a:lvl5pPr marL="2038945" indent="-226219" algn="l" defTabSz="906364" rtl="0" eaLnBrk="1" fontAlgn="base" hangingPunct="1">
+      <a:lvl5pPr marL="2448848" indent="-271697" algn="l" defTabSz="1088575" rtl="0" eaLnBrk="1" fontAlgn="base" hangingPunct="1">
         <a:spcBef>
           <a:spcPct val="20000"/>
         </a:spcBef>
@@ -14787,14 +15336,14 @@
           <a:spcPct val="0"/>
         </a:spcAft>
         <a:buChar char="»"/>
-        <a:defRPr sz="1969">
+        <a:defRPr sz="2400">
           <a:solidFill>
             <a:schemeClr val="tx1"/>
           </a:solidFill>
           <a:latin typeface="+mn-lt"/>
         </a:defRPr>
       </a:lvl5pPr>
-      <a:lvl6pPr marL="2467570" indent="-226219" algn="l" defTabSz="906364" rtl="0" eaLnBrk="1" fontAlgn="base" hangingPunct="1">
+      <a:lvl6pPr marL="2963642" indent="-271697" algn="l" defTabSz="1088575" rtl="0" eaLnBrk="1" fontAlgn="base" hangingPunct="1">
         <a:spcBef>
           <a:spcPct val="20000"/>
         </a:spcBef>
@@ -14802,14 +15351,14 @@
           <a:spcPct val="0"/>
         </a:spcAft>
         <a:buChar char="»"/>
-        <a:defRPr sz="1969">
+        <a:defRPr sz="2400">
           <a:solidFill>
             <a:schemeClr val="tx1"/>
           </a:solidFill>
           <a:latin typeface="+mn-lt"/>
         </a:defRPr>
       </a:lvl6pPr>
-      <a:lvl7pPr marL="2896195" indent="-226219" algn="l" defTabSz="906364" rtl="0" eaLnBrk="1" fontAlgn="base" hangingPunct="1">
+      <a:lvl7pPr marL="3478437" indent="-271697" algn="l" defTabSz="1088575" rtl="0" eaLnBrk="1" fontAlgn="base" hangingPunct="1">
         <a:spcBef>
           <a:spcPct val="20000"/>
         </a:spcBef>
@@ -14817,14 +15366,14 @@
           <a:spcPct val="0"/>
         </a:spcAft>
         <a:buChar char="»"/>
-        <a:defRPr sz="1969">
+        <a:defRPr sz="2400">
           <a:solidFill>
             <a:schemeClr val="tx1"/>
           </a:solidFill>
           <a:latin typeface="+mn-lt"/>
         </a:defRPr>
       </a:lvl7pPr>
-      <a:lvl8pPr marL="3324820" indent="-226219" algn="l" defTabSz="906364" rtl="0" eaLnBrk="1" fontAlgn="base" hangingPunct="1">
+      <a:lvl8pPr marL="3993231" indent="-271697" algn="l" defTabSz="1088575" rtl="0" eaLnBrk="1" fontAlgn="base" hangingPunct="1">
         <a:spcBef>
           <a:spcPct val="20000"/>
         </a:spcBef>
@@ -14832,14 +15381,14 @@
           <a:spcPct val="0"/>
         </a:spcAft>
         <a:buChar char="»"/>
-        <a:defRPr sz="1969">
+        <a:defRPr sz="2400">
           <a:solidFill>
             <a:schemeClr val="tx1"/>
           </a:solidFill>
           <a:latin typeface="+mn-lt"/>
         </a:defRPr>
       </a:lvl8pPr>
-      <a:lvl9pPr marL="3753445" indent="-226219" algn="l" defTabSz="906364" rtl="0" eaLnBrk="1" fontAlgn="base" hangingPunct="1">
+      <a:lvl9pPr marL="4508026" indent="-271697" algn="l" defTabSz="1088575" rtl="0" eaLnBrk="1" fontAlgn="base" hangingPunct="1">
         <a:spcBef>
           <a:spcPct val="20000"/>
         </a:spcBef>
@@ -14847,7 +15396,7 @@
           <a:spcPct val="0"/>
         </a:spcAft>
         <a:buChar char="»"/>
-        <a:defRPr sz="1969">
+        <a:defRPr sz="2400">
           <a:solidFill>
             <a:schemeClr val="tx1"/>
           </a:solidFill>
@@ -14859,8 +15408,8 @@
       <a:defPPr>
         <a:defRPr lang="en-US"/>
       </a:defPPr>
-      <a:lvl1pPr marL="0" algn="l" defTabSz="857250" rtl="0" eaLnBrk="1" latinLnBrk="0" hangingPunct="1">
-        <a:defRPr sz="1688" kern="1200">
+      <a:lvl1pPr marL="0" algn="l" defTabSz="1029589" rtl="0" eaLnBrk="1" latinLnBrk="0" hangingPunct="1">
+        <a:defRPr sz="2000" kern="1200">
           <a:solidFill>
             <a:schemeClr val="tx1"/>
           </a:solidFill>
@@ -14869,8 +15418,8 @@
           <a:cs typeface="+mn-cs"/>
         </a:defRPr>
       </a:lvl1pPr>
-      <a:lvl2pPr marL="428625" algn="l" defTabSz="857250" rtl="0" eaLnBrk="1" latinLnBrk="0" hangingPunct="1">
-        <a:defRPr sz="1688" kern="1200">
+      <a:lvl2pPr marL="514794" algn="l" defTabSz="1029589" rtl="0" eaLnBrk="1" latinLnBrk="0" hangingPunct="1">
+        <a:defRPr sz="2000" kern="1200">
           <a:solidFill>
             <a:schemeClr val="tx1"/>
           </a:solidFill>
@@ -14879,8 +15428,8 @@
           <a:cs typeface="+mn-cs"/>
         </a:defRPr>
       </a:lvl2pPr>
-      <a:lvl3pPr marL="857250" algn="l" defTabSz="857250" rtl="0" eaLnBrk="1" latinLnBrk="0" hangingPunct="1">
-        <a:defRPr sz="1688" kern="1200">
+      <a:lvl3pPr marL="1029589" algn="l" defTabSz="1029589" rtl="0" eaLnBrk="1" latinLnBrk="0" hangingPunct="1">
+        <a:defRPr sz="2000" kern="1200">
           <a:solidFill>
             <a:schemeClr val="tx1"/>
           </a:solidFill>
@@ -14889,8 +15438,8 @@
           <a:cs typeface="+mn-cs"/>
         </a:defRPr>
       </a:lvl3pPr>
-      <a:lvl4pPr marL="1285875" algn="l" defTabSz="857250" rtl="0" eaLnBrk="1" latinLnBrk="0" hangingPunct="1">
-        <a:defRPr sz="1688" kern="1200">
+      <a:lvl4pPr marL="1544383" algn="l" defTabSz="1029589" rtl="0" eaLnBrk="1" latinLnBrk="0" hangingPunct="1">
+        <a:defRPr sz="2000" kern="1200">
           <a:solidFill>
             <a:schemeClr val="tx1"/>
           </a:solidFill>
@@ -14899,8 +15448,8 @@
           <a:cs typeface="+mn-cs"/>
         </a:defRPr>
       </a:lvl4pPr>
-      <a:lvl5pPr marL="1714500" algn="l" defTabSz="857250" rtl="0" eaLnBrk="1" latinLnBrk="0" hangingPunct="1">
-        <a:defRPr sz="1688" kern="1200">
+      <a:lvl5pPr marL="2059178" algn="l" defTabSz="1029589" rtl="0" eaLnBrk="1" latinLnBrk="0" hangingPunct="1">
+        <a:defRPr sz="2000" kern="1200">
           <a:solidFill>
             <a:schemeClr val="tx1"/>
           </a:solidFill>
@@ -14909,8 +15458,8 @@
           <a:cs typeface="+mn-cs"/>
         </a:defRPr>
       </a:lvl5pPr>
-      <a:lvl6pPr marL="2143125" algn="l" defTabSz="857250" rtl="0" eaLnBrk="1" latinLnBrk="0" hangingPunct="1">
-        <a:defRPr sz="1688" kern="1200">
+      <a:lvl6pPr marL="2573972" algn="l" defTabSz="1029589" rtl="0" eaLnBrk="1" latinLnBrk="0" hangingPunct="1">
+        <a:defRPr sz="2000" kern="1200">
           <a:solidFill>
             <a:schemeClr val="tx1"/>
           </a:solidFill>
@@ -14919,8 +15468,8 @@
           <a:cs typeface="+mn-cs"/>
         </a:defRPr>
       </a:lvl6pPr>
-      <a:lvl7pPr marL="2571750" algn="l" defTabSz="857250" rtl="0" eaLnBrk="1" latinLnBrk="0" hangingPunct="1">
-        <a:defRPr sz="1688" kern="1200">
+      <a:lvl7pPr marL="3088765" algn="l" defTabSz="1029589" rtl="0" eaLnBrk="1" latinLnBrk="0" hangingPunct="1">
+        <a:defRPr sz="2000" kern="1200">
           <a:solidFill>
             <a:schemeClr val="tx1"/>
           </a:solidFill>
@@ -14929,8 +15478,8 @@
           <a:cs typeface="+mn-cs"/>
         </a:defRPr>
       </a:lvl7pPr>
-      <a:lvl8pPr marL="3000375" algn="l" defTabSz="857250" rtl="0" eaLnBrk="1" latinLnBrk="0" hangingPunct="1">
-        <a:defRPr sz="1688" kern="1200">
+      <a:lvl8pPr marL="3603561" algn="l" defTabSz="1029589" rtl="0" eaLnBrk="1" latinLnBrk="0" hangingPunct="1">
+        <a:defRPr sz="2000" kern="1200">
           <a:solidFill>
             <a:schemeClr val="tx1"/>
           </a:solidFill>
@@ -14939,8 +15488,8 @@
           <a:cs typeface="+mn-cs"/>
         </a:defRPr>
       </a:lvl8pPr>
-      <a:lvl9pPr marL="3429000" algn="l" defTabSz="857250" rtl="0" eaLnBrk="1" latinLnBrk="0" hangingPunct="1">
-        <a:defRPr sz="1688" kern="1200">
+      <a:lvl9pPr marL="4118354" algn="l" defTabSz="1029589" rtl="0" eaLnBrk="1" latinLnBrk="0" hangingPunct="1">
+        <a:defRPr sz="2000" kern="1200">
           <a:solidFill>
             <a:schemeClr val="tx1"/>
           </a:solidFill>
@@ -14973,6 +15522,34 @@
       </p:grpSpPr>
       <p:sp>
         <p:nvSpPr>
+          <p:cNvPr id="6" name="Title 5"/>
+          <p:cNvSpPr>
+            <a:spLocks noGrp="1"/>
+          </p:cNvSpPr>
+          <p:nvPr>
+            <p:ph type="ctrTitle"/>
+          </p:nvPr>
+        </p:nvSpPr>
+        <p:spPr>
+          <a:xfrm>
+            <a:off x="2210405" y="1730707"/>
+            <a:ext cx="7771190" cy="1470422"/>
+          </a:xfrm>
+        </p:spPr>
+        <p:txBody>
+          <a:bodyPr/>
+          <a:lstStyle/>
+          <a:p>
+            <a:pPr algn="ctr"/>
+            <a:r>
+              <a:rPr lang="en-US" sz="5400" dirty="0"/>
+              <a:t>Going Native With Kendo UI Mobile</a:t>
+            </a:r>
+          </a:p>
+        </p:txBody>
+      </p:sp>
+      <p:sp>
+        <p:nvSpPr>
           <p:cNvPr id="7" name="Subtitle 6"/>
           <p:cNvSpPr>
             <a:spLocks noGrp="1"/>
@@ -14983,7 +15560,7 @@
         </p:nvSpPr>
         <p:spPr>
           <a:xfrm>
-            <a:off x="1371298" y="4650699"/>
+            <a:off x="2895299" y="4650700"/>
             <a:ext cx="6401405" cy="1753195"/>
           </a:xfrm>
         </p:spPr>
@@ -14992,46 +15569,46 @@
           <a:lstStyle/>
           <a:p>
             <a:r>
-              <a:rPr lang="en-US" sz="1800" dirty="0" smtClean="0"/>
+              <a:rPr lang="en-US" sz="1800" dirty="0"/>
               <a:t>Keith Burnell</a:t>
             </a:r>
           </a:p>
           <a:p>
             <a:r>
-              <a:rPr lang="en-US" sz="1800" dirty="0" smtClean="0"/>
+              <a:rPr lang="en-US" sz="1800" dirty="0"/>
               <a:t/>
             </a:r>
             <a:br>
-              <a:rPr lang="en-US" sz="1800" dirty="0" smtClean="0"/>
+              <a:rPr lang="en-US" sz="1800" dirty="0"/>
             </a:br>
             <a:r>
-              <a:rPr lang="en-US" sz="1400" dirty="0" smtClean="0"/>
+              <a:rPr lang="en-US" sz="1400" dirty="0"/>
               <a:t>Senior </a:t>
             </a:r>
             <a:r>
-              <a:rPr lang="en-US" sz="1400" dirty="0" err="1" smtClean="0"/>
+              <a:rPr lang="en-US" sz="1400" dirty="0" err="1"/>
               <a:t>Sofware</a:t>
             </a:r>
             <a:r>
-              <a:rPr lang="en-US" sz="1400" dirty="0" smtClean="0"/>
+              <a:rPr lang="en-US" sz="1400" dirty="0"/>
               <a:t> Engineer</a:t>
             </a:r>
             <a:br>
-              <a:rPr lang="en-US" sz="1400" dirty="0" smtClean="0"/>
+              <a:rPr lang="en-US" sz="1400" dirty="0"/>
             </a:br>
             <a:r>
-              <a:rPr lang="en-US" sz="1400" dirty="0" smtClean="0"/>
+              <a:rPr lang="en-US" sz="1400" dirty="0"/>
               <a:t>Skyline Technologies, </a:t>
             </a:r>
             <a:r>
-              <a:rPr lang="en-US" sz="1400" dirty="0" err="1" smtClean="0"/>
+              <a:rPr lang="en-US" sz="1400" dirty="0" err="1"/>
               <a:t>Inc</a:t>
             </a:r>
-            <a:endParaRPr lang="en-US" sz="1400" dirty="0" smtClean="0"/>
-          </a:p>
-          <a:p>
-            <a:r>
-              <a:rPr lang="en-US" sz="1400" dirty="0" smtClean="0"/>
+            <a:endParaRPr lang="en-US" sz="1400" dirty="0"/>
+          </a:p>
+          <a:p>
+            <a:r>
+              <a:rPr lang="en-US" sz="1400" dirty="0"/>
               <a:t>@keburnell · DotNetDevDude.com</a:t>
             </a:r>
           </a:p>
@@ -15060,7 +15637,7 @@
         </p:blipFill>
         <p:spPr bwMode="auto">
           <a:xfrm>
-            <a:off x="1968" y="1335722"/>
+            <a:off x="1525968" y="1335723"/>
             <a:ext cx="1807626" cy="2151157"/>
           </a:xfrm>
           <a:prstGeom prst="rect">
@@ -15101,7 +15678,7 @@
         </p:blipFill>
         <p:spPr bwMode="auto">
           <a:xfrm flipH="1">
-            <a:off x="7334410" y="1335721"/>
+            <a:off x="8858410" y="1335722"/>
             <a:ext cx="1807626" cy="2151157"/>
           </a:xfrm>
           <a:prstGeom prst="rect">
@@ -15119,35 +15696,6 @@
           </a:extLst>
         </p:spPr>
       </p:pic>
-      <p:sp>
-        <p:nvSpPr>
-          <p:cNvPr id="6" name="Title 5"/>
-          <p:cNvSpPr>
-            <a:spLocks noGrp="1"/>
-          </p:cNvSpPr>
-          <p:nvPr>
-            <p:ph type="ctrTitle"/>
-          </p:nvPr>
-        </p:nvSpPr>
-        <p:spPr>
-          <a:xfrm>
-            <a:off x="686405" y="1730707"/>
-            <a:ext cx="7771190" cy="1470422"/>
-          </a:xfrm>
-        </p:spPr>
-        <p:txBody>
-          <a:bodyPr/>
-          <a:lstStyle/>
-          <a:p>
-            <a:pPr algn="ctr"/>
-            <a:r>
-              <a:rPr lang="en-US" sz="5400" dirty="0" smtClean="0"/>
-              <a:t>Going Native With Kendo UI Mobile</a:t>
-            </a:r>
-            <a:endParaRPr lang="en-US" sz="5400" dirty="0"/>
-          </a:p>
-        </p:txBody>
-      </p:sp>
       <p:pic>
         <p:nvPicPr>
           <p:cNvPr id="10" name="Picture 2" descr="D:\My Dropbox\Dropbox\MVP\MVP Logo Kit With Enhancements\MVP Logo Kit With Enhancements\MVP_Horizontal_FullColor.png"/>
@@ -15171,7 +15719,7 @@
         </p:blipFill>
         <p:spPr bwMode="auto">
           <a:xfrm>
-            <a:off x="4213186" y="4958269"/>
+            <a:off x="5737187" y="4958270"/>
             <a:ext cx="717627" cy="290373"/>
           </a:xfrm>
           <a:prstGeom prst="rect">
@@ -15259,7 +15807,7 @@
         </p:nvSpPr>
         <p:spPr>
           <a:xfrm>
-            <a:off x="457200" y="1371600"/>
+            <a:off x="1981200" y="1371600"/>
             <a:ext cx="8382000" cy="4495800"/>
           </a:xfrm>
           <a:prstGeom prst="rect">
@@ -15427,14 +15975,11 @@
               <a:buChar char="•"/>
             </a:pPr>
             <a:r>
-              <a:rPr lang="en-US" sz="2400" dirty="0" smtClean="0">
+              <a:rPr lang="en-US" sz="2400" dirty="0">
                 <a:latin typeface="+mn-lt"/>
               </a:rPr>
               <a:t>Application</a:t>
             </a:r>
-            <a:endParaRPr lang="en-US" sz="2400" dirty="0">
-              <a:latin typeface="+mn-lt"/>
-            </a:endParaRPr>
           </a:p>
           <a:p>
             <a:pPr marL="457200" indent="-457200">
@@ -15442,14 +15987,11 @@
               <a:buChar char="•"/>
             </a:pPr>
             <a:r>
-              <a:rPr lang="en-US" sz="2400" dirty="0" smtClean="0">
+              <a:rPr lang="en-US" sz="2400" dirty="0">
                 <a:latin typeface="+mn-lt"/>
               </a:rPr>
               <a:t>Form</a:t>
             </a:r>
-            <a:endParaRPr lang="en-US" sz="2400" dirty="0">
-              <a:latin typeface="+mn-lt"/>
-            </a:endParaRPr>
           </a:p>
           <a:p>
             <a:pPr marL="457200" indent="-457200">
@@ -15457,14 +15999,11 @@
               <a:buChar char="•"/>
             </a:pPr>
             <a:r>
-              <a:rPr lang="en-US" sz="2400" dirty="0" smtClean="0">
+              <a:rPr lang="en-US" sz="2400" dirty="0">
                 <a:latin typeface="+mn-lt"/>
               </a:rPr>
               <a:t>View</a:t>
             </a:r>
-            <a:endParaRPr lang="en-US" sz="2400" dirty="0">
-              <a:latin typeface="+mn-lt"/>
-            </a:endParaRPr>
           </a:p>
           <a:p>
             <a:pPr marL="457200" indent="-457200">
@@ -15472,18 +16011,12 @@
               <a:buChar char="•"/>
             </a:pPr>
             <a:r>
-              <a:rPr lang="en-US" sz="2400" dirty="0" err="1" smtClean="0">
-                <a:solidFill>
-                  <a:schemeClr val="tx1"/>
-                </a:solidFill>
+              <a:rPr lang="en-US" sz="2400" dirty="0" err="1">
                 <a:latin typeface="+mn-lt"/>
               </a:rPr>
               <a:t>SplitView</a:t>
             </a:r>
-            <a:endParaRPr lang="en-US" sz="2400" dirty="0" smtClean="0">
-              <a:solidFill>
-                <a:schemeClr val="tx1"/>
-              </a:solidFill>
+            <a:endParaRPr lang="en-US" sz="2400" dirty="0">
               <a:latin typeface="+mn-lt"/>
             </a:endParaRPr>
           </a:p>
@@ -16003,7 +16536,7 @@
         </p:nvSpPr>
         <p:spPr>
           <a:xfrm>
-            <a:off x="457200" y="1371600"/>
+            <a:off x="1981200" y="1371600"/>
             <a:ext cx="8382000" cy="4495800"/>
           </a:xfrm>
           <a:prstGeom prst="rect">
@@ -16171,14 +16704,11 @@
               <a:buChar char="•"/>
             </a:pPr>
             <a:r>
-              <a:rPr lang="en-US" sz="2400" dirty="0" smtClean="0">
+              <a:rPr lang="en-US" sz="2400" dirty="0">
                 <a:latin typeface="+mn-lt"/>
               </a:rPr>
               <a:t>Top of the stack</a:t>
             </a:r>
-            <a:endParaRPr lang="en-US" sz="2400" dirty="0" smtClean="0">
-              <a:latin typeface="+mn-lt"/>
-            </a:endParaRPr>
           </a:p>
           <a:p>
             <a:pPr marL="457200" indent="-457200">
@@ -16186,21 +16716,18 @@
               <a:buChar char="•"/>
             </a:pPr>
             <a:r>
-              <a:rPr lang="en-US" sz="2400" dirty="0" smtClean="0">
+              <a:rPr lang="en-US" sz="2400" dirty="0">
                 <a:latin typeface="+mn-lt"/>
               </a:rPr>
               <a:t>Initialization</a:t>
             </a:r>
-            <a:endParaRPr lang="en-US" sz="2400" dirty="0">
-              <a:latin typeface="+mn-lt"/>
-            </a:endParaRPr>
           </a:p>
           <a:p>
             <a:pPr marL="457200" indent="-457200">
               <a:buFont typeface="Arial" pitchFamily="34" charset="0"/>
               <a:buChar char="•"/>
             </a:pPr>
-            <a:endParaRPr lang="en-US" sz="2400" dirty="0" smtClean="0">
+            <a:endParaRPr lang="en-US" sz="2400" dirty="0">
               <a:latin typeface="+mn-lt"/>
             </a:endParaRPr>
           </a:p>
@@ -16210,14 +16737,11 @@
               <a:buChar char="•"/>
             </a:pPr>
             <a:r>
-              <a:rPr lang="en-US" sz="2400" dirty="0" smtClean="0">
+              <a:rPr lang="en-US" sz="2400" dirty="0">
                 <a:latin typeface="+mn-lt"/>
               </a:rPr>
               <a:t>App wide configuration</a:t>
             </a:r>
-            <a:endParaRPr lang="en-US" sz="2400" dirty="0" smtClean="0">
-              <a:latin typeface="+mn-lt"/>
-            </a:endParaRPr>
           </a:p>
           <a:p>
             <a:pPr marL="457200" indent="-457200">
@@ -16225,14 +16749,11 @@
               <a:buChar char="•"/>
             </a:pPr>
             <a:r>
-              <a:rPr lang="en-US" sz="2400" dirty="0" smtClean="0">
+              <a:rPr lang="en-US" sz="2400" dirty="0">
                 <a:latin typeface="+mn-lt"/>
               </a:rPr>
               <a:t>Layout</a:t>
             </a:r>
-            <a:endParaRPr lang="en-US" sz="2400" dirty="0" smtClean="0">
-              <a:latin typeface="+mn-lt"/>
-            </a:endParaRPr>
           </a:p>
           <a:p>
             <a:pPr marL="457200" indent="-457200">
@@ -16240,14 +16761,11 @@
               <a:buChar char="•"/>
             </a:pPr>
             <a:r>
-              <a:rPr lang="en-US" sz="2400" dirty="0" smtClean="0">
+              <a:rPr lang="en-US" sz="2400" dirty="0">
                 <a:latin typeface="+mn-lt"/>
               </a:rPr>
               <a:t>Navigation</a:t>
             </a:r>
-            <a:endParaRPr lang="en-US" sz="2400" dirty="0" smtClean="0">
-              <a:latin typeface="+mn-lt"/>
-            </a:endParaRPr>
           </a:p>
           <a:p>
             <a:pPr marL="457200" indent="-457200">
@@ -16255,14 +16773,11 @@
               <a:buChar char="•"/>
             </a:pPr>
             <a:r>
-              <a:rPr lang="en-US" sz="2400" dirty="0" smtClean="0">
+              <a:rPr lang="en-US" sz="2400" dirty="0">
                 <a:latin typeface="+mn-lt"/>
               </a:rPr>
               <a:t>View transitions</a:t>
             </a:r>
-            <a:endParaRPr lang="en-US" sz="2400" dirty="0" smtClean="0">
-              <a:latin typeface="+mn-lt"/>
-            </a:endParaRPr>
           </a:p>
           <a:p>
             <a:pPr marL="457200" indent="-457200">
@@ -16270,14 +16785,11 @@
               <a:buChar char="•"/>
             </a:pPr>
             <a:r>
-              <a:rPr lang="en-US" sz="2400" dirty="0" smtClean="0">
+              <a:rPr lang="en-US" sz="2400" dirty="0">
                 <a:latin typeface="+mn-lt"/>
               </a:rPr>
               <a:t>Status</a:t>
             </a:r>
-            <a:endParaRPr lang="en-US" sz="2400" dirty="0" smtClean="0">
-              <a:latin typeface="+mn-lt"/>
-            </a:endParaRPr>
           </a:p>
         </p:txBody>
       </p:sp>
@@ -16291,7 +16803,7 @@
         </p:nvSpPr>
         <p:spPr bwMode="auto">
           <a:xfrm>
-            <a:off x="1246632" y="2226952"/>
+            <a:off x="2770632" y="2226953"/>
             <a:ext cx="7440168" cy="444941"/>
           </a:xfrm>
           <a:prstGeom prst="rect">
@@ -16320,16 +16832,10 @@
           <a:bodyPr wrap="none" anchor="ctr"/>
           <a:lstStyle/>
           <a:p>
-            <a:pPr marL="0" marR="0">
+            <a:pPr>
               <a:lnSpc>
                 <a:spcPct val="107000"/>
               </a:lnSpc>
-              <a:spcBef>
-                <a:spcPts val="0"/>
-              </a:spcBef>
-              <a:spcAft>
-                <a:spcPts val="0"/>
-              </a:spcAft>
               <a:tabLst>
                 <a:tab pos="581660" algn="l"/>
                 <a:tab pos="1163320" algn="l"/>
@@ -16445,7 +16951,7 @@
         </p:nvSpPr>
         <p:spPr bwMode="auto">
           <a:xfrm>
-            <a:off x="5147904" y="2336703"/>
+            <a:off x="6671904" y="2336703"/>
             <a:ext cx="1600018" cy="242690"/>
           </a:xfrm>
           <a:prstGeom prst="roundRect">
@@ -16493,7 +16999,7 @@
         </p:nvSpPr>
         <p:spPr bwMode="auto">
           <a:xfrm>
-            <a:off x="6923907" y="2328077"/>
+            <a:off x="8447908" y="2328077"/>
             <a:ext cx="1510487" cy="242690"/>
           </a:xfrm>
           <a:prstGeom prst="roundRect">
@@ -17558,7 +18064,7 @@
         </p:nvSpPr>
         <p:spPr>
           <a:xfrm>
-            <a:off x="457200" y="1371600"/>
+            <a:off x="1981200" y="1371600"/>
             <a:ext cx="8382000" cy="4495800"/>
           </a:xfrm>
           <a:prstGeom prst="rect">
@@ -17726,14 +18232,11 @@
               <a:buChar char="•"/>
             </a:pPr>
             <a:r>
-              <a:rPr lang="en-US" sz="2400" dirty="0" smtClean="0">
+              <a:rPr lang="en-US" sz="2400" dirty="0">
                 <a:latin typeface="+mn-lt"/>
               </a:rPr>
               <a:t>Single HTML page</a:t>
             </a:r>
-            <a:endParaRPr lang="en-US" sz="2400" dirty="0">
-              <a:latin typeface="+mn-lt"/>
-            </a:endParaRPr>
           </a:p>
           <a:p>
             <a:pPr marL="457200" indent="-457200">
@@ -17741,14 +18244,11 @@
               <a:buChar char="•"/>
             </a:pPr>
             <a:r>
-              <a:rPr lang="en-US" sz="2400" dirty="0" smtClean="0">
+              <a:rPr lang="en-US" sz="2400" dirty="0">
                 <a:latin typeface="+mn-lt"/>
               </a:rPr>
               <a:t>One or more Kendo UI mobile views</a:t>
             </a:r>
-            <a:endParaRPr lang="en-US" sz="2400" dirty="0">
-              <a:latin typeface="+mn-lt"/>
-            </a:endParaRPr>
           </a:p>
           <a:p>
             <a:pPr marL="457200" indent="-457200">
@@ -17756,17 +18256,11 @@
               <a:buChar char="•"/>
             </a:pPr>
             <a:r>
-              <a:rPr lang="en-US" sz="2400" dirty="0" smtClean="0">
+              <a:rPr lang="en-US" sz="2400" dirty="0">
                 <a:latin typeface="+mn-lt"/>
               </a:rPr>
               <a:t>Linked with Kendo UI navigational widgets</a:t>
             </a:r>
-            <a:endParaRPr lang="en-US" sz="2400" dirty="0" smtClean="0">
-              <a:solidFill>
-                <a:schemeClr val="tx1"/>
-              </a:solidFill>
-              <a:latin typeface="+mn-lt"/>
-            </a:endParaRPr>
           </a:p>
           <a:p>
             <a:pPr marL="457200" indent="-457200">
@@ -18181,7 +18675,7 @@
         </p:nvSpPr>
         <p:spPr>
           <a:xfrm>
-            <a:off x="457200" y="1371600"/>
+            <a:off x="1981200" y="1371600"/>
             <a:ext cx="8382000" cy="4495800"/>
           </a:xfrm>
           <a:prstGeom prst="rect">
@@ -18349,14 +18843,11 @@
               <a:buChar char="•"/>
             </a:pPr>
             <a:r>
-              <a:rPr lang="en-US" sz="2400" dirty="0" smtClean="0">
+              <a:rPr lang="en-US" sz="2400" dirty="0">
                 <a:latin typeface="+mn-lt"/>
               </a:rPr>
               <a:t>Application wide configuration</a:t>
             </a:r>
-            <a:endParaRPr lang="en-US" sz="2400" dirty="0" smtClean="0">
-              <a:latin typeface="+mn-lt"/>
-            </a:endParaRPr>
           </a:p>
           <a:p>
             <a:pPr marL="457200" indent="-457200">
@@ -18364,7 +18855,7 @@
               <a:buChar char="•"/>
             </a:pPr>
             <a:r>
-              <a:rPr lang="en-US" sz="2400" dirty="0" err="1" smtClean="0">
+              <a:rPr lang="en-US" sz="2400" dirty="0" err="1">
                 <a:latin typeface="+mn-lt"/>
               </a:rPr>
               <a:t>hideAddressBar</a:t>
@@ -18379,14 +18870,11 @@
               <a:buChar char="•"/>
             </a:pPr>
             <a:r>
-              <a:rPr lang="en-US" sz="2400" dirty="0" smtClean="0">
+              <a:rPr lang="en-US" sz="2400" dirty="0">
                 <a:latin typeface="+mn-lt"/>
               </a:rPr>
               <a:t>initial</a:t>
             </a:r>
-            <a:endParaRPr lang="en-US" sz="2400" dirty="0" smtClean="0">
-              <a:latin typeface="+mn-lt"/>
-            </a:endParaRPr>
           </a:p>
           <a:p>
             <a:pPr marL="457200" indent="-457200">
@@ -18394,14 +18882,11 @@
               <a:buChar char="•"/>
             </a:pPr>
             <a:r>
-              <a:rPr lang="en-US" sz="2400" dirty="0" smtClean="0">
+              <a:rPr lang="en-US" sz="2400" dirty="0">
                 <a:latin typeface="+mn-lt"/>
               </a:rPr>
               <a:t>layout</a:t>
             </a:r>
-            <a:endParaRPr lang="en-US" sz="2400" dirty="0" smtClean="0">
-              <a:latin typeface="+mn-lt"/>
-            </a:endParaRPr>
           </a:p>
           <a:p>
             <a:pPr marL="457200" indent="-457200">
@@ -18409,14 +18894,11 @@
               <a:buChar char="•"/>
             </a:pPr>
             <a:r>
-              <a:rPr lang="en-US" sz="2400" dirty="0" smtClean="0">
+              <a:rPr lang="en-US" sz="2400" dirty="0">
                 <a:latin typeface="+mn-lt"/>
               </a:rPr>
               <a:t>loading</a:t>
             </a:r>
-            <a:endParaRPr lang="en-US" sz="2400" dirty="0" smtClean="0">
-              <a:latin typeface="+mn-lt"/>
-            </a:endParaRPr>
           </a:p>
           <a:p>
             <a:pPr marL="457200" indent="-457200">
@@ -18424,14 +18906,11 @@
               <a:buChar char="•"/>
             </a:pPr>
             <a:r>
-              <a:rPr lang="en-US" sz="2400" dirty="0" smtClean="0">
+              <a:rPr lang="en-US" sz="2400" dirty="0">
                 <a:latin typeface="+mn-lt"/>
               </a:rPr>
               <a:t>platform</a:t>
             </a:r>
-            <a:endParaRPr lang="en-US" sz="2400" dirty="0" smtClean="0">
-              <a:latin typeface="+mn-lt"/>
-            </a:endParaRPr>
           </a:p>
           <a:p>
             <a:pPr marL="457200" indent="-457200">
@@ -18439,14 +18918,11 @@
               <a:buChar char="•"/>
             </a:pPr>
             <a:r>
-              <a:rPr lang="en-US" sz="2400" dirty="0" smtClean="0">
+              <a:rPr lang="en-US" sz="2400" dirty="0">
                 <a:latin typeface="+mn-lt"/>
               </a:rPr>
               <a:t>transition</a:t>
             </a:r>
-            <a:endParaRPr lang="en-US" sz="2400" dirty="0" smtClean="0">
-              <a:latin typeface="+mn-lt"/>
-            </a:endParaRPr>
           </a:p>
         </p:txBody>
       </p:sp>
@@ -18460,7 +18936,7 @@
         </p:nvSpPr>
         <p:spPr bwMode="auto">
           <a:xfrm>
-            <a:off x="2656954" y="2549770"/>
+            <a:off x="4180954" y="2549771"/>
             <a:ext cx="6145356" cy="2209799"/>
           </a:xfrm>
           <a:prstGeom prst="rect">
@@ -18489,16 +18965,10 @@
           <a:bodyPr wrap="none" anchor="ctr"/>
           <a:lstStyle/>
           <a:p>
-            <a:pPr marL="0" marR="0">
+            <a:pPr>
               <a:lnSpc>
                 <a:spcPct val="107000"/>
               </a:lnSpc>
-              <a:spcBef>
-                <a:spcPts val="0"/>
-              </a:spcBef>
-              <a:spcAft>
-                <a:spcPts val="0"/>
-              </a:spcAft>
             </a:pPr>
             <a:r>
               <a:rPr lang="en-US" sz="1400" dirty="0" err="1">
@@ -18570,29 +19040,14 @@
                 </a:solidFill>
                 <a:latin typeface="Consolas"/>
               </a:rPr>
-              <a:t>), </a:t>
-            </a:r>
-            <a:r>
-              <a:rPr lang="en-US" sz="1400" dirty="0" smtClean="0">
-                <a:solidFill>
-                  <a:srgbClr val="000000"/>
-                </a:solidFill>
-                <a:latin typeface="Consolas"/>
-              </a:rPr>
-              <a:t>{</a:t>
-            </a:r>
-          </a:p>
-          <a:p>
-            <a:pPr marL="0" marR="0">
+              <a:t>), {</a:t>
+            </a:r>
+          </a:p>
+          <a:p>
+            <a:pPr>
               <a:lnSpc>
                 <a:spcPct val="107000"/>
               </a:lnSpc>
-              <a:spcBef>
-                <a:spcPts val="0"/>
-              </a:spcBef>
-              <a:spcAft>
-                <a:spcPts val="0"/>
-              </a:spcAft>
             </a:pPr>
             <a:r>
               <a:rPr lang="en-US" sz="1400" dirty="0">
@@ -18601,132 +19056,102 @@
                 </a:solidFill>
                 <a:latin typeface="Consolas"/>
               </a:rPr>
-              <a:t> </a:t>
-            </a:r>
-            <a:r>
-              <a:rPr lang="en-US" sz="1400" dirty="0" smtClean="0">
+              <a:t>        </a:t>
+            </a:r>
+            <a:r>
+              <a:rPr lang="en-US" sz="1400" dirty="0" err="1">
                 <a:solidFill>
                   <a:srgbClr val="000000"/>
                 </a:solidFill>
                 <a:latin typeface="Consolas"/>
               </a:rPr>
-              <a:t>       </a:t>
-            </a:r>
-            <a:r>
-              <a:rPr lang="en-US" sz="1400" dirty="0" err="1" smtClean="0">
+              <a:t>hideAddressBar</a:t>
+            </a:r>
+            <a:r>
+              <a:rPr lang="en-US" sz="1400" dirty="0">
                 <a:solidFill>
                   <a:srgbClr val="000000"/>
                 </a:solidFill>
                 <a:latin typeface="Consolas"/>
               </a:rPr>
-              <a:t>hideAddressBar</a:t>
+              <a:t>: </a:t>
             </a:r>
             <a:r>
               <a:rPr lang="en-US" sz="1400" dirty="0">
                 <a:solidFill>
+                  <a:srgbClr val="0000FF"/>
+                </a:solidFill>
+                <a:latin typeface="Consolas"/>
+              </a:rPr>
+              <a:t>true</a:t>
+            </a:r>
+            <a:r>
+              <a:rPr lang="en-US" sz="1400" dirty="0">
+                <a:solidFill>
                   <a:srgbClr val="000000"/>
                 </a:solidFill>
                 <a:latin typeface="Consolas"/>
               </a:rPr>
-              <a:t>: </a:t>
-            </a:r>
-            <a:r>
-              <a:rPr lang="en-US" sz="1400" dirty="0">
-                <a:solidFill>
-                  <a:srgbClr val="0000FF"/>
-                </a:solidFill>
-                <a:latin typeface="Consolas"/>
-              </a:rPr>
-              <a:t>true</a:t>
-            </a:r>
-            <a:r>
-              <a:rPr lang="en-US" sz="1400" dirty="0" smtClean="0">
-                <a:solidFill>
-                  <a:srgbClr val="000000"/>
-                </a:solidFill>
-                <a:latin typeface="Consolas"/>
-              </a:rPr>
               <a:t>,</a:t>
             </a:r>
           </a:p>
           <a:p>
-            <a:pPr marL="0" marR="0">
+            <a:pPr>
               <a:lnSpc>
                 <a:spcPct val="107000"/>
               </a:lnSpc>
-              <a:spcBef>
-                <a:spcPts val="0"/>
-              </a:spcBef>
-              <a:spcAft>
-                <a:spcPts val="0"/>
-              </a:spcAft>
             </a:pPr>
             <a:r>
-              <a:rPr lang="en-US" sz="1400" dirty="0" smtClean="0">
+              <a:rPr lang="en-US" sz="1400" dirty="0">
                 <a:solidFill>
                   <a:srgbClr val="000000"/>
                 </a:solidFill>
                 <a:latin typeface="Consolas"/>
               </a:rPr>
-              <a:t>        initial</a:t>
+              <a:t>        initial: </a:t>
             </a:r>
             <a:r>
               <a:rPr lang="en-US" sz="1400" dirty="0">
                 <a:solidFill>
+                  <a:srgbClr val="800000"/>
+                </a:solidFill>
+                <a:latin typeface="Consolas"/>
+              </a:rPr>
+              <a:t>"</a:t>
+            </a:r>
+            <a:r>
+              <a:rPr lang="en-US" sz="1400" dirty="0" err="1">
+                <a:solidFill>
+                  <a:srgbClr val="800000"/>
+                </a:solidFill>
+                <a:latin typeface="Consolas"/>
+              </a:rPr>
+              <a:t>startView</a:t>
+            </a:r>
+            <a:r>
+              <a:rPr lang="en-US" sz="1400" dirty="0">
+                <a:solidFill>
+                  <a:srgbClr val="800000"/>
+                </a:solidFill>
+                <a:latin typeface="Consolas"/>
+              </a:rPr>
+              <a:t>"</a:t>
+            </a:r>
+            <a:r>
+              <a:rPr lang="en-US" sz="1400" dirty="0">
+                <a:solidFill>
                   <a:srgbClr val="000000"/>
                 </a:solidFill>
                 <a:latin typeface="Consolas"/>
               </a:rPr>
-              <a:t>: </a:t>
-            </a:r>
-            <a:r>
-              <a:rPr lang="en-US" sz="1400" dirty="0">
-                <a:solidFill>
-                  <a:srgbClr val="800000"/>
-                </a:solidFill>
-                <a:latin typeface="Consolas"/>
-              </a:rPr>
-              <a:t>"</a:t>
-            </a:r>
-            <a:r>
-              <a:rPr lang="en-US" sz="1400" dirty="0" err="1">
-                <a:solidFill>
-                  <a:srgbClr val="800000"/>
-                </a:solidFill>
-                <a:latin typeface="Consolas"/>
-              </a:rPr>
-              <a:t>startView</a:t>
-            </a:r>
-            <a:r>
-              <a:rPr lang="en-US" sz="1400" dirty="0" smtClean="0">
-                <a:solidFill>
-                  <a:srgbClr val="800000"/>
-                </a:solidFill>
-                <a:latin typeface="Consolas"/>
-              </a:rPr>
-              <a:t>"</a:t>
-            </a:r>
-            <a:r>
-              <a:rPr lang="en-US" sz="1400" dirty="0" smtClean="0">
-                <a:solidFill>
-                  <a:srgbClr val="000000"/>
-                </a:solidFill>
-                <a:latin typeface="Consolas"/>
-              </a:rPr>
               <a:t>,</a:t>
             </a:r>
           </a:p>
           <a:p>
-            <a:pPr marL="0" marR="0">
+            <a:pPr>
               <a:lnSpc>
                 <a:spcPct val="107000"/>
               </a:lnSpc>
-              <a:spcBef>
-                <a:spcPts val="0"/>
-              </a:spcBef>
-              <a:spcAft>
-                <a:spcPts val="0"/>
-              </a:spcAft>
             </a:pPr>
             <a:r>
               <a:rPr lang="en-US" sz="1400" dirty="0">
@@ -18756,7 +19181,7 @@
               <a:t>myCustomLayout</a:t>
             </a:r>
             <a:r>
-              <a:rPr lang="en-US" sz="1400" dirty="0" smtClean="0">
+              <a:rPr lang="en-US" sz="1400" dirty="0">
                 <a:solidFill>
                   <a:srgbClr val="800000"/>
                 </a:solidFill>
@@ -18765,7 +19190,7 @@
               <a:t>"</a:t>
             </a:r>
             <a:r>
-              <a:rPr lang="en-US" sz="1400" dirty="0" smtClean="0">
+              <a:rPr lang="en-US" sz="1400" dirty="0">
                 <a:solidFill>
                   <a:srgbClr val="000000"/>
                 </a:solidFill>
@@ -18775,16 +19200,10 @@
             </a:r>
           </a:p>
           <a:p>
-            <a:pPr marL="0" marR="0">
+            <a:pPr>
               <a:lnSpc>
                 <a:spcPct val="107000"/>
               </a:lnSpc>
-              <a:spcBef>
-                <a:spcPts val="0"/>
-              </a:spcBef>
-              <a:spcAft>
-                <a:spcPts val="0"/>
-              </a:spcAft>
             </a:pPr>
             <a:r>
               <a:rPr lang="en-US" sz="1400" dirty="0">
@@ -18802,38 +19221,23 @@
                 </a:solidFill>
                 <a:latin typeface="Consolas"/>
               </a:rPr>
-              <a:t>"I think I can. I think I can</a:t>
-            </a:r>
-            <a:r>
-              <a:rPr lang="en-US" sz="1400" dirty="0" smtClean="0">
-                <a:solidFill>
-                  <a:srgbClr val="800000"/>
+              <a:t>"I think I can. I think I can."</a:t>
+            </a:r>
+            <a:r>
+              <a:rPr lang="en-US" sz="1400" dirty="0">
+                <a:solidFill>
+                  <a:srgbClr val="000000"/>
                 </a:solidFill>
                 <a:latin typeface="Consolas"/>
               </a:rPr>
-              <a:t>."</a:t>
-            </a:r>
-            <a:r>
-              <a:rPr lang="en-US" sz="1400" dirty="0" smtClean="0">
-                <a:solidFill>
-                  <a:srgbClr val="000000"/>
-                </a:solidFill>
-                <a:latin typeface="Consolas"/>
-              </a:rPr>
               <a:t>,</a:t>
             </a:r>
           </a:p>
           <a:p>
-            <a:pPr marL="0" marR="0">
+            <a:pPr>
               <a:lnSpc>
                 <a:spcPct val="107000"/>
               </a:lnSpc>
-              <a:spcBef>
-                <a:spcPts val="0"/>
-              </a:spcBef>
-              <a:spcAft>
-                <a:spcPts val="0"/>
-              </a:spcAft>
             </a:pPr>
             <a:r>
               <a:rPr lang="en-US" sz="1400" dirty="0">
@@ -18851,38 +19255,23 @@
                 </a:solidFill>
                 <a:latin typeface="Consolas"/>
               </a:rPr>
-              <a:t>"blackberry</a:t>
-            </a:r>
-            <a:r>
-              <a:rPr lang="en-US" sz="1400" dirty="0" smtClean="0">
-                <a:solidFill>
-                  <a:srgbClr val="800000"/>
+              <a:t>"blackberry"</a:t>
+            </a:r>
+            <a:r>
+              <a:rPr lang="en-US" sz="1400" dirty="0">
+                <a:solidFill>
+                  <a:srgbClr val="000000"/>
                 </a:solidFill>
                 <a:latin typeface="Consolas"/>
               </a:rPr>
-              <a:t>"</a:t>
-            </a:r>
-            <a:r>
-              <a:rPr lang="en-US" sz="1400" dirty="0" smtClean="0">
-                <a:solidFill>
-                  <a:srgbClr val="000000"/>
-                </a:solidFill>
-                <a:latin typeface="Consolas"/>
-              </a:rPr>
               <a:t>,</a:t>
             </a:r>
           </a:p>
           <a:p>
-            <a:pPr marL="0" marR="0">
+            <a:pPr>
               <a:lnSpc>
                 <a:spcPct val="107000"/>
               </a:lnSpc>
-              <a:spcBef>
-                <a:spcPts val="0"/>
-              </a:spcBef>
-              <a:spcAft>
-                <a:spcPts val="0"/>
-              </a:spcAft>
             </a:pPr>
             <a:r>
               <a:rPr lang="en-US" sz="1400" dirty="0">
@@ -18911,24 +19300,12 @@
               </a:rPr>
               <a:t>    </a:t>
             </a:r>
-            <a:endParaRPr lang="en-US" sz="1400" dirty="0" smtClean="0">
-              <a:solidFill>
-                <a:srgbClr val="000000"/>
-              </a:solidFill>
-              <a:latin typeface="Consolas"/>
-            </a:endParaRPr>
-          </a:p>
-          <a:p>
-            <a:pPr marL="0" marR="0">
+          </a:p>
+          <a:p>
+            <a:pPr>
               <a:lnSpc>
                 <a:spcPct val="107000"/>
               </a:lnSpc>
-              <a:spcBef>
-                <a:spcPts val="0"/>
-              </a:spcBef>
-              <a:spcAft>
-                <a:spcPts val="0"/>
-              </a:spcAft>
             </a:pPr>
             <a:r>
               <a:rPr lang="en-US" sz="1400" dirty="0">
@@ -18937,32 +19314,17 @@
                 </a:solidFill>
                 <a:latin typeface="Consolas"/>
               </a:rPr>
-              <a:t> </a:t>
-            </a:r>
-            <a:r>
-              <a:rPr lang="en-US" sz="1400" dirty="0" smtClean="0">
-                <a:solidFill>
-                  <a:srgbClr val="000000"/>
-                </a:solidFill>
-                <a:latin typeface="Consolas"/>
-              </a:rPr>
-              <a:t>   }</a:t>
-            </a:r>
-          </a:p>
-          <a:p>
-            <a:pPr marL="0" marR="0">
+              <a:t>    }</a:t>
+            </a:r>
+          </a:p>
+          <a:p>
+            <a:pPr>
               <a:lnSpc>
                 <a:spcPct val="107000"/>
               </a:lnSpc>
-              <a:spcBef>
-                <a:spcPts val="0"/>
-              </a:spcBef>
-              <a:spcAft>
-                <a:spcPts val="0"/>
-              </a:spcAft>
             </a:pPr>
             <a:r>
-              <a:rPr lang="en-US" sz="1400" dirty="0" smtClean="0">
+              <a:rPr lang="en-US" sz="1400" dirty="0">
                 <a:solidFill>
                   <a:srgbClr val="000000"/>
                 </a:solidFill>
@@ -18971,7 +19333,7 @@
               <a:t>);</a:t>
             </a:r>
             <a:r>
-              <a:rPr lang="en-US" sz="1400" dirty="0" smtClean="0"/>
+              <a:rPr lang="en-US" sz="1400" dirty="0"/>
               <a:t> </a:t>
             </a:r>
             <a:r>
@@ -18982,12 +19344,6 @@
               </a:rPr>
               <a:t> </a:t>
             </a:r>
-            <a:endParaRPr lang="en-US" sz="1000" kern="100" dirty="0">
-              <a:effectLst/>
-              <a:latin typeface="Calibri"/>
-              <a:ea typeface="Calibri"/>
-              <a:cs typeface="Times New Roman"/>
-            </a:endParaRPr>
           </a:p>
         </p:txBody>
       </p:sp>
@@ -18999,7 +19355,7 @@
         </p:nvSpPr>
         <p:spPr bwMode="auto">
           <a:xfrm>
-            <a:off x="3468310" y="2841309"/>
+            <a:off x="4992310" y="2841309"/>
             <a:ext cx="2209800" cy="242690"/>
           </a:xfrm>
           <a:prstGeom prst="roundRect">
@@ -19047,7 +19403,7 @@
         </p:nvSpPr>
         <p:spPr bwMode="auto">
           <a:xfrm>
-            <a:off x="3468310" y="3083999"/>
+            <a:off x="4992310" y="3083999"/>
             <a:ext cx="2209800" cy="242690"/>
           </a:xfrm>
           <a:prstGeom prst="roundRect">
@@ -19095,7 +19451,7 @@
         </p:nvSpPr>
         <p:spPr bwMode="auto">
           <a:xfrm>
-            <a:off x="3468310" y="3311770"/>
+            <a:off x="4992310" y="3311770"/>
             <a:ext cx="2590800" cy="242690"/>
           </a:xfrm>
           <a:prstGeom prst="roundRect">
@@ -19143,7 +19499,7 @@
         </p:nvSpPr>
         <p:spPr bwMode="auto">
           <a:xfrm>
-            <a:off x="3463997" y="3540947"/>
+            <a:off x="4987997" y="3540947"/>
             <a:ext cx="4155948" cy="242690"/>
           </a:xfrm>
           <a:prstGeom prst="roundRect">
@@ -19191,7 +19547,7 @@
         </p:nvSpPr>
         <p:spPr bwMode="auto">
           <a:xfrm>
-            <a:off x="3458246" y="3773863"/>
+            <a:off x="4982246" y="3773863"/>
             <a:ext cx="2600864" cy="242690"/>
           </a:xfrm>
           <a:prstGeom prst="roundRect">
@@ -19239,7 +19595,7 @@
         </p:nvSpPr>
         <p:spPr bwMode="auto">
           <a:xfrm>
-            <a:off x="3458246" y="3994345"/>
+            <a:off x="4982246" y="3994345"/>
             <a:ext cx="2219864" cy="242690"/>
           </a:xfrm>
           <a:prstGeom prst="roundRect">
@@ -20496,7 +20852,7 @@
         </p:nvSpPr>
         <p:spPr bwMode="auto">
           <a:xfrm>
-            <a:off x="457200" y="1371600"/>
+            <a:off x="1981200" y="1371600"/>
             <a:ext cx="8229600" cy="4495800"/>
           </a:xfrm>
           <a:prstGeom prst="rect">
@@ -20657,18 +21013,18 @@
           </a:lstStyle>
           <a:p>
             <a:r>
-              <a:rPr lang="en-US" sz="2400" kern="0" dirty="0" smtClean="0"/>
+              <a:rPr lang="en-US" sz="2400" kern="0" dirty="0"/>
               <a:t>Share common header and footer</a:t>
             </a:r>
           </a:p>
           <a:p>
             <a:r>
-              <a:rPr lang="en-US" sz="2400" kern="0" dirty="0" smtClean="0"/>
+              <a:rPr lang="en-US" sz="2400" kern="0" dirty="0"/>
               <a:t>Define</a:t>
             </a:r>
           </a:p>
           <a:p>
-            <a:endParaRPr lang="en-US" sz="2400" kern="0" dirty="0" smtClean="0"/>
+            <a:endParaRPr lang="en-US" sz="2400" kern="0" dirty="0"/>
           </a:p>
           <a:p>
             <a:pPr marL="0" indent="0">
@@ -20680,20 +21036,19 @@
             <a:pPr marL="0" indent="0">
               <a:buNone/>
             </a:pPr>
-            <a:endParaRPr lang="en-US" sz="2400" kern="0" dirty="0" smtClean="0"/>
-          </a:p>
-          <a:p>
-            <a:endParaRPr lang="en-US" sz="2400" kern="0" dirty="0" smtClean="0"/>
-          </a:p>
-          <a:p>
-            <a:r>
-              <a:rPr lang="en-US" sz="2400" kern="0" dirty="0" smtClean="0"/>
+            <a:endParaRPr lang="en-US" sz="2400" kern="0" dirty="0"/>
+          </a:p>
+          <a:p>
+            <a:endParaRPr lang="en-US" sz="2400" kern="0" dirty="0"/>
+          </a:p>
+          <a:p>
+            <a:r>
+              <a:rPr lang="en-US" sz="2400" kern="0" dirty="0"/>
               <a:t>Assign</a:t>
             </a:r>
           </a:p>
           <a:p>
             <a:pPr marL="400050" lvl="1" indent="0">
-              <a:buFontTx/>
               <a:buNone/>
             </a:pPr>
             <a:endParaRPr lang="en-US" sz="2400" kern="0" dirty="0"/>
@@ -20710,7 +21065,7 @@
         </p:nvSpPr>
         <p:spPr bwMode="auto">
           <a:xfrm>
-            <a:off x="1136506" y="2235813"/>
+            <a:off x="2660506" y="2235813"/>
             <a:ext cx="6450156" cy="1743774"/>
           </a:xfrm>
           <a:prstGeom prst="rect">
@@ -20743,12 +21098,6 @@
               <a:lnSpc>
                 <a:spcPct val="115000"/>
               </a:lnSpc>
-              <a:spcBef>
-                <a:spcPts val="0"/>
-              </a:spcBef>
-              <a:spcAft>
-                <a:spcPts val="0"/>
-              </a:spcAft>
               <a:defRPr/>
             </a:pPr>
             <a:r>
@@ -20758,16 +21107,7 @@
                 </a:solidFill>
                 <a:latin typeface="Consolas"/>
               </a:rPr>
-              <a:t>&lt;!-- Layout </a:t>
-            </a:r>
-            <a:r>
-              <a:rPr lang="en-US" sz="1400" dirty="0" smtClean="0">
-                <a:solidFill>
-                  <a:srgbClr val="006400"/>
-                </a:solidFill>
-                <a:latin typeface="Consolas"/>
-              </a:rPr>
-              <a:t>--&gt;</a:t>
+              <a:t>&lt;!-- Layout --&gt;</a:t>
             </a:r>
           </a:p>
           <a:p>
@@ -20775,16 +21115,10 @@
               <a:lnSpc>
                 <a:spcPct val="115000"/>
               </a:lnSpc>
-              <a:spcBef>
-                <a:spcPts val="0"/>
-              </a:spcBef>
-              <a:spcAft>
-                <a:spcPts val="0"/>
-              </a:spcAft>
               <a:defRPr/>
             </a:pPr>
             <a:r>
-              <a:rPr lang="en-US" sz="1400" dirty="0" smtClean="0">
+              <a:rPr lang="en-US" sz="1400" dirty="0">
                 <a:solidFill>
                   <a:srgbClr val="0000FF"/>
                 </a:solidFill>
@@ -20865,7 +21199,7 @@
               <a:t>myLayout</a:t>
             </a:r>
             <a:r>
-              <a:rPr lang="en-US" sz="1400" dirty="0" smtClean="0">
+              <a:rPr lang="en-US" sz="1400" dirty="0">
                 <a:solidFill>
                   <a:srgbClr val="0000FF"/>
                 </a:solidFill>
@@ -20879,12 +21213,6 @@
               <a:lnSpc>
                 <a:spcPct val="115000"/>
               </a:lnSpc>
-              <a:spcBef>
-                <a:spcPts val="0"/>
-              </a:spcBef>
-              <a:spcAft>
-                <a:spcPts val="0"/>
-              </a:spcAft>
               <a:defRPr/>
             </a:pPr>
             <a:r>
@@ -20897,7 +21225,7 @@
               <a:t>    </a:t>
             </a:r>
             <a:r>
-              <a:rPr lang="en-US" sz="1400" dirty="0" smtClean="0">
+              <a:rPr lang="en-US" sz="1400" dirty="0">
                 <a:solidFill>
                   <a:srgbClr val="0000FF"/>
                 </a:solidFill>
@@ -20906,7 +21234,7 @@
               <a:t>&lt;</a:t>
             </a:r>
             <a:r>
-              <a:rPr lang="en-US" sz="1400" dirty="0" smtClean="0">
+              <a:rPr lang="en-US" sz="1400" dirty="0">
                 <a:solidFill>
                   <a:srgbClr val="800000"/>
                 </a:solidFill>
@@ -20939,16 +21267,7 @@
                 </a:solidFill>
                 <a:latin typeface="Consolas"/>
               </a:rPr>
-              <a:t>="header</a:t>
-            </a:r>
-            <a:r>
-              <a:rPr lang="en-US" sz="1400" dirty="0" smtClean="0">
-                <a:solidFill>
-                  <a:srgbClr val="0000FF"/>
-                </a:solidFill>
-                <a:latin typeface="Consolas"/>
-              </a:rPr>
-              <a:t>"&gt;</a:t>
+              <a:t>="header"&gt;</a:t>
             </a:r>
           </a:p>
           <a:p>
@@ -20956,12 +21275,6 @@
               <a:lnSpc>
                 <a:spcPct val="115000"/>
               </a:lnSpc>
-              <a:spcBef>
-                <a:spcPts val="0"/>
-              </a:spcBef>
-              <a:spcAft>
-                <a:spcPts val="0"/>
-              </a:spcAft>
               <a:defRPr/>
             </a:pPr>
             <a:r>
@@ -20974,7 +21287,7 @@
               <a:t>    </a:t>
             </a:r>
             <a:r>
-              <a:rPr lang="en-US" sz="1400" dirty="0" smtClean="0">
+              <a:rPr lang="en-US" sz="1400" dirty="0">
                 <a:solidFill>
                   <a:srgbClr val="0000FF"/>
                 </a:solidFill>
@@ -20983,7 +21296,7 @@
               <a:t>&lt;/</a:t>
             </a:r>
             <a:r>
-              <a:rPr lang="en-US" sz="1400" dirty="0" smtClean="0">
+              <a:rPr lang="en-US" sz="1400" dirty="0">
                 <a:solidFill>
                   <a:srgbClr val="800000"/>
                 </a:solidFill>
@@ -20992,7 +21305,7 @@
               <a:t>div</a:t>
             </a:r>
             <a:r>
-              <a:rPr lang="en-US" sz="1400" dirty="0" smtClean="0">
+              <a:rPr lang="en-US" sz="1400" dirty="0">
                 <a:solidFill>
                   <a:srgbClr val="0000FF"/>
                 </a:solidFill>
@@ -21006,12 +21319,6 @@
               <a:lnSpc>
                 <a:spcPct val="115000"/>
               </a:lnSpc>
-              <a:spcBef>
-                <a:spcPts val="0"/>
-              </a:spcBef>
-              <a:spcAft>
-                <a:spcPts val="0"/>
-              </a:spcAft>
               <a:defRPr/>
             </a:pPr>
             <a:r>
@@ -21024,7 +21331,7 @@
               <a:t>    </a:t>
             </a:r>
             <a:r>
-              <a:rPr lang="en-US" sz="1400" dirty="0" smtClean="0">
+              <a:rPr lang="en-US" sz="1400" dirty="0">
                 <a:solidFill>
                   <a:srgbClr val="0000FF"/>
                 </a:solidFill>
@@ -21033,7 +21340,7 @@
               <a:t>&lt;</a:t>
             </a:r>
             <a:r>
-              <a:rPr lang="en-US" sz="1400" dirty="0" smtClean="0">
+              <a:rPr lang="en-US" sz="1400" dirty="0">
                 <a:solidFill>
                   <a:srgbClr val="800000"/>
                 </a:solidFill>
@@ -21066,19 +21373,10 @@
                 </a:solidFill>
                 <a:latin typeface="Consolas"/>
               </a:rPr>
-              <a:t>="footer</a:t>
-            </a:r>
-            <a:r>
-              <a:rPr lang="en-US" sz="1400" dirty="0" smtClean="0">
-                <a:solidFill>
-                  <a:srgbClr val="0000FF"/>
-                </a:solidFill>
-                <a:latin typeface="Consolas"/>
-              </a:rPr>
-              <a:t>"&gt;</a:t>
-            </a:r>
-            <a:r>
-              <a:rPr lang="en-US" sz="1400" dirty="0" smtClean="0">
+              <a:t>="footer"&gt;</a:t>
+            </a:r>
+            <a:r>
+              <a:rPr lang="en-US" sz="1400" dirty="0">
                 <a:solidFill>
                   <a:srgbClr val="000000"/>
                 </a:solidFill>
@@ -21092,16 +21390,10 @@
               <a:lnSpc>
                 <a:spcPct val="115000"/>
               </a:lnSpc>
-              <a:spcBef>
-                <a:spcPts val="0"/>
-              </a:spcBef>
-              <a:spcAft>
-                <a:spcPts val="0"/>
-              </a:spcAft>
               <a:defRPr/>
             </a:pPr>
             <a:r>
-              <a:rPr lang="en-US" sz="1400" dirty="0" smtClean="0">
+              <a:rPr lang="en-US" sz="1400" dirty="0">
                 <a:solidFill>
                   <a:srgbClr val="0000FF"/>
                 </a:solidFill>
@@ -21110,7 +21402,7 @@
               <a:t>    &lt;/</a:t>
             </a:r>
             <a:r>
-              <a:rPr lang="en-US" sz="1400" dirty="0" smtClean="0">
+              <a:rPr lang="en-US" sz="1400" dirty="0">
                 <a:solidFill>
                   <a:srgbClr val="800000"/>
                 </a:solidFill>
@@ -21119,7 +21411,7 @@
               <a:t>div</a:t>
             </a:r>
             <a:r>
-              <a:rPr lang="en-US" sz="1400" dirty="0" smtClean="0">
+              <a:rPr lang="en-US" sz="1400" dirty="0">
                 <a:solidFill>
                   <a:srgbClr val="0000FF"/>
                 </a:solidFill>
@@ -21133,16 +21425,10 @@
               <a:lnSpc>
                 <a:spcPct val="115000"/>
               </a:lnSpc>
-              <a:spcBef>
-                <a:spcPts val="0"/>
-              </a:spcBef>
-              <a:spcAft>
-                <a:spcPts val="0"/>
-              </a:spcAft>
               <a:defRPr/>
             </a:pPr>
             <a:r>
-              <a:rPr lang="en-US" sz="1400" dirty="0" smtClean="0">
+              <a:rPr lang="en-US" sz="1400" dirty="0">
                 <a:solidFill>
                   <a:srgbClr val="0000FF"/>
                 </a:solidFill>
@@ -21160,7 +21446,7 @@
               <a:t>div</a:t>
             </a:r>
             <a:r>
-              <a:rPr lang="en-US" sz="1400" dirty="0" smtClean="0">
+              <a:rPr lang="en-US" sz="1400" dirty="0">
                 <a:solidFill>
                   <a:srgbClr val="0000FF"/>
                 </a:solidFill>
@@ -21168,7 +21454,7 @@
               </a:rPr>
               <a:t>&gt;</a:t>
             </a:r>
-            <a:endParaRPr lang="en-US" sz="1400" dirty="0" smtClean="0">
+            <a:endParaRPr lang="en-US" sz="1400" dirty="0">
               <a:solidFill>
                 <a:srgbClr val="0000FF"/>
               </a:solidFill>
@@ -21188,7 +21474,7 @@
         </p:nvSpPr>
         <p:spPr bwMode="auto">
           <a:xfrm>
-            <a:off x="1136506" y="4515354"/>
+            <a:off x="2660506" y="4515354"/>
             <a:ext cx="6450156" cy="990600"/>
           </a:xfrm>
           <a:prstGeom prst="rect">
@@ -21221,12 +21507,6 @@
               <a:lnSpc>
                 <a:spcPct val="115000"/>
               </a:lnSpc>
-              <a:spcBef>
-                <a:spcPts val="0"/>
-              </a:spcBef>
-              <a:spcAft>
-                <a:spcPts val="0"/>
-              </a:spcAft>
               <a:defRPr/>
             </a:pPr>
             <a:r>
@@ -21236,16 +21516,7 @@
                 </a:solidFill>
                 <a:latin typeface="Consolas"/>
               </a:rPr>
-              <a:t>&lt;!-- View </a:t>
-            </a:r>
-            <a:r>
-              <a:rPr lang="en-US" sz="1400" dirty="0" smtClean="0">
-                <a:solidFill>
-                  <a:srgbClr val="006400"/>
-                </a:solidFill>
-                <a:latin typeface="Consolas"/>
-              </a:rPr>
-              <a:t>--&gt;</a:t>
+              <a:t>&lt;!-- View --&gt;</a:t>
             </a:r>
           </a:p>
           <a:p>
@@ -21253,16 +21524,10 @@
               <a:lnSpc>
                 <a:spcPct val="115000"/>
               </a:lnSpc>
-              <a:spcBef>
-                <a:spcPts val="0"/>
-              </a:spcBef>
-              <a:spcAft>
-                <a:spcPts val="0"/>
-              </a:spcAft>
               <a:defRPr/>
             </a:pPr>
             <a:r>
-              <a:rPr lang="en-US" sz="1400" dirty="0" smtClean="0">
+              <a:rPr lang="en-US" sz="1400" dirty="0">
                 <a:solidFill>
                   <a:srgbClr val="0000FF"/>
                 </a:solidFill>
@@ -21370,7 +21635,7 @@
               <a:t>myLayout</a:t>
             </a:r>
             <a:r>
-              <a:rPr lang="en-US" sz="1400" dirty="0" smtClean="0">
+              <a:rPr lang="en-US" sz="1400" dirty="0">
                 <a:solidFill>
                   <a:srgbClr val="0000FF"/>
                 </a:solidFill>
@@ -21384,40 +21649,16 @@
               <a:lnSpc>
                 <a:spcPct val="115000"/>
               </a:lnSpc>
-              <a:spcBef>
-                <a:spcPts val="0"/>
-              </a:spcBef>
-              <a:spcAft>
-                <a:spcPts val="0"/>
-              </a:spcAft>
               <a:defRPr/>
             </a:pPr>
             <a:r>
-              <a:rPr lang="en-US" sz="1400" dirty="0" smtClean="0">
+              <a:rPr lang="en-US" sz="1400" dirty="0">
                 <a:solidFill>
                   <a:srgbClr val="006400"/>
                 </a:solidFill>
                 <a:latin typeface="Consolas"/>
               </a:rPr>
-              <a:t>    &lt;!--</a:t>
-            </a:r>
-            <a:r>
-              <a:rPr lang="en-US" sz="1400" dirty="0">
-                <a:solidFill>
-                  <a:srgbClr val="006400"/>
-                </a:solidFill>
-                <a:latin typeface="Consolas"/>
-              </a:rPr>
-              <a:t> View Content </a:t>
-            </a:r>
-            <a:r>
-              <a:rPr lang="en-US" sz="1400" dirty="0" smtClean="0">
-                <a:solidFill>
-                  <a:srgbClr val="006400"/>
-                </a:solidFill>
-                <a:latin typeface="Consolas"/>
-              </a:rPr>
-              <a:t>--&gt;</a:t>
+              <a:t>    &lt;!-- View Content --&gt;</a:t>
             </a:r>
           </a:p>
           <a:p>
@@ -21425,16 +21666,10 @@
               <a:lnSpc>
                 <a:spcPct val="115000"/>
               </a:lnSpc>
-              <a:spcBef>
-                <a:spcPts val="0"/>
-              </a:spcBef>
-              <a:spcAft>
-                <a:spcPts val="0"/>
-              </a:spcAft>
               <a:defRPr/>
             </a:pPr>
             <a:r>
-              <a:rPr lang="en-US" sz="1400" dirty="0" smtClean="0">
+              <a:rPr lang="en-US" sz="1400" dirty="0">
                 <a:solidFill>
                   <a:srgbClr val="0000FF"/>
                 </a:solidFill>
@@ -21478,7 +21713,7 @@
         </p:nvSpPr>
         <p:spPr bwMode="auto">
           <a:xfrm>
-            <a:off x="1185862" y="2479213"/>
+            <a:off x="2709862" y="2479213"/>
             <a:ext cx="4343400" cy="242690"/>
           </a:xfrm>
           <a:prstGeom prst="roundRect">
@@ -21526,7 +21761,7 @@
         </p:nvSpPr>
         <p:spPr bwMode="auto">
           <a:xfrm>
-            <a:off x="1566862" y="2721903"/>
+            <a:off x="3090862" y="2721903"/>
             <a:ext cx="2514600" cy="242690"/>
           </a:xfrm>
           <a:prstGeom prst="roundRect">
@@ -21574,7 +21809,7 @@
         </p:nvSpPr>
         <p:spPr bwMode="auto">
           <a:xfrm>
-            <a:off x="1559317" y="3232300"/>
+            <a:off x="3083317" y="3232300"/>
             <a:ext cx="2514600" cy="242690"/>
           </a:xfrm>
           <a:prstGeom prst="roundRect">
@@ -21622,7 +21857,7 @@
         </p:nvSpPr>
         <p:spPr bwMode="auto">
           <a:xfrm>
-            <a:off x="1199284" y="4779687"/>
+            <a:off x="2723284" y="4779687"/>
             <a:ext cx="6324600" cy="242690"/>
           </a:xfrm>
           <a:prstGeom prst="roundRect">
@@ -22465,7 +22700,7 @@
         </p:nvSpPr>
         <p:spPr bwMode="auto">
           <a:xfrm>
-            <a:off x="457200" y="1371600"/>
+            <a:off x="1981200" y="1371600"/>
             <a:ext cx="8229600" cy="4495800"/>
           </a:xfrm>
           <a:prstGeom prst="rect">
@@ -22626,29 +22861,28 @@
           </a:lstStyle>
           <a:p>
             <a:r>
-              <a:rPr lang="en-US" sz="2400" kern="0" dirty="0" smtClean="0"/>
+              <a:rPr lang="en-US" sz="2400" kern="0" dirty="0"/>
               <a:t>Local</a:t>
             </a:r>
           </a:p>
           <a:p>
             <a:pPr marL="685800" lvl="1"/>
-            <a:endParaRPr lang="en-US" sz="2400" kern="0" dirty="0" smtClean="0"/>
+            <a:endParaRPr lang="en-US" sz="2400" kern="0" dirty="0"/>
           </a:p>
           <a:p>
             <a:pPr marL="403027" lvl="1" indent="0">
               <a:buNone/>
             </a:pPr>
-            <a:endParaRPr lang="en-US" sz="2400" kern="0" dirty="0" smtClean="0"/>
-          </a:p>
-          <a:p>
-            <a:r>
-              <a:rPr lang="en-US" sz="2400" kern="0" dirty="0" smtClean="0"/>
+            <a:endParaRPr lang="en-US" sz="2400" kern="0" dirty="0"/>
+          </a:p>
+          <a:p>
+            <a:r>
+              <a:rPr lang="en-US" sz="2400" kern="0" dirty="0"/>
               <a:t>External</a:t>
             </a:r>
           </a:p>
           <a:p>
             <a:pPr marL="400050" lvl="1" indent="0">
-              <a:buFontTx/>
               <a:buNone/>
             </a:pPr>
             <a:endParaRPr lang="en-US" sz="2400" kern="0" dirty="0"/>
@@ -22665,7 +22899,7 @@
         </p:nvSpPr>
         <p:spPr bwMode="auto">
           <a:xfrm>
-            <a:off x="1169844" y="1822267"/>
+            <a:off x="2693844" y="1822267"/>
             <a:ext cx="5992956" cy="457200"/>
           </a:xfrm>
           <a:prstGeom prst="rect">
@@ -22698,12 +22932,6 @@
               <a:lnSpc>
                 <a:spcPct val="115000"/>
               </a:lnSpc>
-              <a:spcBef>
-                <a:spcPts val="0"/>
-              </a:spcBef>
-              <a:spcAft>
-                <a:spcPts val="0"/>
-              </a:spcAft>
               <a:defRPr/>
             </a:pPr>
             <a:r>
@@ -22776,54 +23004,45 @@
                 </a:solidFill>
                 <a:latin typeface="Consolas"/>
               </a:rPr>
-              <a:t>="</a:t>
-            </a:r>
-            <a:r>
-              <a:rPr lang="en-US" sz="1400" dirty="0" smtClean="0">
+              <a:t>="button" &gt;</a:t>
+            </a:r>
+            <a:r>
+              <a:rPr lang="en-US" sz="1400" dirty="0">
+                <a:solidFill>
+                  <a:srgbClr val="000000"/>
+                </a:solidFill>
+                <a:latin typeface="Consolas"/>
+              </a:rPr>
+              <a:t>Next Page</a:t>
+            </a:r>
+            <a:r>
+              <a:rPr lang="en-US" sz="1400" dirty="0">
                 <a:solidFill>
                   <a:srgbClr val="0000FF"/>
                 </a:solidFill>
                 <a:latin typeface="Consolas"/>
               </a:rPr>
-              <a:t>button" &gt;</a:t>
-            </a:r>
-            <a:r>
-              <a:rPr lang="en-US" sz="1400" dirty="0" smtClean="0">
-                <a:solidFill>
-                  <a:srgbClr val="000000"/>
+              <a:t>&lt;/</a:t>
+            </a:r>
+            <a:r>
+              <a:rPr lang="en-US" sz="1400" dirty="0">
+                <a:solidFill>
+                  <a:srgbClr val="800000"/>
                 </a:solidFill>
                 <a:latin typeface="Consolas"/>
               </a:rPr>
-              <a:t>Next Page</a:t>
-            </a:r>
-            <a:r>
-              <a:rPr lang="en-US" sz="1400" dirty="0" smtClean="0">
+              <a:t>a</a:t>
+            </a:r>
+            <a:r>
+              <a:rPr lang="en-US" sz="1400" dirty="0">
                 <a:solidFill>
                   <a:srgbClr val="0000FF"/>
                 </a:solidFill>
                 <a:latin typeface="Consolas"/>
               </a:rPr>
-              <a:t>&lt;/</a:t>
-            </a:r>
-            <a:r>
-              <a:rPr lang="en-US" sz="1400" dirty="0">
-                <a:solidFill>
-                  <a:srgbClr val="800000"/>
-                </a:solidFill>
-                <a:latin typeface="Consolas"/>
-              </a:rPr>
-              <a:t>a</a:t>
-            </a:r>
-            <a:r>
-              <a:rPr lang="en-US" sz="1400" dirty="0">
-                <a:solidFill>
-                  <a:srgbClr val="0000FF"/>
-                </a:solidFill>
-                <a:latin typeface="Consolas"/>
-              </a:rPr>
               <a:t>&gt;</a:t>
             </a:r>
-            <a:endParaRPr lang="en-US" sz="1400" dirty="0" smtClean="0">
+            <a:endParaRPr lang="en-US" sz="1400" dirty="0">
               <a:solidFill>
                 <a:srgbClr val="0000FF"/>
               </a:solidFill>
@@ -22843,7 +23062,7 @@
         </p:nvSpPr>
         <p:spPr bwMode="auto">
           <a:xfrm>
-            <a:off x="1169844" y="3262312"/>
+            <a:off x="2693844" y="3262312"/>
             <a:ext cx="6983556" cy="457200"/>
           </a:xfrm>
           <a:prstGeom prst="rect">
@@ -22876,12 +23095,6 @@
               <a:lnSpc>
                 <a:spcPct val="115000"/>
               </a:lnSpc>
-              <a:spcBef>
-                <a:spcPts val="0"/>
-              </a:spcBef>
-              <a:spcAft>
-                <a:spcPts val="0"/>
-              </a:spcAft>
               <a:defRPr/>
             </a:pPr>
             <a:r>
@@ -22966,17 +23179,7 @@
                 <a:latin typeface="Consolas" panose="020B0609020204030204" pitchFamily="49" charset="0"/>
                 <a:cs typeface="Consolas" panose="020B0609020204030204" pitchFamily="49" charset="0"/>
               </a:rPr>
-              <a:t>="</a:t>
-            </a:r>
-            <a:r>
-              <a:rPr lang="en-US" sz="1400" dirty="0" smtClean="0">
-                <a:solidFill>
-                  <a:srgbClr val="0000FF"/>
-                </a:solidFill>
-                <a:latin typeface="Consolas" panose="020B0609020204030204" pitchFamily="49" charset="0"/>
-                <a:cs typeface="Consolas" panose="020B0609020204030204" pitchFamily="49" charset="0"/>
-              </a:rPr>
-              <a:t>external" &gt;</a:t>
+              <a:t>="external" &gt;</a:t>
             </a:r>
             <a:r>
               <a:rPr lang="en-US" sz="1400" dirty="0">
@@ -23023,7 +23226,7 @@
               <a:t> </a:t>
             </a:r>
             <a:r>
-              <a:rPr lang="en-US" sz="1400" dirty="0" smtClean="0">
+              <a:rPr lang="en-US" sz="1400" dirty="0">
                 <a:solidFill>
                   <a:srgbClr val="000000"/>
                 </a:solidFill>
@@ -23043,7 +23246,7 @@
         </p:nvSpPr>
         <p:spPr bwMode="auto">
           <a:xfrm>
-            <a:off x="1525073" y="1929522"/>
+            <a:off x="3049074" y="1929522"/>
             <a:ext cx="1337019" cy="242690"/>
           </a:xfrm>
           <a:prstGeom prst="roundRect">
@@ -23091,7 +23294,7 @@
         </p:nvSpPr>
         <p:spPr bwMode="auto">
           <a:xfrm>
-            <a:off x="2907357" y="1930423"/>
+            <a:off x="4431358" y="1930423"/>
             <a:ext cx="1817043" cy="242690"/>
           </a:xfrm>
           <a:prstGeom prst="roundRect">
@@ -23139,7 +23342,7 @@
         </p:nvSpPr>
         <p:spPr bwMode="auto">
           <a:xfrm>
-            <a:off x="4170094" y="3369567"/>
+            <a:off x="5694094" y="3369567"/>
             <a:ext cx="1925906" cy="242690"/>
           </a:xfrm>
           <a:prstGeom prst="roundRect">
@@ -23779,7 +23982,7 @@
         </p:nvSpPr>
         <p:spPr bwMode="auto">
           <a:xfrm>
-            <a:off x="457200" y="1371600"/>
+            <a:off x="1981200" y="1371600"/>
             <a:ext cx="8382000" cy="4495800"/>
           </a:xfrm>
           <a:prstGeom prst="rect">
@@ -23940,41 +24143,40 @@
           </a:lstStyle>
           <a:p>
             <a:r>
-              <a:rPr lang="en-US" sz="2400" kern="0" dirty="0" smtClean="0"/>
+              <a:rPr lang="en-US" sz="2400" kern="0" dirty="0"/>
               <a:t>Animation when moving from one view to another</a:t>
             </a:r>
           </a:p>
           <a:p>
             <a:r>
-              <a:rPr lang="en-US" sz="2400" kern="0" dirty="0" smtClean="0"/>
+              <a:rPr lang="en-US" sz="2400" kern="0" dirty="0"/>
               <a:t>Defined on View, navigational widget…or at the app level</a:t>
             </a:r>
           </a:p>
           <a:p>
-            <a:endParaRPr lang="en-US" sz="2400" kern="0" dirty="0" smtClean="0"/>
-          </a:p>
-          <a:p>
-            <a:endParaRPr lang="en-US" sz="2400" kern="0" dirty="0" smtClean="0"/>
+            <a:endParaRPr lang="en-US" sz="2400" kern="0" dirty="0"/>
+          </a:p>
+          <a:p>
+            <a:endParaRPr lang="en-US" sz="2400" kern="0" dirty="0"/>
           </a:p>
           <a:p>
             <a:pPr marL="0" indent="0">
-              <a:buFontTx/>
               <a:buNone/>
             </a:pPr>
-            <a:endParaRPr lang="en-US" sz="2400" kern="0" dirty="0" smtClean="0"/>
-          </a:p>
-          <a:p>
-            <a:r>
-              <a:rPr lang="en-US" sz="2400" kern="0" dirty="0" smtClean="0"/>
+            <a:endParaRPr lang="en-US" sz="2400" kern="0" dirty="0"/>
+          </a:p>
+          <a:p>
+            <a:r>
+              <a:rPr lang="en-US" sz="2400" kern="0" dirty="0"/>
               <a:t>Slide, Zoom, Fade, and Overlay</a:t>
             </a:r>
           </a:p>
           <a:p>
             <a:r>
-              <a:rPr lang="en-US" sz="2400" kern="0" dirty="0" smtClean="0"/>
+              <a:rPr lang="en-US" sz="2400" kern="0" dirty="0"/>
               <a:t>Configure direction (slide, overlay), and reversible (all)</a:t>
             </a:r>
-            <a:endParaRPr lang="en-US" sz="2400" kern="0" dirty="0" smtClean="0">
+            <a:endParaRPr lang="en-US" sz="2400" kern="0" dirty="0">
               <a:latin typeface="Consolas" panose="020B0609020204030204" pitchFamily="49" charset="0"/>
               <a:cs typeface="Consolas" panose="020B0609020204030204" pitchFamily="49" charset="0"/>
             </a:endParaRPr>
@@ -23991,7 +24193,7 @@
         </p:nvSpPr>
         <p:spPr bwMode="auto">
           <a:xfrm>
-            <a:off x="1028704" y="2266540"/>
+            <a:off x="2552704" y="2266540"/>
             <a:ext cx="7620000" cy="1081500"/>
           </a:xfrm>
           <a:prstGeom prst="rect">
@@ -24024,12 +24226,6 @@
               <a:lnSpc>
                 <a:spcPct val="115000"/>
               </a:lnSpc>
-              <a:spcBef>
-                <a:spcPts val="0"/>
-              </a:spcBef>
-              <a:spcAft>
-                <a:spcPts val="0"/>
-              </a:spcAft>
               <a:defRPr/>
             </a:pPr>
             <a:r>
@@ -24137,12 +24333,6 @@
               <a:lnSpc>
                 <a:spcPct val="115000"/>
               </a:lnSpc>
-              <a:spcBef>
-                <a:spcPts val="0"/>
-              </a:spcBef>
-              <a:spcAft>
-                <a:spcPts val="0"/>
-              </a:spcAft>
               <a:defRPr/>
             </a:pPr>
             <a:r>
@@ -24181,15 +24371,9 @@
               <a:lnSpc>
                 <a:spcPct val="115000"/>
               </a:lnSpc>
-              <a:spcBef>
-                <a:spcPts val="0"/>
-              </a:spcBef>
-              <a:spcAft>
-                <a:spcPts val="0"/>
-              </a:spcAft>
               <a:defRPr/>
             </a:pPr>
-            <a:endParaRPr lang="en-US" sz="1400" dirty="0" smtClean="0">
+            <a:endParaRPr lang="en-US" sz="1400" dirty="0">
               <a:solidFill>
                 <a:srgbClr val="0000FF"/>
               </a:solidFill>
@@ -24201,16 +24385,10 @@
               <a:lnSpc>
                 <a:spcPct val="115000"/>
               </a:lnSpc>
-              <a:spcBef>
-                <a:spcPts val="0"/>
-              </a:spcBef>
-              <a:spcAft>
-                <a:spcPts val="0"/>
-              </a:spcAft>
               <a:defRPr/>
             </a:pPr>
             <a:r>
-              <a:rPr lang="en-US" sz="1400" dirty="0" smtClean="0">
+              <a:rPr lang="en-US" sz="1400" dirty="0">
                 <a:solidFill>
                   <a:srgbClr val="0000FF"/>
                 </a:solidFill>
@@ -24306,46 +24484,37 @@
                 </a:solidFill>
                 <a:latin typeface="Consolas"/>
               </a:rPr>
-              <a:t>="</a:t>
-            </a:r>
-            <a:r>
-              <a:rPr lang="en-US" sz="1400" dirty="0" smtClean="0">
+              <a:t>="fade" &gt;</a:t>
+            </a:r>
+            <a:r>
+              <a:rPr lang="en-US" sz="1400" dirty="0">
+                <a:solidFill>
+                  <a:srgbClr val="000000"/>
+                </a:solidFill>
+                <a:latin typeface="Consolas"/>
+              </a:rPr>
+              <a:t>Search</a:t>
+            </a:r>
+            <a:r>
+              <a:rPr lang="en-US" sz="1400" dirty="0">
                 <a:solidFill>
                   <a:srgbClr val="0000FF"/>
                 </a:solidFill>
                 <a:latin typeface="Consolas"/>
               </a:rPr>
-              <a:t>fade" &gt;</a:t>
+              <a:t>&lt;/</a:t>
             </a:r>
             <a:r>
               <a:rPr lang="en-US" sz="1400" dirty="0">
                 <a:solidFill>
-                  <a:srgbClr val="000000"/>
+                  <a:srgbClr val="800000"/>
                 </a:solidFill>
                 <a:latin typeface="Consolas"/>
               </a:rPr>
-              <a:t>Search</a:t>
+              <a:t>a</a:t>
             </a:r>
             <a:r>
               <a:rPr lang="en-US" sz="1400" dirty="0">
-                <a:solidFill>
-                  <a:srgbClr val="0000FF"/>
-                </a:solidFill>
-                <a:latin typeface="Consolas"/>
-              </a:rPr>
-              <a:t>&lt;/</a:t>
-            </a:r>
-            <a:r>
-              <a:rPr lang="en-US" sz="1400" dirty="0">
-                <a:solidFill>
-                  <a:srgbClr val="800000"/>
-                </a:solidFill>
-                <a:latin typeface="Consolas"/>
-              </a:rPr>
-              <a:t>a</a:t>
-            </a:r>
-            <a:r>
-              <a:rPr lang="en-US" sz="1400" dirty="0" smtClean="0">
                 <a:solidFill>
                   <a:srgbClr val="0000FF"/>
                 </a:solidFill>
@@ -24364,7 +24533,7 @@
         </p:nvSpPr>
         <p:spPr bwMode="auto">
           <a:xfrm>
-            <a:off x="4407085" y="2314665"/>
+            <a:off x="5931085" y="2314665"/>
             <a:ext cx="2355034" cy="242690"/>
           </a:xfrm>
           <a:prstGeom prst="roundRect">
@@ -24412,7 +24581,7 @@
         </p:nvSpPr>
         <p:spPr bwMode="auto">
           <a:xfrm>
-            <a:off x="4716314" y="3045193"/>
+            <a:off x="6240314" y="3045193"/>
             <a:ext cx="2245912" cy="242690"/>
           </a:xfrm>
           <a:prstGeom prst="roundRect">
@@ -25168,7 +25337,7 @@
         </p:nvSpPr>
         <p:spPr bwMode="auto">
           <a:xfrm>
-            <a:off x="457200" y="1371600"/>
+            <a:off x="1981200" y="1371600"/>
             <a:ext cx="8686800" cy="4495800"/>
           </a:xfrm>
           <a:prstGeom prst="rect">
@@ -25329,16 +25498,15 @@
           </a:lstStyle>
           <a:p>
             <a:r>
-              <a:rPr lang="en-US" sz="2400" kern="0" dirty="0" smtClean="0"/>
+              <a:rPr lang="en-US" sz="2400" kern="0" dirty="0"/>
               <a:t>Built-in loading indicator</a:t>
             </a:r>
           </a:p>
           <a:p>
             <a:r>
-              <a:rPr lang="en-US" sz="2400" kern="0" dirty="0" smtClean="0"/>
+              <a:rPr lang="en-US" sz="2400" kern="0" dirty="0"/>
               <a:t>Styled per platform</a:t>
             </a:r>
-            <a:endParaRPr lang="en-US" sz="2400" kern="0" dirty="0" smtClean="0"/>
           </a:p>
         </p:txBody>
       </p:sp>
@@ -25352,7 +25520,7 @@
         </p:nvSpPr>
         <p:spPr bwMode="auto">
           <a:xfrm>
-            <a:off x="914400" y="2286000"/>
+            <a:off x="2438400" y="2286000"/>
             <a:ext cx="6705600" cy="3048000"/>
           </a:xfrm>
           <a:prstGeom prst="rect">
@@ -25381,16 +25549,10 @@
           <a:bodyPr wrap="none" anchor="ctr"/>
           <a:lstStyle/>
           <a:p>
-            <a:pPr marL="0" marR="0">
+            <a:pPr>
               <a:lnSpc>
                 <a:spcPct val="107000"/>
               </a:lnSpc>
-              <a:spcBef>
-                <a:spcPts val="0"/>
-              </a:spcBef>
-              <a:spcAft>
-                <a:spcPts val="0"/>
-              </a:spcAft>
             </a:pPr>
             <a:r>
               <a:rPr lang="en-US" sz="1400" dirty="0">
@@ -25411,7 +25573,7 @@
               <a:t>script</a:t>
             </a:r>
             <a:r>
-              <a:rPr lang="en-US" sz="1400" dirty="0" smtClean="0">
+              <a:rPr lang="en-US" sz="1400" dirty="0">
                 <a:solidFill>
                   <a:srgbClr val="0000FF"/>
                 </a:solidFill>
@@ -25421,19 +25583,13 @@
             </a:r>
           </a:p>
           <a:p>
-            <a:pPr marL="0" marR="0">
+            <a:pPr>
               <a:lnSpc>
                 <a:spcPct val="107000"/>
               </a:lnSpc>
-              <a:spcBef>
-                <a:spcPts val="0"/>
-              </a:spcBef>
-              <a:spcAft>
-                <a:spcPts val="0"/>
-              </a:spcAft>
             </a:pPr>
             <a:r>
-              <a:rPr lang="en-US" sz="1400" dirty="0" smtClean="0">
+              <a:rPr lang="en-US" sz="1400" dirty="0">
                 <a:solidFill>
                   <a:srgbClr val="000000"/>
                 </a:solidFill>
@@ -25457,29 +25613,14 @@
                 </a:solidFill>
                 <a:latin typeface="Consolas"/>
               </a:rPr>
-              <a:t> () </a:t>
-            </a:r>
-            <a:r>
-              <a:rPr lang="en-US" sz="1400" dirty="0" smtClean="0">
-                <a:solidFill>
-                  <a:srgbClr val="000000"/>
-                </a:solidFill>
-                <a:latin typeface="Consolas"/>
-              </a:rPr>
-              <a:t>{</a:t>
-            </a:r>
-          </a:p>
-          <a:p>
-            <a:pPr marL="0" marR="0">
+              <a:t> () {</a:t>
+            </a:r>
+          </a:p>
+          <a:p>
+            <a:pPr>
               <a:lnSpc>
                 <a:spcPct val="107000"/>
               </a:lnSpc>
-              <a:spcBef>
-                <a:spcPts val="0"/>
-              </a:spcBef>
-              <a:spcAft>
-                <a:spcPts val="0"/>
-              </a:spcAft>
             </a:pPr>
             <a:r>
               <a:rPr lang="en-US" sz="1400" dirty="0">
@@ -25488,61 +25629,43 @@
                 </a:solidFill>
                 <a:latin typeface="Consolas"/>
               </a:rPr>
-              <a:t> </a:t>
-            </a:r>
-            <a:r>
-              <a:rPr lang="en-US" sz="1400" dirty="0" smtClean="0">
+              <a:t>        $(</a:t>
+            </a:r>
+            <a:r>
+              <a:rPr lang="en-US" sz="1400" dirty="0">
+                <a:solidFill>
+                  <a:srgbClr val="800000"/>
+                </a:solidFill>
+                <a:latin typeface="Consolas"/>
+              </a:rPr>
+              <a:t>"#</a:t>
+            </a:r>
+            <a:r>
+              <a:rPr lang="en-US" sz="1400" dirty="0" err="1">
+                <a:solidFill>
+                  <a:srgbClr val="800000"/>
+                </a:solidFill>
+                <a:latin typeface="Consolas"/>
+              </a:rPr>
+              <a:t>longProcess</a:t>
+            </a:r>
+            <a:r>
+              <a:rPr lang="en-US" sz="1400" dirty="0">
+                <a:solidFill>
+                  <a:srgbClr val="800000"/>
+                </a:solidFill>
+                <a:latin typeface="Consolas"/>
+              </a:rPr>
+              <a:t>"</a:t>
+            </a:r>
+            <a:r>
+              <a:rPr lang="en-US" sz="1400" dirty="0">
                 <a:solidFill>
                   <a:srgbClr val="000000"/>
                 </a:solidFill>
                 <a:latin typeface="Consolas"/>
               </a:rPr>
-              <a:t>       $(</a:t>
-            </a:r>
-            <a:r>
-              <a:rPr lang="en-US" sz="1400" dirty="0" smtClean="0">
-                <a:solidFill>
-                  <a:srgbClr val="800000"/>
-                </a:solidFill>
-                <a:latin typeface="Consolas"/>
-              </a:rPr>
-              <a:t>"#</a:t>
-            </a:r>
-            <a:r>
-              <a:rPr lang="en-US" sz="1400" dirty="0" err="1">
-                <a:solidFill>
-                  <a:srgbClr val="800000"/>
-                </a:solidFill>
-                <a:latin typeface="Consolas"/>
-              </a:rPr>
-              <a:t>longProcess</a:t>
-            </a:r>
-            <a:r>
-              <a:rPr lang="en-US" sz="1400" dirty="0">
-                <a:solidFill>
-                  <a:srgbClr val="800000"/>
-                </a:solidFill>
-                <a:latin typeface="Consolas"/>
-              </a:rPr>
-              <a:t>"</a:t>
-            </a:r>
-            <a:r>
-              <a:rPr lang="en-US" sz="1400" dirty="0">
-                <a:solidFill>
-                  <a:srgbClr val="000000"/>
-                </a:solidFill>
-                <a:latin typeface="Consolas"/>
-              </a:rPr>
-              <a:t>).</a:t>
-            </a:r>
-            <a:r>
-              <a:rPr lang="en-US" sz="1400" dirty="0" smtClean="0">
-                <a:solidFill>
-                  <a:srgbClr val="000000"/>
-                </a:solidFill>
-                <a:latin typeface="Consolas"/>
-              </a:rPr>
-              <a:t>bind(</a:t>
+              <a:t>).bind(</a:t>
             </a:r>
             <a:r>
               <a:rPr lang="en-US" sz="1400" dirty="0">
@@ -25555,59 +25678,38 @@
               <a:t>'click'</a:t>
             </a:r>
             <a:r>
-              <a:rPr lang="en-US" sz="1400" dirty="0" smtClean="0">
+              <a:rPr lang="en-US" sz="1400" dirty="0">
                 <a:solidFill>
                   <a:srgbClr val="000000"/>
                 </a:solidFill>
                 <a:latin typeface="Consolas"/>
               </a:rPr>
-              <a:t>,</a:t>
+              <a:t>, </a:t>
             </a:r>
             <a:r>
               <a:rPr lang="en-US" sz="1400" dirty="0">
                 <a:solidFill>
+                  <a:srgbClr val="0000FF"/>
+                </a:solidFill>
+                <a:latin typeface="Consolas"/>
+              </a:rPr>
+              <a:t>function</a:t>
+            </a:r>
+            <a:r>
+              <a:rPr lang="en-US" sz="1400" dirty="0">
+                <a:solidFill>
                   <a:srgbClr val="000000"/>
                 </a:solidFill>
                 <a:latin typeface="Consolas"/>
               </a:rPr>
-              <a:t> </a:t>
-            </a:r>
-            <a:r>
-              <a:rPr lang="en-US" sz="1400" dirty="0">
-                <a:solidFill>
-                  <a:srgbClr val="0000FF"/>
-                </a:solidFill>
-                <a:latin typeface="Consolas"/>
-              </a:rPr>
-              <a:t>function</a:t>
-            </a:r>
-            <a:r>
-              <a:rPr lang="en-US" sz="1400" dirty="0">
-                <a:solidFill>
-                  <a:srgbClr val="000000"/>
-                </a:solidFill>
-                <a:latin typeface="Consolas"/>
-              </a:rPr>
               <a:t> () {            </a:t>
             </a:r>
-            <a:endParaRPr lang="en-US" sz="1400" dirty="0" smtClean="0">
-              <a:solidFill>
-                <a:srgbClr val="000000"/>
-              </a:solidFill>
-              <a:latin typeface="Consolas"/>
-            </a:endParaRPr>
-          </a:p>
-          <a:p>
-            <a:pPr marL="0" marR="0">
+          </a:p>
+          <a:p>
+            <a:pPr>
               <a:lnSpc>
                 <a:spcPct val="107000"/>
               </a:lnSpc>
-              <a:spcBef>
-                <a:spcPts val="0"/>
-              </a:spcBef>
-              <a:spcAft>
-                <a:spcPts val="0"/>
-              </a:spcAft>
             </a:pPr>
             <a:r>
               <a:rPr lang="en-US" sz="1400" dirty="0">
@@ -25616,47 +25718,32 @@
                 </a:solidFill>
                 <a:latin typeface="Consolas"/>
               </a:rPr>
-              <a:t> </a:t>
-            </a:r>
-            <a:r>
-              <a:rPr lang="en-US" sz="1400" dirty="0" smtClean="0">
+              <a:t>            </a:t>
+            </a:r>
+            <a:r>
+              <a:rPr lang="en-US" sz="1400" dirty="0" err="1">
                 <a:solidFill>
                   <a:srgbClr val="000000"/>
                 </a:solidFill>
                 <a:latin typeface="Consolas"/>
               </a:rPr>
-              <a:t>           </a:t>
-            </a:r>
-            <a:r>
-              <a:rPr lang="en-US" sz="1400" dirty="0" err="1" smtClean="0">
+              <a:t>app.showLoading</a:t>
+            </a:r>
+            <a:r>
+              <a:rPr lang="en-US" sz="1400" dirty="0">
                 <a:solidFill>
                   <a:srgbClr val="000000"/>
                 </a:solidFill>
                 <a:latin typeface="Consolas"/>
               </a:rPr>
-              <a:t>app.showLoading</a:t>
-            </a:r>
-            <a:r>
-              <a:rPr lang="en-US" sz="1400" dirty="0" smtClean="0">
-                <a:solidFill>
-                  <a:srgbClr val="000000"/>
-                </a:solidFill>
-                <a:latin typeface="Consolas"/>
-              </a:rPr>
               <a:t>();</a:t>
             </a:r>
           </a:p>
           <a:p>
-            <a:pPr marL="0" marR="0">
+            <a:pPr>
               <a:lnSpc>
                 <a:spcPct val="107000"/>
               </a:lnSpc>
-              <a:spcBef>
-                <a:spcPts val="0"/>
-              </a:spcBef>
-              <a:spcAft>
-                <a:spcPts val="0"/>
-              </a:spcAft>
             </a:pPr>
             <a:r>
               <a:rPr lang="en-US" sz="1400" dirty="0">
@@ -25668,7 +25755,7 @@
               <a:t>            </a:t>
             </a:r>
             <a:r>
-              <a:rPr lang="en-US" sz="1400" dirty="0" err="1" smtClean="0">
+              <a:rPr lang="en-US" sz="1400" dirty="0" err="1">
                 <a:solidFill>
                   <a:srgbClr val="000000"/>
                 </a:solidFill>
@@ -25677,7 +25764,7 @@
               <a:t>longRunningProcess</a:t>
             </a:r>
             <a:r>
-              <a:rPr lang="en-US" sz="1400" dirty="0" smtClean="0">
+              <a:rPr lang="en-US" sz="1400" dirty="0">
                 <a:solidFill>
                   <a:srgbClr val="000000"/>
                 </a:solidFill>
@@ -25687,16 +25774,10 @@
             </a:r>
           </a:p>
           <a:p>
-            <a:pPr marL="0" marR="0">
+            <a:pPr>
               <a:lnSpc>
                 <a:spcPct val="107000"/>
               </a:lnSpc>
-              <a:spcBef>
-                <a:spcPts val="0"/>
-              </a:spcBef>
-              <a:spcAft>
-                <a:spcPts val="0"/>
-              </a:spcAft>
             </a:pPr>
             <a:r>
               <a:rPr lang="en-US" sz="1400" dirty="0">
@@ -25717,7 +25798,7 @@
               <a:t>app.hideLoading</a:t>
             </a:r>
             <a:r>
-              <a:rPr lang="en-US" sz="1400" dirty="0" smtClean="0">
+              <a:rPr lang="en-US" sz="1400" dirty="0">
                 <a:solidFill>
                   <a:srgbClr val="000000"/>
                 </a:solidFill>
@@ -25727,16 +25808,10 @@
             </a:r>
           </a:p>
           <a:p>
-            <a:pPr marL="0" marR="0">
+            <a:pPr>
               <a:lnSpc>
                 <a:spcPct val="107000"/>
               </a:lnSpc>
-              <a:spcBef>
-                <a:spcPts val="0"/>
-              </a:spcBef>
-              <a:spcAft>
-                <a:spcPts val="0"/>
-              </a:spcAft>
             </a:pPr>
             <a:r>
               <a:rPr lang="en-US" sz="1400" dirty="0">
@@ -25745,29 +25820,14 @@
                 </a:solidFill>
                 <a:latin typeface="Consolas"/>
               </a:rPr>
-              <a:t>        </a:t>
-            </a:r>
-            <a:r>
-              <a:rPr lang="en-US" sz="1400" dirty="0" smtClean="0">
-                <a:solidFill>
-                  <a:srgbClr val="000000"/>
-                </a:solidFill>
-                <a:latin typeface="Consolas"/>
-              </a:rPr>
-              <a:t>});</a:t>
-            </a:r>
-          </a:p>
-          <a:p>
-            <a:pPr marL="0" marR="0">
+              <a:t>        });</a:t>
+            </a:r>
+          </a:p>
+          <a:p>
+            <a:pPr>
               <a:lnSpc>
                 <a:spcPct val="107000"/>
               </a:lnSpc>
-              <a:spcBef>
-                <a:spcPts val="0"/>
-              </a:spcBef>
-              <a:spcAft>
-                <a:spcPts val="0"/>
-              </a:spcAft>
             </a:pPr>
             <a:r>
               <a:rPr lang="en-US" sz="1400" dirty="0">
@@ -25778,27 +25838,15 @@
               </a:rPr>
               <a:t>    }); </a:t>
             </a:r>
-            <a:endParaRPr lang="en-US" sz="1400" dirty="0" smtClean="0">
-              <a:solidFill>
-                <a:srgbClr val="000000"/>
-              </a:solidFill>
-              <a:latin typeface="Consolas"/>
-            </a:endParaRPr>
-          </a:p>
-          <a:p>
-            <a:pPr marL="0" marR="0">
+          </a:p>
+          <a:p>
+            <a:pPr>
               <a:lnSpc>
                 <a:spcPct val="107000"/>
               </a:lnSpc>
-              <a:spcBef>
-                <a:spcPts val="0"/>
-              </a:spcBef>
-              <a:spcAft>
-                <a:spcPts val="0"/>
-              </a:spcAft>
             </a:pPr>
             <a:r>
-              <a:rPr lang="en-US" sz="1400" dirty="0" smtClean="0">
+              <a:rPr lang="en-US" sz="1400" dirty="0">
                 <a:solidFill>
                   <a:srgbClr val="0000FF"/>
                 </a:solidFill>
@@ -25818,7 +25866,7 @@
               <a:t>script</a:t>
             </a:r>
             <a:r>
-              <a:rPr lang="en-US" sz="1400" dirty="0" smtClean="0">
+              <a:rPr lang="en-US" sz="1400" dirty="0">
                 <a:solidFill>
                   <a:srgbClr val="0000FF"/>
                 </a:solidFill>
@@ -25829,18 +25877,12 @@
             </a:r>
           </a:p>
           <a:p>
-            <a:pPr marL="0" marR="0">
+            <a:pPr>
               <a:lnSpc>
                 <a:spcPct val="107000"/>
               </a:lnSpc>
-              <a:spcBef>
-                <a:spcPts val="0"/>
-              </a:spcBef>
-              <a:spcAft>
-                <a:spcPts val="0"/>
-              </a:spcAft>
             </a:pPr>
-            <a:endParaRPr lang="en-US" sz="1400" dirty="0" smtClean="0">
+            <a:endParaRPr lang="en-US" sz="1400" dirty="0">
               <a:solidFill>
                 <a:srgbClr val="0000FF"/>
               </a:solidFill>
@@ -25849,16 +25891,10 @@
             </a:endParaRPr>
           </a:p>
           <a:p>
-            <a:pPr marL="0" marR="0">
+            <a:pPr>
               <a:lnSpc>
                 <a:spcPct val="107000"/>
               </a:lnSpc>
-              <a:spcBef>
-                <a:spcPts val="0"/>
-              </a:spcBef>
-              <a:spcAft>
-                <a:spcPts val="0"/>
-              </a:spcAft>
             </a:pPr>
             <a:r>
               <a:rPr lang="en-US" sz="1400" dirty="0">
@@ -25896,24 +25932,12 @@
               </a:rPr>
               <a:t>    </a:t>
             </a:r>
-            <a:endParaRPr lang="en-US" sz="1400" dirty="0" smtClean="0">
-              <a:solidFill>
-                <a:srgbClr val="000000"/>
-              </a:solidFill>
-              <a:latin typeface="Consolas"/>
-            </a:endParaRPr>
-          </a:p>
-          <a:p>
-            <a:pPr marL="0" marR="0">
+          </a:p>
+          <a:p>
+            <a:pPr>
               <a:lnSpc>
                 <a:spcPct val="107000"/>
               </a:lnSpc>
-              <a:spcBef>
-                <a:spcPts val="0"/>
-              </a:spcBef>
-              <a:spcAft>
-                <a:spcPts val="0"/>
-              </a:spcAft>
             </a:pPr>
             <a:r>
               <a:rPr lang="en-US" sz="1400" dirty="0">
@@ -25922,43 +25946,70 @@
                 </a:solidFill>
                 <a:latin typeface="Consolas"/>
               </a:rPr>
-              <a:t> </a:t>
-            </a:r>
-            <a:r>
-              <a:rPr lang="en-US" sz="1400" dirty="0" smtClean="0">
+              <a:t>    </a:t>
+            </a:r>
+            <a:r>
+              <a:rPr lang="en-US" sz="1400" dirty="0" err="1">
                 <a:solidFill>
                   <a:srgbClr val="000000"/>
                 </a:solidFill>
                 <a:latin typeface="Consolas"/>
               </a:rPr>
-              <a:t>   </a:t>
-            </a:r>
-            <a:r>
-              <a:rPr lang="en-US" sz="1400" dirty="0" err="1" smtClean="0">
+              <a:t>window.app</a:t>
+            </a:r>
+            <a:r>
+              <a:rPr lang="en-US" sz="1400" dirty="0">
                 <a:solidFill>
                   <a:srgbClr val="000000"/>
                 </a:solidFill>
                 <a:latin typeface="Consolas"/>
               </a:rPr>
-              <a:t>window.app</a:t>
+              <a:t> = </a:t>
             </a:r>
             <a:r>
               <a:rPr lang="en-US" sz="1400" dirty="0">
                 <a:solidFill>
+                  <a:srgbClr val="0000FF"/>
+                </a:solidFill>
+                <a:latin typeface="Consolas"/>
+              </a:rPr>
+              <a:t>new</a:t>
+            </a:r>
+            <a:r>
+              <a:rPr lang="en-US" sz="1400" dirty="0">
+                <a:solidFill>
                   <a:srgbClr val="000000"/>
                 </a:solidFill>
                 <a:latin typeface="Consolas"/>
               </a:rPr>
-              <a:t> = </a:t>
+              <a:t> </a:t>
+            </a:r>
+            <a:r>
+              <a:rPr lang="en-US" sz="1400" dirty="0" err="1">
+                <a:solidFill>
+                  <a:srgbClr val="000000"/>
+                </a:solidFill>
+                <a:latin typeface="Consolas"/>
+              </a:rPr>
+              <a:t>kendo.mobile.Application</a:t>
             </a:r>
             <a:r>
               <a:rPr lang="en-US" sz="1400" dirty="0">
                 <a:solidFill>
-                  <a:srgbClr val="0000FF"/>
+                  <a:srgbClr val="000000"/>
                 </a:solidFill>
                 <a:latin typeface="Consolas"/>
               </a:rPr>
-              <a:t>new</a:t>
+              <a:t>(</a:t>
+            </a:r>
+            <a:r>
+              <a:rPr lang="en-US" sz="1400" dirty="0" err="1">
+                <a:solidFill>
+                  <a:srgbClr val="000000"/>
+                </a:solidFill>
+                <a:latin typeface="Consolas"/>
+              </a:rPr>
+              <a:t>document.body</a:t>
             </a:r>
             <a:r>
               <a:rPr lang="en-US" sz="1400" dirty="0">
@@ -25967,59 +26018,17 @@
                 </a:solidFill>
                 <a:latin typeface="Consolas"/>
               </a:rPr>
-              <a:t> </a:t>
-            </a:r>
-            <a:r>
-              <a:rPr lang="en-US" sz="1400" dirty="0" err="1">
-                <a:solidFill>
-                  <a:srgbClr val="000000"/>
-                </a:solidFill>
-                <a:latin typeface="Consolas"/>
-              </a:rPr>
-              <a:t>kendo.mobile.Application</a:t>
-            </a:r>
-            <a:r>
-              <a:rPr lang="en-US" sz="1400" dirty="0">
-                <a:solidFill>
-                  <a:srgbClr val="000000"/>
-                </a:solidFill>
-                <a:latin typeface="Consolas"/>
-              </a:rPr>
-              <a:t>(</a:t>
-            </a:r>
-            <a:r>
-              <a:rPr lang="en-US" sz="1400" dirty="0" err="1">
-                <a:solidFill>
-                  <a:srgbClr val="000000"/>
-                </a:solidFill>
-                <a:latin typeface="Consolas"/>
-              </a:rPr>
-              <a:t>document.body</a:t>
-            </a:r>
-            <a:r>
-              <a:rPr lang="en-US" sz="1400" dirty="0" smtClean="0">
-                <a:solidFill>
-                  <a:srgbClr val="000000"/>
-                </a:solidFill>
-                <a:latin typeface="Consolas"/>
-              </a:rPr>
               <a:t>);</a:t>
             </a:r>
           </a:p>
           <a:p>
-            <a:pPr marL="0" marR="0">
+            <a:pPr>
               <a:lnSpc>
                 <a:spcPct val="107000"/>
               </a:lnSpc>
-              <a:spcBef>
-                <a:spcPts val="0"/>
-              </a:spcBef>
-              <a:spcAft>
-                <a:spcPts val="0"/>
-              </a:spcAft>
             </a:pPr>
             <a:r>
-              <a:rPr lang="en-US" sz="1400" dirty="0" smtClean="0">
+              <a:rPr lang="en-US" sz="1400" dirty="0">
                 <a:solidFill>
                   <a:srgbClr val="0000FF"/>
                 </a:solidFill>
@@ -26049,7 +26058,6 @@
               <a:t>&gt;</a:t>
             </a:r>
             <a:endParaRPr lang="en-US" sz="1400" kern="100" dirty="0">
-              <a:effectLst/>
               <a:latin typeface="Calibri"/>
               <a:ea typeface="Calibri"/>
               <a:cs typeface="Times New Roman"/>
@@ -26065,7 +26073,7 @@
         </p:nvSpPr>
         <p:spPr bwMode="auto">
           <a:xfrm>
-            <a:off x="2133601" y="3006751"/>
+            <a:off x="3657601" y="3006751"/>
             <a:ext cx="1905000" cy="242690"/>
           </a:xfrm>
           <a:prstGeom prst="roundRect">
@@ -26113,7 +26121,7 @@
         </p:nvSpPr>
         <p:spPr bwMode="auto">
           <a:xfrm>
-            <a:off x="2142654" y="3235351"/>
+            <a:off x="3666654" y="3235351"/>
             <a:ext cx="2200746" cy="242690"/>
           </a:xfrm>
           <a:prstGeom prst="roundRect">
@@ -26161,7 +26169,7 @@
         </p:nvSpPr>
         <p:spPr bwMode="auto">
           <a:xfrm>
-            <a:off x="2156235" y="3464462"/>
+            <a:off x="3680235" y="3464462"/>
             <a:ext cx="1882366" cy="242690"/>
           </a:xfrm>
           <a:prstGeom prst="roundRect">
@@ -26778,7 +26786,7 @@
         </p:blipFill>
         <p:spPr bwMode="auto">
           <a:xfrm>
-            <a:off x="3083601" y="2151088"/>
+            <a:off x="4607601" y="2151088"/>
             <a:ext cx="3093216" cy="2659738"/>
           </a:xfrm>
           <a:prstGeom prst="rect">
@@ -26866,7 +26874,7 @@
         </p:nvSpPr>
         <p:spPr bwMode="auto">
           <a:xfrm>
-            <a:off x="457200" y="1371600"/>
+            <a:off x="1981200" y="1371600"/>
             <a:ext cx="8382000" cy="4953000"/>
           </a:xfrm>
           <a:prstGeom prst="rect">
@@ -27027,19 +27035,19 @@
           </a:lstStyle>
           <a:p>
             <a:r>
-              <a:rPr lang="en-US" sz="2400" kern="0" dirty="0" smtClean="0"/>
+              <a:rPr lang="en-US" sz="2400" kern="0" dirty="0"/>
               <a:t>Automatic platform specific styling of form elements</a:t>
             </a:r>
           </a:p>
           <a:p>
             <a:r>
-              <a:rPr lang="en-US" sz="2400" kern="0" dirty="0" smtClean="0"/>
+              <a:rPr lang="en-US" sz="2400" kern="0" dirty="0"/>
               <a:t>Uses new HTML5 input types</a:t>
             </a:r>
           </a:p>
           <a:p>
             <a:r>
-              <a:rPr lang="en-US" sz="2400" kern="0" dirty="0" smtClean="0"/>
+              <a:rPr lang="en-US" sz="2400" kern="0" dirty="0"/>
               <a:t>Supported inputs</a:t>
             </a:r>
           </a:p>
@@ -27048,11 +27056,11 @@
               <a:buNone/>
             </a:pPr>
             <a:r>
-              <a:rPr lang="en-US" kern="0" dirty="0" smtClean="0"/>
+              <a:rPr lang="en-US" kern="0" dirty="0"/>
               <a:t>-  </a:t>
             </a:r>
             <a:r>
-              <a:rPr lang="en-US" sz="2000" kern="0" dirty="0" smtClean="0"/>
+              <a:rPr lang="en-US" sz="2000" kern="0" dirty="0"/>
               <a:t>text</a:t>
             </a:r>
           </a:p>
@@ -27062,7 +27070,7 @@
               <a:buChar char="-"/>
             </a:pPr>
             <a:r>
-              <a:rPr lang="en-US" sz="2000" kern="0" dirty="0" smtClean="0"/>
+              <a:rPr lang="en-US" sz="2000" kern="0" dirty="0"/>
               <a:t>password</a:t>
             </a:r>
           </a:p>
@@ -27072,7 +27080,7 @@
               <a:buChar char="-"/>
             </a:pPr>
             <a:r>
-              <a:rPr lang="en-US" sz="2000" kern="0" dirty="0" smtClean="0"/>
+              <a:rPr lang="en-US" sz="2000" kern="0" dirty="0"/>
               <a:t>search</a:t>
             </a:r>
           </a:p>
@@ -27082,7 +27090,7 @@
               <a:buChar char="-"/>
             </a:pPr>
             <a:r>
-              <a:rPr lang="en-US" sz="2000" kern="0" dirty="0" smtClean="0"/>
+              <a:rPr lang="en-US" sz="2000" kern="0" dirty="0"/>
               <a:t>url</a:t>
             </a:r>
           </a:p>
@@ -27092,7 +27100,7 @@
               <a:buChar char="-"/>
             </a:pPr>
             <a:r>
-              <a:rPr lang="en-US" sz="2000" kern="0" dirty="0" smtClean="0"/>
+              <a:rPr lang="en-US" sz="2000" kern="0" dirty="0"/>
               <a:t>email</a:t>
             </a:r>
           </a:p>
@@ -27102,7 +27110,7 @@
               <a:buChar char="-"/>
             </a:pPr>
             <a:r>
-              <a:rPr lang="en-US" sz="2000" kern="0" dirty="0" smtClean="0"/>
+              <a:rPr lang="en-US" sz="2000" kern="0" dirty="0"/>
               <a:t>number</a:t>
             </a:r>
           </a:p>
@@ -27116,7 +27124,7 @@
         </p:nvSpPr>
         <p:spPr>
           <a:xfrm>
-            <a:off x="2957600" y="2722989"/>
+            <a:off x="4481600" y="2722989"/>
             <a:ext cx="4572000" cy="1631216"/>
           </a:xfrm>
           <a:prstGeom prst="rect">
@@ -27134,10 +27142,10 @@
               <a:buChar char="-"/>
             </a:pPr>
             <a:r>
-              <a:rPr lang="en-US" sz="2000" kern="0" dirty="0" err="1" smtClean="0"/>
+              <a:rPr lang="en-US" sz="2000" kern="0" dirty="0" err="1"/>
               <a:t>tel</a:t>
             </a:r>
-            <a:endParaRPr lang="en-US" sz="2000" kern="0" dirty="0" smtClean="0"/>
+            <a:endParaRPr lang="en-US" sz="2000" kern="0" dirty="0"/>
           </a:p>
           <a:p>
             <a:pPr marL="742950" lvl="1" indent="-285750">
@@ -27145,7 +27153,7 @@
               <a:buChar char="-"/>
             </a:pPr>
             <a:r>
-              <a:rPr lang="en-US" sz="2000" kern="0" dirty="0" smtClean="0"/>
+              <a:rPr lang="en-US" sz="2000" kern="0" dirty="0"/>
               <a:t>file</a:t>
             </a:r>
           </a:p>
@@ -27155,7 +27163,7 @@
               <a:buChar char="-"/>
             </a:pPr>
             <a:r>
-              <a:rPr lang="en-US" sz="2000" kern="0" dirty="0" smtClean="0"/>
+              <a:rPr lang="en-US" sz="2000" kern="0" dirty="0"/>
               <a:t>date</a:t>
             </a:r>
           </a:p>
@@ -27165,7 +27173,7 @@
               <a:buChar char="-"/>
             </a:pPr>
             <a:r>
-              <a:rPr lang="en-US" sz="2000" kern="0" dirty="0" smtClean="0"/>
+              <a:rPr lang="en-US" sz="2000" kern="0" dirty="0"/>
               <a:t>time</a:t>
             </a:r>
           </a:p>
@@ -27175,7 +27183,7 @@
               <a:buChar char="-"/>
             </a:pPr>
             <a:r>
-              <a:rPr lang="en-US" sz="2000" kern="0" dirty="0" smtClean="0"/>
+              <a:rPr lang="en-US" sz="2000" kern="0" dirty="0"/>
               <a:t>month</a:t>
             </a:r>
           </a:p>
@@ -28525,52 +28533,26 @@
           <a:p>
             <a:r>
               <a:rPr lang="en-US" sz="2400" dirty="0"/>
-              <a:t>Microsoft MVP: </a:t>
-            </a:r>
-            <a:r>
-              <a:rPr lang="en-US" sz="2400" dirty="0" smtClean="0"/>
-              <a:t>ASP.NET/IIS</a:t>
-            </a:r>
-            <a:endParaRPr lang="en-US" sz="2400" dirty="0"/>
+              <a:t>Microsoft MVP: ASP.NET/IIS</a:t>
+            </a:r>
           </a:p>
           <a:p>
             <a:r>
               <a:rPr lang="en-US" sz="2400" dirty="0"/>
-              <a:t>Senior Software Engineer </a:t>
-            </a:r>
-            <a:r>
-              <a:rPr lang="en-US" sz="2400" dirty="0" smtClean="0"/>
-              <a:t>at </a:t>
-            </a:r>
+              <a:t>Senior Software Engineer at Skyline Technologies</a:t>
+            </a:r>
+          </a:p>
+          <a:p>
             <a:r>
               <a:rPr lang="en-US" sz="2400" dirty="0"/>
-              <a:t>Skyline Technologies</a:t>
+              <a:t>Been developing software for ~13 years</a:t>
             </a:r>
           </a:p>
           <a:p>
             <a:r>
               <a:rPr lang="en-US" sz="2400" dirty="0"/>
-              <a:t>Been developing software for </a:t>
-            </a:r>
-            <a:r>
-              <a:rPr lang="en-US" sz="2400" dirty="0" smtClean="0"/>
-              <a:t>~13 </a:t>
-            </a:r>
-            <a:r>
-              <a:rPr lang="en-US" sz="2400" dirty="0"/>
-              <a:t>years</a:t>
-            </a:r>
-          </a:p>
-          <a:p>
-            <a:r>
-              <a:rPr lang="en-US" sz="2400" dirty="0"/>
-              <a:t>Primary focus on the Microsoft Web </a:t>
-            </a:r>
-            <a:r>
-              <a:rPr lang="en-US" sz="2400" dirty="0" smtClean="0"/>
-              <a:t>stack</a:t>
-            </a:r>
-            <a:endParaRPr lang="en-US" sz="2400" dirty="0"/>
+              <a:t>Primary focus on the Microsoft Web stack</a:t>
+            </a:r>
           </a:p>
           <a:p>
             <a:r>
@@ -28581,13 +28563,8 @@
           <a:p>
             <a:r>
               <a:rPr lang="en-US" sz="2400" dirty="0"/>
-              <a:t>Author (MSDN, Pluralsight</a:t>
-            </a:r>
-            <a:r>
-              <a:rPr lang="en-US" sz="2400" dirty="0" smtClean="0"/>
-              <a:t>)</a:t>
-            </a:r>
-            <a:endParaRPr lang="en-US" sz="2400" dirty="0"/>
+              <a:t>Author (MSDN, Pluralsight)</a:t>
+            </a:r>
           </a:p>
           <a:p>
             <a:endParaRPr lang="en-US" sz="2000" dirty="0"/>
@@ -28677,7 +28654,7 @@
         </p:blipFill>
         <p:spPr bwMode="auto">
           <a:xfrm>
-            <a:off x="3083601" y="2151088"/>
+            <a:off x="4607601" y="2151088"/>
             <a:ext cx="3093216" cy="2659738"/>
           </a:xfrm>
           <a:prstGeom prst="rect">
@@ -28765,7 +28742,7 @@
         </p:nvSpPr>
         <p:spPr bwMode="auto">
           <a:xfrm>
-            <a:off x="457200" y="1371600"/>
+            <a:off x="1981200" y="1371600"/>
             <a:ext cx="8686800" cy="4495800"/>
           </a:xfrm>
           <a:prstGeom prst="rect">
@@ -28926,18 +28903,18 @@
           </a:lstStyle>
           <a:p>
             <a:r>
-              <a:rPr lang="en-US" sz="2400" kern="0" dirty="0" smtClean="0"/>
+              <a:rPr lang="en-US" sz="2400" kern="0" dirty="0"/>
               <a:t>Represents a screen</a:t>
             </a:r>
           </a:p>
           <a:p>
             <a:r>
-              <a:rPr lang="en-US" sz="2400" kern="0" dirty="0" smtClean="0"/>
+              <a:rPr lang="en-US" sz="2400" kern="0" dirty="0"/>
               <a:t>HTML element attributed with data role of view</a:t>
             </a:r>
           </a:p>
           <a:p>
-            <a:endParaRPr lang="en-US" sz="2400" kern="0" dirty="0" smtClean="0">
+            <a:endParaRPr lang="en-US" sz="2400" kern="0" dirty="0">
               <a:solidFill>
                 <a:srgbClr val="0000FF"/>
               </a:solidFill>
@@ -28947,7 +28924,7 @@
             </a:endParaRPr>
           </a:p>
           <a:p>
-            <a:endParaRPr lang="en-US" sz="2400" kern="0" dirty="0" smtClean="0">
+            <a:endParaRPr lang="en-US" sz="2400" kern="0" dirty="0">
               <a:solidFill>
                 <a:srgbClr val="0000FF"/>
               </a:solidFill>
@@ -28957,7 +28934,7 @@
             </a:endParaRPr>
           </a:p>
           <a:p>
-            <a:endParaRPr lang="en-US" sz="2400" kern="0" dirty="0" smtClean="0">
+            <a:endParaRPr lang="en-US" sz="2400" kern="0" dirty="0">
               <a:solidFill>
                 <a:srgbClr val="0000FF"/>
               </a:solidFill>
@@ -28968,10 +28945,9 @@
           </a:p>
           <a:p>
             <a:pPr marL="0" indent="0">
-              <a:buFontTx/>
               <a:buNone/>
             </a:pPr>
-            <a:endParaRPr lang="en-US" sz="2400" kern="0" dirty="0" smtClean="0">
+            <a:endParaRPr lang="en-US" sz="2400" kern="0" dirty="0">
               <a:solidFill>
                 <a:srgbClr val="0000FF"/>
               </a:solidFill>
@@ -28982,10 +28958,9 @@
           </a:p>
           <a:p>
             <a:pPr marL="0" indent="0">
-              <a:buFontTx/>
               <a:buNone/>
             </a:pPr>
-            <a:endParaRPr lang="en-US" sz="2400" kern="0" dirty="0" smtClean="0">
+            <a:endParaRPr lang="en-US" sz="2400" kern="0" dirty="0">
               <a:solidFill>
                 <a:srgbClr val="0000FF"/>
               </a:solidFill>
@@ -28996,10 +28971,9 @@
           </a:p>
           <a:p>
             <a:pPr marL="0" indent="0">
-              <a:buFontTx/>
               <a:buNone/>
             </a:pPr>
-            <a:endParaRPr lang="en-US" sz="2400" kern="0" dirty="0" smtClean="0">
+            <a:endParaRPr lang="en-US" sz="2400" kern="0" dirty="0">
               <a:solidFill>
                 <a:srgbClr val="0000FF"/>
               </a:solidFill>
@@ -29010,10 +28984,9 @@
           </a:p>
           <a:p>
             <a:pPr marL="0" indent="0">
-              <a:buFontTx/>
               <a:buNone/>
             </a:pPr>
-            <a:endParaRPr lang="en-US" sz="2400" kern="0" dirty="0" smtClean="0"/>
+            <a:endParaRPr lang="en-US" sz="2400" kern="0" dirty="0"/>
           </a:p>
         </p:txBody>
       </p:sp>
@@ -29027,7 +29000,7 @@
         </p:nvSpPr>
         <p:spPr bwMode="auto">
           <a:xfrm>
-            <a:off x="1170432" y="2286000"/>
+            <a:off x="2694432" y="2286001"/>
             <a:ext cx="6145356" cy="914399"/>
           </a:xfrm>
           <a:prstGeom prst="rect">
@@ -29056,16 +29029,10 @@
           <a:bodyPr wrap="none" anchor="ctr"/>
           <a:lstStyle/>
           <a:p>
-            <a:pPr marL="0" marR="0">
+            <a:pPr>
               <a:lnSpc>
                 <a:spcPct val="107000"/>
               </a:lnSpc>
-              <a:spcBef>
-                <a:spcPts val="0"/>
-              </a:spcBef>
-              <a:spcAft>
-                <a:spcPts val="0"/>
-              </a:spcAft>
               <a:tabLst>
                 <a:tab pos="581660" algn="l"/>
                 <a:tab pos="1163320" algn="l"/>
@@ -29119,7 +29086,7 @@
               <a:t> </a:t>
             </a:r>
             <a:r>
-              <a:rPr lang="en-US" sz="1400" kern="0" dirty="0" smtClean="0">
+              <a:rPr lang="en-US" sz="1400" kern="0" dirty="0">
                 <a:solidFill>
                   <a:srgbClr val="FF0000"/>
                 </a:solidFill>
@@ -29147,16 +29114,10 @@
             </a:endParaRPr>
           </a:p>
           <a:p>
-            <a:pPr marL="0" marR="0">
+            <a:pPr>
               <a:lnSpc>
                 <a:spcPct val="107000"/>
               </a:lnSpc>
-              <a:spcBef>
-                <a:spcPts val="0"/>
-              </a:spcBef>
-              <a:spcAft>
-                <a:spcPts val="0"/>
-              </a:spcAft>
               <a:tabLst>
                 <a:tab pos="581660" algn="l"/>
                 <a:tab pos="1163320" algn="l"/>
@@ -29196,29 +29157,7 @@
                 <a:ea typeface="Times New Roman" panose="02020603050405020304" pitchFamily="18" charset="0"/>
                 <a:cs typeface="Times New Roman" panose="02020603050405020304" pitchFamily="18" charset="0"/>
               </a:rPr>
-              <a:t>&lt;!-- </a:t>
-            </a:r>
-            <a:r>
-              <a:rPr lang="en-US" sz="1400" kern="0" dirty="0" smtClean="0">
-                <a:solidFill>
-                  <a:srgbClr val="006400"/>
-                </a:solidFill>
-                <a:latin typeface="Consolas" panose="020B0609020204030204" pitchFamily="49" charset="0"/>
-                <a:ea typeface="Times New Roman" panose="02020603050405020304" pitchFamily="18" charset="0"/>
-                <a:cs typeface="Times New Roman" panose="02020603050405020304" pitchFamily="18" charset="0"/>
-              </a:rPr>
-              <a:t>content</a:t>
-            </a:r>
-            <a:r>
-              <a:rPr lang="en-US" sz="1400" kern="0" dirty="0">
-                <a:solidFill>
-                  <a:srgbClr val="006400"/>
-                </a:solidFill>
-                <a:latin typeface="Consolas" panose="020B0609020204030204" pitchFamily="49" charset="0"/>
-                <a:ea typeface="Times New Roman" panose="02020603050405020304" pitchFamily="18" charset="0"/>
-                <a:cs typeface="Times New Roman" panose="02020603050405020304" pitchFamily="18" charset="0"/>
-              </a:rPr>
-              <a:t> --&gt;</a:t>
+              <a:t>&lt;!-- content --&gt;</a:t>
             </a:r>
             <a:endParaRPr lang="en-US" sz="1400" kern="100" dirty="0">
               <a:latin typeface="Calibri" panose="020F0502020204030204" pitchFamily="34" charset="0"/>
@@ -29611,7 +29550,7 @@
         </p:nvSpPr>
         <p:spPr bwMode="auto">
           <a:xfrm>
-            <a:off x="457200" y="1371600"/>
+            <a:off x="1981200" y="1371600"/>
             <a:ext cx="8305800" cy="4495800"/>
           </a:xfrm>
           <a:prstGeom prst="rect">
@@ -29772,10 +29711,10 @@
           </a:lstStyle>
           <a:p>
             <a:r>
-              <a:rPr lang="en-US" sz="2400" kern="0" dirty="0" smtClean="0"/>
+              <a:rPr lang="en-US" sz="2400" kern="0" dirty="0"/>
               <a:t>Load view remotely via AJAX</a:t>
             </a:r>
-            <a:endParaRPr lang="en-US" sz="2400" kern="0" dirty="0" smtClean="0">
+            <a:endParaRPr lang="en-US" sz="2400" kern="0" dirty="0">
               <a:solidFill>
                 <a:srgbClr val="0000FF"/>
               </a:solidFill>
@@ -29788,7 +29727,7 @@
             <a:pPr marL="0" indent="0">
               <a:buNone/>
             </a:pPr>
-            <a:endParaRPr lang="en-US" sz="2400" kern="0" dirty="0" smtClean="0">
+            <a:endParaRPr lang="en-US" sz="2400" kern="0" dirty="0">
               <a:solidFill>
                 <a:srgbClr val="0000FF"/>
               </a:solidFill>
@@ -29801,7 +29740,7 @@
             <a:pPr marL="0" indent="0">
               <a:buNone/>
             </a:pPr>
-            <a:endParaRPr lang="en-US" sz="2400" kern="0" dirty="0" smtClean="0">
+            <a:endParaRPr lang="en-US" sz="2400" kern="0" dirty="0">
               <a:solidFill>
                 <a:srgbClr val="0000FF"/>
               </a:solidFill>
@@ -29812,10 +29751,10 @@
           </a:p>
           <a:p>
             <a:r>
-              <a:rPr lang="en-US" sz="2400" kern="0" dirty="0" smtClean="0"/>
+              <a:rPr lang="en-US" sz="2400" kern="0" dirty="0"/>
               <a:t>Only content within the first View element is rendered</a:t>
             </a:r>
-            <a:endParaRPr lang="en-US" sz="2400" kern="0" dirty="0" smtClean="0">
+            <a:endParaRPr lang="en-US" sz="2400" kern="0" dirty="0">
               <a:solidFill>
                 <a:srgbClr val="0000FF"/>
               </a:solidFill>
@@ -29826,10 +29765,9 @@
           </a:p>
           <a:p>
             <a:pPr marL="0" indent="0">
-              <a:buFontTx/>
               <a:buNone/>
             </a:pPr>
-            <a:endParaRPr lang="en-US" sz="2400" kern="0" dirty="0" smtClean="0">
+            <a:endParaRPr lang="en-US" sz="2400" kern="0" dirty="0">
               <a:solidFill>
                 <a:srgbClr val="0000FF"/>
               </a:solidFill>
@@ -29840,10 +29778,9 @@
           </a:p>
           <a:p>
             <a:pPr marL="0" indent="0">
-              <a:buFontTx/>
               <a:buNone/>
             </a:pPr>
-            <a:endParaRPr lang="en-US" sz="2400" kern="0" dirty="0" smtClean="0">
+            <a:endParaRPr lang="en-US" sz="2400" kern="0" dirty="0">
               <a:solidFill>
                 <a:srgbClr val="0000FF"/>
               </a:solidFill>
@@ -29854,10 +29791,9 @@
           </a:p>
           <a:p>
             <a:pPr marL="0" indent="0">
-              <a:buFontTx/>
               <a:buNone/>
             </a:pPr>
-            <a:endParaRPr lang="en-US" sz="2400" kern="0" dirty="0" smtClean="0"/>
+            <a:endParaRPr lang="en-US" sz="2400" kern="0" dirty="0"/>
           </a:p>
         </p:txBody>
       </p:sp>
@@ -29871,7 +29807,7 @@
         </p:nvSpPr>
         <p:spPr bwMode="auto">
           <a:xfrm>
-            <a:off x="1093644" y="1825244"/>
+            <a:off x="2617644" y="1825244"/>
             <a:ext cx="6526356" cy="694656"/>
           </a:xfrm>
           <a:prstGeom prst="rect">
@@ -29900,16 +29836,10 @@
           <a:bodyPr wrap="none" anchor="ctr"/>
           <a:lstStyle/>
           <a:p>
-            <a:pPr marL="0" marR="0">
+            <a:pPr>
               <a:lnSpc>
                 <a:spcPct val="107000"/>
               </a:lnSpc>
-              <a:spcBef>
-                <a:spcPts val="0"/>
-              </a:spcBef>
-              <a:spcAft>
-                <a:spcPts val="0"/>
-              </a:spcAft>
               <a:tabLst>
                 <a:tab pos="581660" algn="l"/>
                 <a:tab pos="1163320" algn="l"/>
@@ -29977,40 +29907,24 @@
                 <a:latin typeface="Consolas" pitchFamily="49" charset="0"/>
                 <a:cs typeface="Consolas" pitchFamily="49" charset="0"/>
               </a:rPr>
-              <a:t>"view</a:t>
-            </a:r>
-            <a:r>
-              <a:rPr lang="en-US" sz="1400" dirty="0" smtClean="0">
-                <a:solidFill>
-                  <a:srgbClr val="E25000"/>
+              <a:t>"view"</a:t>
+            </a:r>
+            <a:r>
+              <a:rPr lang="en-US" sz="1400" dirty="0">
+                <a:solidFill>
+                  <a:srgbClr val="0066CC"/>
                 </a:solidFill>
                 <a:latin typeface="Consolas" pitchFamily="49" charset="0"/>
                 <a:cs typeface="Consolas" pitchFamily="49" charset="0"/>
               </a:rPr>
-              <a:t>"</a:t>
-            </a:r>
-            <a:r>
-              <a:rPr lang="en-US" sz="1400" dirty="0" smtClean="0">
-                <a:solidFill>
-                  <a:srgbClr val="0066CC"/>
-                </a:solidFill>
-                <a:latin typeface="Consolas" pitchFamily="49" charset="0"/>
-                <a:cs typeface="Consolas" pitchFamily="49" charset="0"/>
-              </a:rPr>
               <a:t>&gt;</a:t>
             </a:r>
           </a:p>
           <a:p>
-            <a:pPr marL="0" marR="0">
+            <a:pPr>
               <a:lnSpc>
                 <a:spcPct val="107000"/>
               </a:lnSpc>
-              <a:spcBef>
-                <a:spcPts val="0"/>
-              </a:spcBef>
-              <a:spcAft>
-                <a:spcPts val="0"/>
-              </a:spcAft>
               <a:tabLst>
                 <a:tab pos="581660" algn="l"/>
                 <a:tab pos="1163320" algn="l"/>
@@ -30038,190 +29952,124 @@
                 <a:latin typeface="Consolas" pitchFamily="49" charset="0"/>
                 <a:cs typeface="Consolas" pitchFamily="49" charset="0"/>
               </a:rPr>
-              <a:t> </a:t>
-            </a:r>
-            <a:r>
-              <a:rPr lang="en-US" sz="1400" dirty="0" smtClean="0">
-                <a:solidFill>
-                  <a:srgbClr val="0066CC"/>
+              <a:t>    &lt;a</a:t>
+            </a:r>
+            <a:r>
+              <a:rPr lang="en-US" sz="1400" dirty="0">
+                <a:solidFill>
+                  <a:srgbClr val="42545A"/>
                 </a:solidFill>
                 <a:latin typeface="Consolas" pitchFamily="49" charset="0"/>
                 <a:cs typeface="Consolas" pitchFamily="49" charset="0"/>
               </a:rPr>
-              <a:t>   &lt;</a:t>
-            </a:r>
-            <a:r>
-              <a:rPr lang="en-US" sz="1400" dirty="0">
-                <a:solidFill>
-                  <a:srgbClr val="0066CC"/>
+              <a:t> </a:t>
+            </a:r>
+            <a:r>
+              <a:rPr lang="en-US" sz="1400" dirty="0" err="1">
+                <a:solidFill>
+                  <a:srgbClr val="6666FF"/>
                 </a:solidFill>
                 <a:latin typeface="Consolas" pitchFamily="49" charset="0"/>
                 <a:cs typeface="Consolas" pitchFamily="49" charset="0"/>
               </a:rPr>
-              <a:t>a</a:t>
+              <a:t>href</a:t>
             </a:r>
             <a:r>
               <a:rPr lang="en-US" sz="1400" dirty="0">
                 <a:solidFill>
-                  <a:srgbClr val="42545A"/>
+                  <a:srgbClr val="333333"/>
                 </a:solidFill>
                 <a:latin typeface="Consolas" pitchFamily="49" charset="0"/>
                 <a:cs typeface="Consolas" pitchFamily="49" charset="0"/>
               </a:rPr>
-              <a:t> </a:t>
-            </a:r>
-            <a:r>
-              <a:rPr lang="en-US" sz="1400" dirty="0" err="1">
-                <a:solidFill>
-                  <a:srgbClr val="6666FF"/>
+              <a:t>=</a:t>
+            </a:r>
+            <a:r>
+              <a:rPr lang="en-US" sz="1400" dirty="0">
+                <a:solidFill>
+                  <a:srgbClr val="E25000"/>
                 </a:solidFill>
                 <a:latin typeface="Consolas" pitchFamily="49" charset="0"/>
                 <a:cs typeface="Consolas" pitchFamily="49" charset="0"/>
               </a:rPr>
-              <a:t>href</a:t>
-            </a:r>
-            <a:r>
-              <a:rPr lang="en-US" sz="1400" dirty="0" smtClean="0">
-                <a:solidFill>
-                  <a:srgbClr val="333333"/>
+              <a:t>"remoteView.html"</a:t>
+            </a:r>
+            <a:r>
+              <a:rPr lang="en-US" sz="1400" dirty="0">
+                <a:solidFill>
+                  <a:srgbClr val="42545A"/>
                 </a:solidFill>
                 <a:latin typeface="Consolas" pitchFamily="49" charset="0"/>
                 <a:cs typeface="Consolas" pitchFamily="49" charset="0"/>
               </a:rPr>
-              <a:t>=</a:t>
-            </a:r>
-            <a:r>
-              <a:rPr lang="en-US" sz="1400" dirty="0" smtClean="0">
-                <a:solidFill>
-                  <a:srgbClr val="E25000"/>
+              <a:t> </a:t>
+            </a:r>
+            <a:r>
+              <a:rPr lang="en-US" sz="1400" dirty="0">
+                <a:solidFill>
+                  <a:srgbClr val="6666FF"/>
                 </a:solidFill>
                 <a:latin typeface="Consolas" pitchFamily="49" charset="0"/>
                 <a:cs typeface="Consolas" pitchFamily="49" charset="0"/>
               </a:rPr>
-              <a:t>"remoteView.html</a:t>
+              <a:t>data-role</a:t>
             </a:r>
             <a:r>
               <a:rPr lang="en-US" sz="1400" dirty="0">
                 <a:solidFill>
-                  <a:srgbClr val="E25000"/>
+                  <a:srgbClr val="333333"/>
                 </a:solidFill>
                 <a:latin typeface="Consolas" pitchFamily="49" charset="0"/>
                 <a:cs typeface="Consolas" pitchFamily="49" charset="0"/>
               </a:rPr>
-              <a:t>"</a:t>
+              <a:t>=</a:t>
             </a:r>
             <a:r>
               <a:rPr lang="en-US" sz="1400" dirty="0">
                 <a:solidFill>
-                  <a:srgbClr val="42545A"/>
+                  <a:srgbClr val="E25000"/>
                 </a:solidFill>
                 <a:latin typeface="Consolas" pitchFamily="49" charset="0"/>
                 <a:cs typeface="Consolas" pitchFamily="49" charset="0"/>
               </a:rPr>
-              <a:t> </a:t>
+              <a:t>"button"</a:t>
             </a:r>
             <a:r>
               <a:rPr lang="en-US" sz="1400" dirty="0">
                 <a:solidFill>
-                  <a:srgbClr val="6666FF"/>
+                  <a:srgbClr val="0066CC"/>
                 </a:solidFill>
                 <a:latin typeface="Consolas" pitchFamily="49" charset="0"/>
                 <a:cs typeface="Consolas" pitchFamily="49" charset="0"/>
               </a:rPr>
-              <a:t>data-role</a:t>
+              <a:t>&gt;</a:t>
             </a:r>
             <a:r>
               <a:rPr lang="en-US" sz="1400" dirty="0">
                 <a:solidFill>
-                  <a:srgbClr val="333333"/>
+                  <a:srgbClr val="42545A"/>
                 </a:solidFill>
                 <a:latin typeface="Consolas" pitchFamily="49" charset="0"/>
                 <a:cs typeface="Consolas" pitchFamily="49" charset="0"/>
               </a:rPr>
-              <a:t>=</a:t>
+              <a:t>Remote View</a:t>
             </a:r>
             <a:r>
               <a:rPr lang="en-US" sz="1400" dirty="0">
                 <a:solidFill>
-                  <a:srgbClr val="E25000"/>
+                  <a:srgbClr val="0066CC"/>
                 </a:solidFill>
                 <a:latin typeface="Consolas" pitchFamily="49" charset="0"/>
                 <a:cs typeface="Consolas" pitchFamily="49" charset="0"/>
               </a:rPr>
-              <a:t>"button</a:t>
-            </a:r>
-            <a:r>
-              <a:rPr lang="en-US" sz="1400" dirty="0" smtClean="0">
-                <a:solidFill>
-                  <a:srgbClr val="E25000"/>
-                </a:solidFill>
-                <a:latin typeface="Consolas" pitchFamily="49" charset="0"/>
-                <a:cs typeface="Consolas" pitchFamily="49" charset="0"/>
-              </a:rPr>
-              <a:t>"</a:t>
-            </a:r>
-            <a:r>
-              <a:rPr lang="en-US" sz="1400" dirty="0" smtClean="0">
-                <a:solidFill>
-                  <a:srgbClr val="0066CC"/>
-                </a:solidFill>
-                <a:latin typeface="Consolas" pitchFamily="49" charset="0"/>
-                <a:cs typeface="Consolas" pitchFamily="49" charset="0"/>
-              </a:rPr>
-              <a:t>&gt;</a:t>
-            </a:r>
-            <a:r>
-              <a:rPr lang="en-US" sz="1400" dirty="0" smtClean="0">
-                <a:solidFill>
-                  <a:srgbClr val="42545A"/>
-                </a:solidFill>
-                <a:latin typeface="Consolas" pitchFamily="49" charset="0"/>
-                <a:cs typeface="Consolas" pitchFamily="49" charset="0"/>
-              </a:rPr>
-              <a:t>Remote View</a:t>
-            </a:r>
-            <a:r>
-              <a:rPr lang="en-US" sz="1400" dirty="0" smtClean="0">
-                <a:solidFill>
-                  <a:srgbClr val="0066CC"/>
-                </a:solidFill>
-                <a:latin typeface="Consolas" pitchFamily="49" charset="0"/>
-                <a:cs typeface="Consolas" pitchFamily="49" charset="0"/>
-              </a:rPr>
-              <a:t>&lt;/</a:t>
-            </a:r>
-            <a:r>
-              <a:rPr lang="en-US" sz="1400" dirty="0">
-                <a:solidFill>
-                  <a:srgbClr val="0066CC"/>
-                </a:solidFill>
-                <a:latin typeface="Consolas" pitchFamily="49" charset="0"/>
-                <a:cs typeface="Consolas" pitchFamily="49" charset="0"/>
-              </a:rPr>
-              <a:t>a</a:t>
-            </a:r>
-            <a:r>
-              <a:rPr lang="en-US" sz="1400" dirty="0" smtClean="0">
-                <a:solidFill>
-                  <a:srgbClr val="0066CC"/>
-                </a:solidFill>
-                <a:latin typeface="Consolas" pitchFamily="49" charset="0"/>
-                <a:cs typeface="Consolas" pitchFamily="49" charset="0"/>
-              </a:rPr>
-              <a:t>&gt;</a:t>
-            </a:r>
-          </a:p>
-          <a:p>
-            <a:pPr marL="0" marR="0">
+              <a:t>&lt;/a&gt;</a:t>
+            </a:r>
+          </a:p>
+          <a:p>
+            <a:pPr>
               <a:lnSpc>
                 <a:spcPct val="107000"/>
               </a:lnSpc>
-              <a:spcBef>
-                <a:spcPts val="0"/>
-              </a:spcBef>
-              <a:spcAft>
-                <a:spcPts val="0"/>
-              </a:spcAft>
               <a:tabLst>
                 <a:tab pos="581660" algn="l"/>
                 <a:tab pos="1163320" algn="l"/>
@@ -30242,24 +30090,14 @@
               </a:tabLst>
             </a:pPr>
             <a:r>
-              <a:rPr lang="en-US" sz="1400" dirty="0" smtClean="0">
+              <a:rPr lang="en-US" sz="1400" dirty="0">
                 <a:solidFill>
                   <a:srgbClr val="0066CC"/>
                 </a:solidFill>
                 <a:latin typeface="Consolas" pitchFamily="49" charset="0"/>
                 <a:cs typeface="Consolas" pitchFamily="49" charset="0"/>
               </a:rPr>
-              <a:t>&lt;/</a:t>
-            </a:r>
-            <a:r>
-              <a:rPr lang="en-US" sz="1400" dirty="0">
-                <a:solidFill>
-                  <a:srgbClr val="0066CC"/>
-                </a:solidFill>
-                <a:latin typeface="Consolas" pitchFamily="49" charset="0"/>
-                <a:cs typeface="Consolas" pitchFamily="49" charset="0"/>
-              </a:rPr>
-              <a:t>div&gt;</a:t>
+              <a:t>&lt;/div&gt;</a:t>
             </a:r>
             <a:endParaRPr lang="en-US" sz="1400" kern="100" dirty="0">
               <a:latin typeface="Consolas" panose="020B0609020204030204" pitchFamily="49" charset="0"/>
@@ -30277,7 +30115,7 @@
         </p:nvSpPr>
         <p:spPr bwMode="auto">
           <a:xfrm>
-            <a:off x="1824698" y="2076033"/>
+            <a:off x="3348699" y="2076033"/>
             <a:ext cx="2254217" cy="184368"/>
           </a:xfrm>
           <a:prstGeom prst="roundRect">
@@ -30327,7 +30165,7 @@
         </p:nvSpPr>
         <p:spPr bwMode="auto">
           <a:xfrm>
-            <a:off x="1093644" y="3184403"/>
+            <a:off x="2617644" y="3184403"/>
             <a:ext cx="6526356" cy="2301998"/>
           </a:xfrm>
           <a:prstGeom prst="rect">
@@ -30356,16 +30194,10 @@
           <a:bodyPr wrap="none" anchor="ctr"/>
           <a:lstStyle/>
           <a:p>
-            <a:pPr marL="0" marR="0">
+            <a:pPr>
               <a:lnSpc>
                 <a:spcPct val="107000"/>
               </a:lnSpc>
-              <a:spcBef>
-                <a:spcPts val="0"/>
-              </a:spcBef>
-              <a:spcAft>
-                <a:spcPts val="0"/>
-              </a:spcAft>
               <a:tabLst>
                 <a:tab pos="581660" algn="l"/>
                 <a:tab pos="1163320" algn="l"/>
@@ -30392,29 +30224,14 @@
                 </a:solidFill>
                 <a:latin typeface="Consolas"/>
               </a:rPr>
-              <a:t>&lt;!-- remoteView.html </a:t>
-            </a:r>
-            <a:r>
-              <a:rPr lang="en-US" sz="1400" dirty="0" smtClean="0">
-                <a:solidFill>
-                  <a:srgbClr val="006400"/>
-                </a:solidFill>
-                <a:latin typeface="Consolas"/>
-              </a:rPr>
-              <a:t>--&gt;</a:t>
-            </a:r>
-          </a:p>
-          <a:p>
-            <a:pPr marL="0" marR="0">
+              <a:t>&lt;!-- remoteView.html --&gt;</a:t>
+            </a:r>
+          </a:p>
+          <a:p>
+            <a:pPr>
               <a:lnSpc>
                 <a:spcPct val="107000"/>
               </a:lnSpc>
-              <a:spcBef>
-                <a:spcPts val="0"/>
-              </a:spcBef>
-              <a:spcAft>
-                <a:spcPts val="0"/>
-              </a:spcAft>
               <a:tabLst>
                 <a:tab pos="581660" algn="l"/>
                 <a:tab pos="1163320" algn="l"/>
@@ -30435,7 +30252,7 @@
               </a:tabLst>
             </a:pPr>
             <a:r>
-              <a:rPr lang="en-US" sz="1400" dirty="0" smtClean="0">
+              <a:rPr lang="en-US" sz="1400" dirty="0">
                 <a:solidFill>
                   <a:srgbClr val="0000FF"/>
                 </a:solidFill>
@@ -30516,7 +30333,7 @@
               <a:t>="</a:t>
             </a:r>
             <a:r>
-              <a:rPr lang="en-US" sz="1400" dirty="0" err="1" smtClean="0">
+              <a:rPr lang="en-US" sz="1400" dirty="0" err="1">
                 <a:solidFill>
                   <a:srgbClr val="0000FF"/>
                 </a:solidFill>
@@ -30525,7 +30342,7 @@
               <a:t>initRemoteView</a:t>
             </a:r>
             <a:r>
-              <a:rPr lang="en-US" sz="1400" dirty="0" smtClean="0">
+              <a:rPr lang="en-US" sz="1400" dirty="0">
                 <a:solidFill>
                   <a:srgbClr val="0000FF"/>
                 </a:solidFill>
@@ -30542,24 +30359,12 @@
               </a:rPr>
               <a:t>  </a:t>
             </a:r>
-            <a:endParaRPr lang="en-US" sz="1400" dirty="0" smtClean="0">
-              <a:solidFill>
-                <a:srgbClr val="000000"/>
-              </a:solidFill>
-              <a:latin typeface="Consolas"/>
-            </a:endParaRPr>
-          </a:p>
-          <a:p>
-            <a:pPr marL="0" marR="0">
+          </a:p>
+          <a:p>
+            <a:pPr>
               <a:lnSpc>
                 <a:spcPct val="107000"/>
               </a:lnSpc>
-              <a:spcBef>
-                <a:spcPts val="0"/>
-              </a:spcBef>
-              <a:spcAft>
-                <a:spcPts val="0"/>
-              </a:spcAft>
               <a:tabLst>
                 <a:tab pos="581660" algn="l"/>
                 <a:tab pos="1163320" algn="l"/>
@@ -30586,29 +30391,119 @@
                 </a:solidFill>
                 <a:latin typeface="Consolas"/>
               </a:rPr>
-              <a:t> </a:t>
-            </a:r>
-            <a:r>
-              <a:rPr lang="en-US" sz="1400" dirty="0" smtClean="0">
+              <a:t>    </a:t>
+            </a:r>
+            <a:r>
+              <a:rPr lang="en-US" sz="1400" dirty="0">
+                <a:solidFill>
+                  <a:srgbClr val="0000FF"/>
+                </a:solidFill>
+                <a:latin typeface="Consolas"/>
+              </a:rPr>
+              <a:t>&lt;</a:t>
+            </a:r>
+            <a:r>
+              <a:rPr lang="en-US" sz="1400" dirty="0">
+                <a:solidFill>
+                  <a:srgbClr val="800000"/>
+                </a:solidFill>
+                <a:latin typeface="Consolas"/>
+              </a:rPr>
+              <a:t>a</a:t>
+            </a:r>
+            <a:r>
+              <a:rPr lang="en-US" sz="1400" dirty="0">
                 <a:solidFill>
                   <a:srgbClr val="000000"/>
                 </a:solidFill>
                 <a:latin typeface="Consolas"/>
               </a:rPr>
-              <a:t>   </a:t>
-            </a:r>
-            <a:r>
-              <a:rPr lang="en-US" sz="1400" dirty="0" smtClean="0">
+              <a:t> </a:t>
+            </a:r>
+            <a:r>
+              <a:rPr lang="en-US" sz="1400" dirty="0" err="1">
+                <a:solidFill>
+                  <a:srgbClr val="FF0000"/>
+                </a:solidFill>
+                <a:latin typeface="Consolas"/>
+              </a:rPr>
+              <a:t>href</a:t>
+            </a:r>
+            <a:r>
+              <a:rPr lang="en-US" sz="1400" dirty="0">
                 <a:solidFill>
                   <a:srgbClr val="0000FF"/>
                 </a:solidFill>
                 <a:latin typeface="Consolas"/>
               </a:rPr>
-              <a:t>&lt;</a:t>
+              <a:t>="#</a:t>
+            </a:r>
+            <a:r>
+              <a:rPr lang="en-US" sz="1400" dirty="0" err="1">
+                <a:solidFill>
+                  <a:srgbClr val="0000FF"/>
+                </a:solidFill>
+                <a:latin typeface="Consolas"/>
+              </a:rPr>
+              <a:t>someLocalView</a:t>
             </a:r>
             <a:r>
               <a:rPr lang="en-US" sz="1400" dirty="0">
                 <a:solidFill>
+                  <a:srgbClr val="0000FF"/>
+                </a:solidFill>
+                <a:latin typeface="Consolas"/>
+              </a:rPr>
+              <a:t>"</a:t>
+            </a:r>
+            <a:r>
+              <a:rPr lang="en-US" sz="1400" dirty="0">
+                <a:solidFill>
+                  <a:srgbClr val="000000"/>
+                </a:solidFill>
+                <a:latin typeface="Consolas"/>
+              </a:rPr>
+              <a:t> </a:t>
+            </a:r>
+            <a:r>
+              <a:rPr lang="en-US" sz="1400" dirty="0">
+                <a:solidFill>
+                  <a:srgbClr val="FF0000"/>
+                </a:solidFill>
+                <a:latin typeface="Consolas"/>
+              </a:rPr>
+              <a:t>id</a:t>
+            </a:r>
+            <a:r>
+              <a:rPr lang="en-US" sz="1400" dirty="0">
+                <a:solidFill>
+                  <a:srgbClr val="0000FF"/>
+                </a:solidFill>
+                <a:latin typeface="Consolas"/>
+              </a:rPr>
+              <a:t>="link"&gt;</a:t>
+            </a:r>
+            <a:r>
+              <a:rPr lang="en-US" sz="1400" dirty="0">
+                <a:solidFill>
+                  <a:srgbClr val="000000"/>
+                </a:solidFill>
+                <a:latin typeface="Consolas"/>
+              </a:rPr>
+              <a:t>Link</a:t>
+            </a:r>
+            <a:r>
+              <a:rPr lang="en-US" sz="1400" dirty="0">
+                <a:solidFill>
+                  <a:srgbClr val="0000FF"/>
+                </a:solidFill>
+                <a:latin typeface="Consolas"/>
+              </a:rPr>
+              <a:t>&lt;/</a:t>
+            </a:r>
+            <a:r>
+              <a:rPr lang="en-US" sz="1400" dirty="0">
+                <a:solidFill>
                   <a:srgbClr val="800000"/>
                 </a:solidFill>
                 <a:latin typeface="Consolas"/>
@@ -30618,123 +30513,18 @@
             <a:r>
               <a:rPr lang="en-US" sz="1400" dirty="0">
                 <a:solidFill>
-                  <a:srgbClr val="000000"/>
+                  <a:srgbClr val="0000FF"/>
                 </a:solidFill>
                 <a:latin typeface="Consolas"/>
               </a:rPr>
-              <a:t> </a:t>
-            </a:r>
-            <a:r>
-              <a:rPr lang="en-US" sz="1400" dirty="0" err="1">
-                <a:solidFill>
-                  <a:srgbClr val="FF0000"/>
-                </a:solidFill>
-                <a:latin typeface="Consolas"/>
-              </a:rPr>
-              <a:t>href</a:t>
-            </a:r>
-            <a:r>
-              <a:rPr lang="en-US" sz="1400" dirty="0">
-                <a:solidFill>
-                  <a:srgbClr val="0000FF"/>
-                </a:solidFill>
-                <a:latin typeface="Consolas"/>
-              </a:rPr>
-              <a:t>="#</a:t>
-            </a:r>
-            <a:r>
-              <a:rPr lang="en-US" sz="1400" dirty="0" err="1">
-                <a:solidFill>
-                  <a:srgbClr val="0000FF"/>
-                </a:solidFill>
-                <a:latin typeface="Consolas"/>
-              </a:rPr>
-              <a:t>someLocalView</a:t>
-            </a:r>
-            <a:r>
-              <a:rPr lang="en-US" sz="1400" dirty="0">
-                <a:solidFill>
-                  <a:srgbClr val="0000FF"/>
-                </a:solidFill>
-                <a:latin typeface="Consolas"/>
-              </a:rPr>
-              <a:t>"</a:t>
-            </a:r>
-            <a:r>
-              <a:rPr lang="en-US" sz="1400" dirty="0">
-                <a:solidFill>
-                  <a:srgbClr val="000000"/>
-                </a:solidFill>
-                <a:latin typeface="Consolas"/>
-              </a:rPr>
-              <a:t> </a:t>
-            </a:r>
-            <a:r>
-              <a:rPr lang="en-US" sz="1400" dirty="0">
-                <a:solidFill>
-                  <a:srgbClr val="FF0000"/>
-                </a:solidFill>
-                <a:latin typeface="Consolas"/>
-              </a:rPr>
-              <a:t>id</a:t>
-            </a:r>
-            <a:r>
-              <a:rPr lang="en-US" sz="1400" dirty="0">
-                <a:solidFill>
-                  <a:srgbClr val="0000FF"/>
-                </a:solidFill>
-                <a:latin typeface="Consolas"/>
-              </a:rPr>
-              <a:t>="link"&gt;</a:t>
-            </a:r>
-            <a:r>
-              <a:rPr lang="en-US" sz="1400" dirty="0">
-                <a:solidFill>
-                  <a:srgbClr val="000000"/>
-                </a:solidFill>
-                <a:latin typeface="Consolas"/>
-              </a:rPr>
-              <a:t>Link</a:t>
-            </a:r>
-            <a:r>
-              <a:rPr lang="en-US" sz="1400" dirty="0">
-                <a:solidFill>
-                  <a:srgbClr val="0000FF"/>
-                </a:solidFill>
-                <a:latin typeface="Consolas"/>
-              </a:rPr>
-              <a:t>&lt;/</a:t>
-            </a:r>
-            <a:r>
-              <a:rPr lang="en-US" sz="1400" dirty="0">
-                <a:solidFill>
-                  <a:srgbClr val="800000"/>
-                </a:solidFill>
-                <a:latin typeface="Consolas"/>
-              </a:rPr>
-              <a:t>a</a:t>
-            </a:r>
-            <a:r>
-              <a:rPr lang="en-US" sz="1400" dirty="0" smtClean="0">
-                <a:solidFill>
-                  <a:srgbClr val="0000FF"/>
-                </a:solidFill>
-                <a:latin typeface="Consolas"/>
-              </a:rPr>
               <a:t>&gt;</a:t>
             </a:r>
           </a:p>
           <a:p>
-            <a:pPr marL="0" marR="0">
+            <a:pPr>
               <a:lnSpc>
                 <a:spcPct val="107000"/>
               </a:lnSpc>
-              <a:spcBef>
-                <a:spcPts val="0"/>
-              </a:spcBef>
-              <a:spcAft>
-                <a:spcPts val="0"/>
-              </a:spcAft>
               <a:tabLst>
                 <a:tab pos="581660" algn="l"/>
                 <a:tab pos="1163320" algn="l"/>
@@ -30755,7 +30545,7 @@
               </a:tabLst>
             </a:pPr>
             <a:r>
-              <a:rPr lang="en-US" sz="1400" dirty="0" smtClean="0">
+              <a:rPr lang="en-US" sz="1400" dirty="0">
                 <a:solidFill>
                   <a:srgbClr val="0000FF"/>
                 </a:solidFill>
@@ -30781,24 +30571,12 @@
               </a:rPr>
               <a:t>&gt; </a:t>
             </a:r>
-            <a:endParaRPr lang="en-US" sz="1400" dirty="0" smtClean="0">
-              <a:solidFill>
-                <a:srgbClr val="0000FF"/>
-              </a:solidFill>
-              <a:latin typeface="Consolas"/>
-            </a:endParaRPr>
-          </a:p>
-          <a:p>
-            <a:pPr marL="0" marR="0">
+          </a:p>
+          <a:p>
+            <a:pPr>
               <a:lnSpc>
                 <a:spcPct val="107000"/>
               </a:lnSpc>
-              <a:spcBef>
-                <a:spcPts val="0"/>
-              </a:spcBef>
-              <a:spcAft>
-                <a:spcPts val="0"/>
-              </a:spcAft>
               <a:tabLst>
                 <a:tab pos="581660" algn="l"/>
                 <a:tab pos="1163320" algn="l"/>
@@ -30825,25 +30603,7 @@
                 </a:solidFill>
                 <a:latin typeface="Consolas"/>
               </a:rPr>
-              <a:t>&lt;!-- </a:t>
-            </a:r>
-            <a:r>
-              <a:rPr lang="en-US" sz="1400" dirty="0" smtClean="0">
-                <a:solidFill>
-                  <a:srgbClr val="006400"/>
-                </a:solidFill>
-                <a:latin typeface="Consolas"/>
-              </a:rPr>
-              <a:t>script in consuming view</a:t>
-            </a:r>
-            <a:r>
-              <a:rPr lang="en-US" sz="1400" dirty="0">
-                <a:solidFill>
-                  <a:srgbClr val="006400"/>
-                </a:solidFill>
-                <a:latin typeface="Consolas"/>
-              </a:rPr>
-              <a:t> --&gt;</a:t>
+              <a:t>&lt;!-- script in consuming view --&gt;</a:t>
             </a:r>
             <a:endParaRPr lang="en-US" sz="1400" dirty="0">
               <a:solidFill>
@@ -30853,16 +30613,10 @@
             </a:endParaRPr>
           </a:p>
           <a:p>
-            <a:pPr marL="0" marR="0">
+            <a:pPr>
               <a:lnSpc>
                 <a:spcPct val="107000"/>
               </a:lnSpc>
-              <a:spcBef>
-                <a:spcPts val="0"/>
-              </a:spcBef>
-              <a:spcAft>
-                <a:spcPts val="0"/>
-              </a:spcAft>
               <a:tabLst>
                 <a:tab pos="581660" algn="l"/>
                 <a:tab pos="1163320" algn="l"/>
@@ -30883,7 +30637,7 @@
               </a:tabLst>
             </a:pPr>
             <a:r>
-              <a:rPr lang="en-US" sz="1400" dirty="0" smtClean="0">
+              <a:rPr lang="en-US" sz="1400" dirty="0">
                 <a:solidFill>
                   <a:srgbClr val="0000FF"/>
                 </a:solidFill>
@@ -30918,24 +30672,12 @@
               </a:rPr>
               <a:t>    </a:t>
             </a:r>
-            <a:endParaRPr lang="en-US" sz="1400" dirty="0" smtClean="0">
-              <a:solidFill>
-                <a:srgbClr val="000000"/>
-              </a:solidFill>
-              <a:latin typeface="Consolas"/>
-            </a:endParaRPr>
-          </a:p>
-          <a:p>
-            <a:pPr marL="0" marR="0">
+          </a:p>
+          <a:p>
+            <a:pPr>
               <a:lnSpc>
                 <a:spcPct val="107000"/>
               </a:lnSpc>
-              <a:spcBef>
-                <a:spcPts val="0"/>
-              </a:spcBef>
-              <a:spcAft>
-                <a:spcPts val="0"/>
-              </a:spcAft>
               <a:tabLst>
                 <a:tab pos="581660" algn="l"/>
                 <a:tab pos="1163320" algn="l"/>
@@ -30962,25 +30704,34 @@
                 </a:solidFill>
                 <a:latin typeface="Consolas"/>
               </a:rPr>
-              <a:t> </a:t>
-            </a:r>
-            <a:r>
-              <a:rPr lang="en-US" sz="1400" dirty="0" smtClean="0">
+              <a:t>    </a:t>
+            </a:r>
+            <a:r>
+              <a:rPr lang="en-US" sz="1400" dirty="0">
+                <a:solidFill>
+                  <a:srgbClr val="0000FF"/>
+                </a:solidFill>
+                <a:latin typeface="Consolas"/>
+              </a:rPr>
+              <a:t>function</a:t>
+            </a:r>
+            <a:r>
+              <a:rPr lang="en-US" sz="1400" dirty="0">
                 <a:solidFill>
                   <a:srgbClr val="000000"/>
                 </a:solidFill>
                 <a:latin typeface="Consolas"/>
               </a:rPr>
-              <a:t>   </a:t>
-            </a:r>
-            <a:r>
-              <a:rPr lang="en-US" sz="1400" dirty="0" smtClean="0">
-                <a:solidFill>
-                  <a:srgbClr val="0000FF"/>
+              <a:t> </a:t>
+            </a:r>
+            <a:r>
+              <a:rPr lang="en-US" sz="1400" dirty="0" err="1">
+                <a:solidFill>
+                  <a:srgbClr val="000000"/>
                 </a:solidFill>
                 <a:latin typeface="Consolas"/>
               </a:rPr>
-              <a:t>function</a:t>
+              <a:t>initRemoveView</a:t>
             </a:r>
             <a:r>
               <a:rPr lang="en-US" sz="1400" dirty="0">
@@ -30989,47 +30740,14 @@
                 </a:solidFill>
                 <a:latin typeface="Consolas"/>
               </a:rPr>
-              <a:t> </a:t>
-            </a:r>
-            <a:r>
-              <a:rPr lang="en-US" sz="1400" dirty="0" err="1">
-                <a:solidFill>
-                  <a:srgbClr val="000000"/>
-                </a:solidFill>
-                <a:latin typeface="Consolas"/>
-              </a:rPr>
-              <a:t>initRemoveView</a:t>
-            </a:r>
-            <a:r>
-              <a:rPr lang="en-US" sz="1400" dirty="0">
-                <a:solidFill>
-                  <a:srgbClr val="000000"/>
-                </a:solidFill>
-                <a:latin typeface="Consolas"/>
-              </a:rPr>
-              <a:t>(e) </a:t>
-            </a:r>
-            <a:r>
-              <a:rPr lang="en-US" sz="1400" dirty="0" smtClean="0">
-                <a:solidFill>
-                  <a:srgbClr val="000000"/>
-                </a:solidFill>
-                <a:latin typeface="Consolas"/>
-              </a:rPr>
-              <a:t>{</a:t>
-            </a:r>
-          </a:p>
-          <a:p>
-            <a:pPr marL="0" marR="0">
+              <a:t>(e) {</a:t>
+            </a:r>
+          </a:p>
+          <a:p>
+            <a:pPr>
               <a:lnSpc>
                 <a:spcPct val="107000"/>
               </a:lnSpc>
-              <a:spcBef>
-                <a:spcPts val="0"/>
-              </a:spcBef>
-              <a:spcAft>
-                <a:spcPts val="0"/>
-              </a:spcAft>
               <a:tabLst>
                 <a:tab pos="581660" algn="l"/>
                 <a:tab pos="1163320" algn="l"/>
@@ -31104,7 +30822,7 @@
               <a:t>kendoMobileButton</a:t>
             </a:r>
             <a:r>
-              <a:rPr lang="en-US" sz="1400" dirty="0" smtClean="0">
+              <a:rPr lang="en-US" sz="1400" dirty="0">
                 <a:solidFill>
                   <a:srgbClr val="000000"/>
                 </a:solidFill>
@@ -31114,16 +30832,10 @@
             </a:r>
           </a:p>
           <a:p>
-            <a:pPr marL="0" marR="0">
+            <a:pPr>
               <a:lnSpc>
                 <a:spcPct val="107000"/>
               </a:lnSpc>
-              <a:spcBef>
-                <a:spcPts val="0"/>
-              </a:spcBef>
-              <a:spcAft>
-                <a:spcPts val="0"/>
-              </a:spcAft>
               <a:tabLst>
                 <a:tab pos="581660" algn="l"/>
                 <a:tab pos="1163320" algn="l"/>
@@ -31144,44 +30856,20 @@
               </a:tabLst>
             </a:pPr>
             <a:r>
-              <a:rPr lang="en-US" sz="1400" dirty="0" smtClean="0">
+              <a:rPr lang="en-US" sz="1400" dirty="0">
                 <a:solidFill>
                   <a:srgbClr val="000000"/>
                 </a:solidFill>
                 <a:latin typeface="Consolas"/>
               </a:rPr>
-              <a:t>  </a:t>
-            </a:r>
-            <a:r>
-              <a:rPr lang="en-US" sz="1400" dirty="0">
-                <a:solidFill>
-                  <a:srgbClr val="000000"/>
-                </a:solidFill>
-                <a:latin typeface="Consolas"/>
-              </a:rPr>
-              <a:t>  </a:t>
-            </a:r>
-            <a:r>
-              <a:rPr lang="en-US" sz="1400" dirty="0" smtClean="0">
-                <a:solidFill>
-                  <a:srgbClr val="000000"/>
-                </a:solidFill>
-                <a:latin typeface="Consolas"/>
-              </a:rPr>
-              <a:t>}</a:t>
-            </a:r>
-          </a:p>
-          <a:p>
-            <a:pPr marL="0" marR="0">
+              <a:t>    }</a:t>
+            </a:r>
+          </a:p>
+          <a:p>
+            <a:pPr>
               <a:lnSpc>
                 <a:spcPct val="107000"/>
               </a:lnSpc>
-              <a:spcBef>
-                <a:spcPts val="0"/>
-              </a:spcBef>
-              <a:spcAft>
-                <a:spcPts val="0"/>
-              </a:spcAft>
               <a:tabLst>
                 <a:tab pos="581660" algn="l"/>
                 <a:tab pos="1163320" algn="l"/>
@@ -31202,7 +30890,7 @@
               </a:tabLst>
             </a:pPr>
             <a:r>
-              <a:rPr lang="en-US" sz="1400" dirty="0" smtClean="0">
+              <a:rPr lang="en-US" sz="1400" dirty="0">
                 <a:solidFill>
                   <a:srgbClr val="0000FF"/>
                 </a:solidFill>
@@ -31247,7 +30935,7 @@
         </p:nvSpPr>
         <p:spPr bwMode="auto">
           <a:xfrm>
-            <a:off x="3316705" y="3443029"/>
+            <a:off x="4840706" y="3443030"/>
             <a:ext cx="2626895" cy="236505"/>
           </a:xfrm>
           <a:prstGeom prst="roundRect">
@@ -31818,7 +31506,7 @@
         </p:blipFill>
         <p:spPr bwMode="auto">
           <a:xfrm>
-            <a:off x="3083601" y="2151088"/>
+            <a:off x="4607601" y="2151088"/>
             <a:ext cx="3093216" cy="2659738"/>
           </a:xfrm>
           <a:prstGeom prst="rect">
@@ -31906,7 +31594,7 @@
         </p:nvSpPr>
         <p:spPr bwMode="auto">
           <a:xfrm>
-            <a:off x="457200" y="1371600"/>
+            <a:off x="1981200" y="1371600"/>
             <a:ext cx="8305800" cy="4495800"/>
           </a:xfrm>
           <a:prstGeom prst="rect">
@@ -32067,16 +31755,16 @@
           </a:lstStyle>
           <a:p>
             <a:r>
-              <a:rPr lang="en-US" sz="2400" kern="0" dirty="0" smtClean="0"/>
+              <a:rPr lang="en-US" sz="2400" kern="0" dirty="0"/>
               <a:t>Tablet specific view</a:t>
             </a:r>
           </a:p>
           <a:p>
             <a:r>
-              <a:rPr lang="en-US" sz="2400" kern="0" dirty="0" smtClean="0"/>
+              <a:rPr lang="en-US" sz="2400" kern="0" dirty="0"/>
               <a:t>Consists of two or more pane widgets</a:t>
             </a:r>
-            <a:endParaRPr lang="en-US" sz="2400" kern="0" dirty="0" smtClean="0">
+            <a:endParaRPr lang="en-US" sz="2400" kern="0" dirty="0">
               <a:solidFill>
                 <a:srgbClr val="0000FF"/>
               </a:solidFill>
@@ -32087,12 +31775,12 @@
           </a:p>
           <a:p>
             <a:r>
-              <a:rPr lang="en-US" sz="2400" kern="0" dirty="0" smtClean="0"/>
+              <a:rPr lang="en-US" sz="2400" kern="0" dirty="0"/>
               <a:t>Should not be nested in a view</a:t>
             </a:r>
           </a:p>
           <a:p>
-            <a:endParaRPr lang="en-US" sz="2400" kern="0" dirty="0" smtClean="0">
+            <a:endParaRPr lang="en-US" sz="2400" kern="0" dirty="0">
               <a:solidFill>
                 <a:srgbClr val="0000FF"/>
               </a:solidFill>
@@ -32103,10 +31791,9 @@
           </a:p>
           <a:p>
             <a:pPr marL="0" indent="0">
-              <a:buFontTx/>
               <a:buNone/>
             </a:pPr>
-            <a:endParaRPr lang="en-US" sz="2400" kern="0" dirty="0" smtClean="0">
+            <a:endParaRPr lang="en-US" sz="2400" kern="0" dirty="0">
               <a:solidFill>
                 <a:srgbClr val="0000FF"/>
               </a:solidFill>
@@ -32117,10 +31804,9 @@
           </a:p>
           <a:p>
             <a:pPr marL="0" indent="0">
-              <a:buFontTx/>
               <a:buNone/>
             </a:pPr>
-            <a:endParaRPr lang="en-US" sz="2400" kern="0" dirty="0" smtClean="0">
+            <a:endParaRPr lang="en-US" sz="2400" kern="0" dirty="0">
               <a:solidFill>
                 <a:srgbClr val="0000FF"/>
               </a:solidFill>
@@ -32131,10 +31817,9 @@
           </a:p>
           <a:p>
             <a:pPr marL="0" indent="0">
-              <a:buFontTx/>
               <a:buNone/>
             </a:pPr>
-            <a:endParaRPr lang="en-US" sz="2400" kern="0" dirty="0" smtClean="0">
+            <a:endParaRPr lang="en-US" sz="2400" kern="0" dirty="0">
               <a:solidFill>
                 <a:srgbClr val="0000FF"/>
               </a:solidFill>
@@ -32145,10 +31830,9 @@
           </a:p>
           <a:p>
             <a:pPr marL="0" indent="0">
-              <a:buFontTx/>
               <a:buNone/>
             </a:pPr>
-            <a:endParaRPr lang="en-US" sz="2400" kern="0" dirty="0" smtClean="0"/>
+            <a:endParaRPr lang="en-US" sz="2400" kern="0" dirty="0"/>
           </a:p>
         </p:txBody>
       </p:sp>
@@ -32567,7 +32251,7 @@
         </p:blipFill>
         <p:spPr bwMode="auto">
           <a:xfrm>
-            <a:off x="3083601" y="2151088"/>
+            <a:off x="4607601" y="2151088"/>
             <a:ext cx="3093216" cy="2659738"/>
           </a:xfrm>
           <a:prstGeom prst="rect">
@@ -32655,7 +32339,7 @@
         </p:nvSpPr>
         <p:spPr bwMode="auto">
           <a:xfrm>
-            <a:off x="457200" y="1371600"/>
+            <a:off x="1981200" y="1371600"/>
             <a:ext cx="8305800" cy="4495800"/>
           </a:xfrm>
           <a:prstGeom prst="rect">
@@ -32816,16 +32500,16 @@
           </a:lstStyle>
           <a:p>
             <a:r>
-              <a:rPr lang="en-US" sz="2400" kern="0" dirty="0" smtClean="0"/>
+              <a:rPr lang="en-US" sz="2400" kern="0" dirty="0"/>
               <a:t>Controls that mimic native UI/UX</a:t>
             </a:r>
           </a:p>
           <a:p>
             <a:r>
-              <a:rPr lang="en-US" sz="2400" kern="0" dirty="0" smtClean="0"/>
+              <a:rPr lang="en-US" sz="2400" kern="0" dirty="0"/>
               <a:t>HTML5</a:t>
             </a:r>
-            <a:endParaRPr lang="en-US" sz="2400" kern="0" dirty="0" smtClean="0">
+            <a:endParaRPr lang="en-US" sz="2400" kern="0" dirty="0">
               <a:solidFill>
                 <a:srgbClr val="0000FF"/>
               </a:solidFill>
@@ -32836,12 +32520,12 @@
           </a:p>
           <a:p>
             <a:r>
-              <a:rPr lang="en-US" sz="2400" kern="0" dirty="0" smtClean="0"/>
+              <a:rPr lang="en-US" sz="2400" kern="0" dirty="0"/>
               <a:t>Platform specific look and feel</a:t>
             </a:r>
           </a:p>
           <a:p>
-            <a:endParaRPr lang="en-US" sz="2400" kern="0" dirty="0" smtClean="0">
+            <a:endParaRPr lang="en-US" sz="2400" kern="0" dirty="0">
               <a:solidFill>
                 <a:srgbClr val="0000FF"/>
               </a:solidFill>
@@ -32852,10 +32536,9 @@
           </a:p>
           <a:p>
             <a:pPr marL="0" indent="0">
-              <a:buFontTx/>
               <a:buNone/>
             </a:pPr>
-            <a:endParaRPr lang="en-US" sz="2400" kern="0" dirty="0" smtClean="0">
+            <a:endParaRPr lang="en-US" sz="2400" kern="0" dirty="0">
               <a:solidFill>
                 <a:srgbClr val="0000FF"/>
               </a:solidFill>
@@ -32866,10 +32549,9 @@
           </a:p>
           <a:p>
             <a:pPr marL="0" indent="0">
-              <a:buFontTx/>
               <a:buNone/>
             </a:pPr>
-            <a:endParaRPr lang="en-US" sz="2400" kern="0" dirty="0" smtClean="0">
+            <a:endParaRPr lang="en-US" sz="2400" kern="0" dirty="0">
               <a:solidFill>
                 <a:srgbClr val="0000FF"/>
               </a:solidFill>
@@ -32880,10 +32562,9 @@
           </a:p>
           <a:p>
             <a:pPr marL="0" indent="0">
-              <a:buFontTx/>
               <a:buNone/>
             </a:pPr>
-            <a:endParaRPr lang="en-US" sz="2400" kern="0" dirty="0" smtClean="0">
+            <a:endParaRPr lang="en-US" sz="2400" kern="0" dirty="0">
               <a:solidFill>
                 <a:srgbClr val="0000FF"/>
               </a:solidFill>
@@ -32894,10 +32575,9 @@
           </a:p>
           <a:p>
             <a:pPr marL="0" indent="0">
-              <a:buFontTx/>
               <a:buNone/>
             </a:pPr>
-            <a:endParaRPr lang="en-US" sz="2400" kern="0" dirty="0" smtClean="0"/>
+            <a:endParaRPr lang="en-US" sz="2400" kern="0" dirty="0"/>
           </a:p>
         </p:txBody>
       </p:sp>
@@ -32917,7 +32597,7 @@
         </p:blipFill>
         <p:spPr>
           <a:xfrm>
-            <a:off x="1856196" y="2667000"/>
+            <a:off x="3380196" y="2667000"/>
             <a:ext cx="1587864" cy="2947416"/>
           </a:xfrm>
           <a:prstGeom prst="rect">
@@ -32941,7 +32621,7 @@
         </p:blipFill>
         <p:spPr>
           <a:xfrm>
-            <a:off x="3679429" y="2667000"/>
+            <a:off x="5203429" y="2667000"/>
             <a:ext cx="1704724" cy="2947416"/>
           </a:xfrm>
           <a:prstGeom prst="rect">
@@ -32965,7 +32645,7 @@
         </p:blipFill>
         <p:spPr>
           <a:xfrm>
-            <a:off x="5650374" y="2667001"/>
+            <a:off x="7174374" y="2667001"/>
             <a:ext cx="1704922" cy="2947416"/>
           </a:xfrm>
           <a:prstGeom prst="rect">
@@ -32981,7 +32661,7 @@
         </p:nvSpPr>
         <p:spPr bwMode="auto">
           <a:xfrm>
-            <a:off x="1827782" y="4906529"/>
+            <a:off x="3351782" y="4906529"/>
             <a:ext cx="1648028" cy="202324"/>
           </a:xfrm>
           <a:prstGeom prst="roundRect">
@@ -33029,7 +32709,7 @@
         </p:nvSpPr>
         <p:spPr bwMode="auto">
           <a:xfrm>
-            <a:off x="3639502" y="3100199"/>
+            <a:off x="5163502" y="3100199"/>
             <a:ext cx="1784578" cy="214772"/>
           </a:xfrm>
           <a:prstGeom prst="roundRect">
@@ -33077,7 +32757,7 @@
         </p:nvSpPr>
         <p:spPr bwMode="auto">
           <a:xfrm>
-            <a:off x="5606822" y="4893829"/>
+            <a:off x="7130822" y="4893829"/>
             <a:ext cx="1784578" cy="196374"/>
           </a:xfrm>
           <a:prstGeom prst="roundRect">
@@ -33779,7 +33459,7 @@
         </p:nvSpPr>
         <p:spPr bwMode="auto">
           <a:xfrm>
-            <a:off x="457200" y="1371600"/>
+            <a:off x="1981200" y="1371600"/>
             <a:ext cx="8382000" cy="4495800"/>
           </a:xfrm>
           <a:prstGeom prst="rect">
@@ -33940,31 +33620,31 @@
           </a:lstStyle>
           <a:p>
             <a:r>
-              <a:rPr lang="en-US" sz="2000" kern="0" smtClean="0"/>
+              <a:rPr lang="en-US" sz="2000" kern="0"/>
               <a:t>Action Sheet</a:t>
             </a:r>
           </a:p>
           <a:p>
             <a:r>
-              <a:rPr lang="en-US" sz="2000" kern="0" smtClean="0"/>
+              <a:rPr lang="en-US" sz="2000" kern="0"/>
               <a:t>Button</a:t>
             </a:r>
           </a:p>
           <a:p>
             <a:r>
-              <a:rPr lang="en-US" sz="2000" kern="0" smtClean="0"/>
+              <a:rPr lang="en-US" sz="2000" kern="0"/>
               <a:t>ButtonGroup</a:t>
             </a:r>
           </a:p>
           <a:p>
             <a:r>
-              <a:rPr lang="en-US" sz="2000" kern="0" smtClean="0"/>
+              <a:rPr lang="en-US" sz="2000" kern="0"/>
               <a:t>ListView</a:t>
             </a:r>
           </a:p>
           <a:p>
             <a:r>
-              <a:rPr lang="en-US" sz="2000" kern="0" smtClean="0">
+              <a:rPr lang="en-US" sz="2000" kern="0">
                 <a:cs typeface="Consolas" panose="020B0609020204030204" pitchFamily="49" charset="0"/>
               </a:rPr>
               <a:t>ModalView</a:t>
@@ -33972,7 +33652,7 @@
           </a:p>
           <a:p>
             <a:r>
-              <a:rPr lang="en-US" sz="2000" kern="0" smtClean="0">
+              <a:rPr lang="en-US" sz="2000" kern="0">
                 <a:cs typeface="Consolas" panose="020B0609020204030204" pitchFamily="49" charset="0"/>
               </a:rPr>
               <a:t>Navbar</a:t>
@@ -33980,7 +33660,7 @@
           </a:p>
           <a:p>
             <a:r>
-              <a:rPr lang="en-US" sz="2000" kern="0" smtClean="0">
+              <a:rPr lang="en-US" sz="2000" kern="0">
                 <a:cs typeface="Consolas" panose="020B0609020204030204" pitchFamily="49" charset="0"/>
               </a:rPr>
               <a:t>PopOver (tablet only)</a:t>
@@ -33988,7 +33668,7 @@
           </a:p>
           <a:p>
             <a:r>
-              <a:rPr lang="en-US" sz="2000" kern="0" smtClean="0">
+              <a:rPr lang="en-US" sz="2000" kern="0">
                 <a:cs typeface="Consolas" panose="020B0609020204030204" pitchFamily="49" charset="0"/>
               </a:rPr>
               <a:t>Scroller</a:t>
@@ -33996,7 +33676,7 @@
           </a:p>
           <a:p>
             <a:r>
-              <a:rPr lang="en-US" sz="2000" kern="0" smtClean="0">
+              <a:rPr lang="en-US" sz="2000" kern="0">
                 <a:cs typeface="Consolas" panose="020B0609020204030204" pitchFamily="49" charset="0"/>
               </a:rPr>
               <a:t>ScrollView</a:t>
@@ -34004,7 +33684,7 @@
           </a:p>
           <a:p>
             <a:r>
-              <a:rPr lang="en-US" sz="2000" kern="0" smtClean="0">
+              <a:rPr lang="en-US" sz="2000" kern="0">
                 <a:cs typeface="Consolas" panose="020B0609020204030204" pitchFamily="49" charset="0"/>
               </a:rPr>
               <a:t>Switch</a:t>
@@ -34012,20 +33692,20 @@
           </a:p>
           <a:p>
             <a:r>
-              <a:rPr lang="en-US" sz="2000" kern="0" smtClean="0">
+              <a:rPr lang="en-US" sz="2000" kern="0">
                 <a:cs typeface="Consolas" panose="020B0609020204030204" pitchFamily="49" charset="0"/>
               </a:rPr>
               <a:t>TabStrip</a:t>
             </a:r>
           </a:p>
           <a:p>
-            <a:endParaRPr lang="en-US" sz="2000" kern="0" smtClean="0">
+            <a:endParaRPr lang="en-US" sz="2000" kern="0">
               <a:latin typeface="Consolas" panose="020B0609020204030204" pitchFamily="49" charset="0"/>
               <a:cs typeface="Consolas" panose="020B0609020204030204" pitchFamily="49" charset="0"/>
             </a:endParaRPr>
           </a:p>
           <a:p>
-            <a:endParaRPr lang="en-US" sz="2000" kern="0" dirty="0" smtClean="0"/>
+            <a:endParaRPr lang="en-US" sz="2000" kern="0" dirty="0"/>
           </a:p>
         </p:txBody>
       </p:sp>
@@ -34112,7 +33792,7 @@
         </p:blipFill>
         <p:spPr bwMode="auto">
           <a:xfrm>
-            <a:off x="3083601" y="2151088"/>
+            <a:off x="4607601" y="2151088"/>
             <a:ext cx="3093216" cy="2659738"/>
           </a:xfrm>
           <a:prstGeom prst="rect">
@@ -34200,7 +33880,7 @@
         </p:nvSpPr>
         <p:spPr bwMode="auto">
           <a:xfrm>
-            <a:off x="457200" y="1371600"/>
+            <a:off x="1981200" y="1371600"/>
             <a:ext cx="8229600" cy="5029200"/>
           </a:xfrm>
           <a:prstGeom prst="rect">
@@ -34361,36 +34041,36 @@
           </a:lstStyle>
           <a:p>
             <a:r>
-              <a:rPr lang="en-US" sz="2400" kern="0" smtClean="0"/>
+              <a:rPr lang="en-US" sz="2400" kern="0"/>
               <a:t>Application</a:t>
             </a:r>
           </a:p>
           <a:p>
             <a:r>
-              <a:rPr lang="en-US" sz="2400" kern="0" smtClean="0"/>
+              <a:rPr lang="en-US" sz="2400" kern="0"/>
               <a:t>Views</a:t>
             </a:r>
           </a:p>
           <a:p>
             <a:r>
-              <a:rPr lang="en-US" sz="2400" kern="0" smtClean="0"/>
+              <a:rPr lang="en-US" sz="2400" kern="0"/>
               <a:t>Form</a:t>
             </a:r>
           </a:p>
           <a:p>
             <a:r>
-              <a:rPr lang="en-US" sz="2400" kern="0" smtClean="0"/>
+              <a:rPr lang="en-US" sz="2400" kern="0"/>
               <a:t>SplitView</a:t>
             </a:r>
           </a:p>
           <a:p>
             <a:r>
-              <a:rPr lang="en-US" sz="2400" kern="0" smtClean="0"/>
+              <a:rPr lang="en-US" sz="2400" kern="0"/>
               <a:t>Widgets</a:t>
             </a:r>
           </a:p>
           <a:p>
-            <a:endParaRPr lang="en-US" sz="2400" kern="0" dirty="0" smtClean="0"/>
+            <a:endParaRPr lang="en-US" sz="2400" kern="0" dirty="0"/>
           </a:p>
         </p:txBody>
       </p:sp>
@@ -34936,24 +34616,21 @@
           <a:lstStyle/>
           <a:p>
             <a:r>
-              <a:rPr lang="en-US" sz="2400" dirty="0" smtClean="0"/>
+              <a:rPr lang="en-US" sz="2400" dirty="0"/>
               <a:t>What is Kendo UI?</a:t>
             </a:r>
-            <a:endParaRPr lang="en-US" sz="2400" dirty="0"/>
-          </a:p>
-          <a:p>
-            <a:r>
-              <a:rPr lang="en-US" sz="2400" dirty="0" smtClean="0"/>
+          </a:p>
+          <a:p>
+            <a:r>
+              <a:rPr lang="en-US" sz="2400" dirty="0"/>
               <a:t>Kendo UI Overview</a:t>
             </a:r>
-            <a:endParaRPr lang="en-US" sz="2400" dirty="0"/>
-          </a:p>
-          <a:p>
-            <a:r>
-              <a:rPr lang="en-US" sz="2400" dirty="0" smtClean="0"/>
+          </a:p>
+          <a:p>
+            <a:r>
+              <a:rPr lang="en-US" sz="2400" dirty="0"/>
               <a:t>Kendo UI Mobile</a:t>
             </a:r>
-            <a:endParaRPr lang="en-US" sz="2400" dirty="0"/>
           </a:p>
         </p:txBody>
       </p:sp>
@@ -34961,6 +34638,777 @@
     <p:extLst>
       <p:ext uri="{BB962C8B-B14F-4D97-AF65-F5344CB8AC3E}">
         <p14:creationId xmlns:p14="http://schemas.microsoft.com/office/powerpoint/2010/main" val="1653887018"/>
+      </p:ext>
+    </p:extLst>
+  </p:cSld>
+  <p:clrMapOvr>
+    <a:masterClrMapping/>
+  </p:clrMapOvr>
+  <p:timing>
+    <p:tnLst>
+      <p:par>
+        <p:cTn id="1" dur="indefinite" restart="never" nodeType="tmRoot"/>
+      </p:par>
+    </p:tnLst>
+  </p:timing>
+</p:sld>
+</file>
+
+<file path=ppt/slides/slide30.xml><?xml version="1.0" encoding="utf-8"?>
+<p:sld xmlns:a="http://schemas.openxmlformats.org/drawingml/2006/main" xmlns:r="http://schemas.openxmlformats.org/officeDocument/2006/relationships" xmlns:p="http://schemas.openxmlformats.org/presentationml/2006/main">
+  <p:cSld>
+    <p:spTree>
+      <p:nvGrpSpPr>
+        <p:cNvPr id="1" name=""/>
+        <p:cNvGrpSpPr/>
+        <p:nvPr/>
+      </p:nvGrpSpPr>
+      <p:grpSpPr>
+        <a:xfrm>
+          <a:off x="0" y="0"/>
+          <a:ext cx="0" cy="0"/>
+          <a:chOff x="0" y="0"/>
+          <a:chExt cx="0" cy="0"/>
+        </a:xfrm>
+      </p:grpSpPr>
+      <p:sp>
+        <p:nvSpPr>
+          <p:cNvPr id="2" name="Title 1"/>
+          <p:cNvSpPr>
+            <a:spLocks noGrp="1"/>
+          </p:cNvSpPr>
+          <p:nvPr>
+            <p:ph type="title"/>
+          </p:nvPr>
+        </p:nvSpPr>
+        <p:spPr/>
+        <p:txBody>
+          <a:bodyPr/>
+          <a:lstStyle/>
+          <a:p>
+            <a:endParaRPr lang="en-US"/>
+          </a:p>
+        </p:txBody>
+      </p:sp>
+      <p:sp>
+        <p:nvSpPr>
+          <p:cNvPr id="3" name="Content Placeholder 2"/>
+          <p:cNvSpPr>
+            <a:spLocks noGrp="1"/>
+          </p:cNvSpPr>
+          <p:nvPr>
+            <p:ph idx="1"/>
+          </p:nvPr>
+        </p:nvSpPr>
+        <p:spPr/>
+        <p:txBody>
+          <a:bodyPr/>
+          <a:lstStyle/>
+          <a:p>
+            <a:endParaRPr lang="en-US"/>
+          </a:p>
+        </p:txBody>
+      </p:sp>
+      <p:pic>
+        <p:nvPicPr>
+          <p:cNvPr id="4" name="Picture 3"/>
+          <p:cNvPicPr>
+            <a:picLocks noChangeAspect="1"/>
+          </p:cNvPicPr>
+          <p:nvPr/>
+        </p:nvPicPr>
+        <p:blipFill>
+          <a:blip r:embed="rId3">
+            <a:extLst>
+              <a:ext uri="{28A0092B-C50C-407E-A947-70E740481C1C}">
+                <a14:useLocalDpi xmlns:a14="http://schemas.microsoft.com/office/drawing/2010/main" val="0"/>
+              </a:ext>
+            </a:extLst>
+          </a:blip>
+          <a:stretch>
+            <a:fillRect/>
+          </a:stretch>
+        </p:blipFill>
+        <p:spPr>
+          <a:xfrm>
+            <a:off x="792" y="447"/>
+            <a:ext cx="12190415" cy="6857107"/>
+          </a:xfrm>
+          <a:prstGeom prst="rect">
+            <a:avLst/>
+          </a:prstGeom>
+        </p:spPr>
+      </p:pic>
+      <p:pic>
+        <p:nvPicPr>
+          <p:cNvPr id="5" name="Picture 4"/>
+          <p:cNvPicPr>
+            <a:picLocks noChangeAspect="1"/>
+          </p:cNvPicPr>
+          <p:nvPr/>
+        </p:nvPicPr>
+        <p:blipFill>
+          <a:blip r:embed="rId4">
+            <a:extLst>
+              <a:ext uri="{28A0092B-C50C-407E-A947-70E740481C1C}">
+                <a14:useLocalDpi xmlns:a14="http://schemas.microsoft.com/office/drawing/2010/main" val="0"/>
+              </a:ext>
+            </a:extLst>
+          </a:blip>
+          <a:stretch>
+            <a:fillRect/>
+          </a:stretch>
+        </p:blipFill>
+        <p:spPr>
+          <a:xfrm>
+            <a:off x="1464390" y="666611"/>
+            <a:ext cx="2970201" cy="1984457"/>
+          </a:xfrm>
+          <a:prstGeom prst="rect">
+            <a:avLst/>
+          </a:prstGeom>
+          <a:ln>
+            <a:noFill/>
+          </a:ln>
+          <a:effectLst>
+            <a:outerShdw blurRad="292100" dist="139700" dir="2700000" algn="tl" rotWithShape="0">
+              <a:srgbClr val="333333">
+                <a:alpha val="65000"/>
+              </a:srgbClr>
+            </a:outerShdw>
+          </a:effectLst>
+        </p:spPr>
+      </p:pic>
+      <p:pic>
+        <p:nvPicPr>
+          <p:cNvPr id="6" name="Picture 5"/>
+          <p:cNvPicPr>
+            <a:picLocks noChangeAspect="1"/>
+          </p:cNvPicPr>
+          <p:nvPr/>
+        </p:nvPicPr>
+        <p:blipFill>
+          <a:blip r:embed="rId5">
+            <a:extLst>
+              <a:ext uri="{28A0092B-C50C-407E-A947-70E740481C1C}">
+                <a14:useLocalDpi xmlns:a14="http://schemas.microsoft.com/office/drawing/2010/main" val="0"/>
+              </a:ext>
+            </a:extLst>
+          </a:blip>
+          <a:stretch>
+            <a:fillRect/>
+          </a:stretch>
+        </p:blipFill>
+        <p:spPr>
+          <a:xfrm>
+            <a:off x="7753705" y="666611"/>
+            <a:ext cx="2970201" cy="1984457"/>
+          </a:xfrm>
+          <a:prstGeom prst="rect">
+            <a:avLst/>
+          </a:prstGeom>
+          <a:ln>
+            <a:noFill/>
+          </a:ln>
+          <a:effectLst>
+            <a:outerShdw blurRad="292100" dist="139700" dir="2700000" algn="tl" rotWithShape="0">
+              <a:srgbClr val="333333">
+                <a:alpha val="65000"/>
+              </a:srgbClr>
+            </a:outerShdw>
+          </a:effectLst>
+        </p:spPr>
+      </p:pic>
+      <p:pic>
+        <p:nvPicPr>
+          <p:cNvPr id="7" name="Picture 6"/>
+          <p:cNvPicPr>
+            <a:picLocks noChangeAspect="1"/>
+          </p:cNvPicPr>
+          <p:nvPr/>
+        </p:nvPicPr>
+        <p:blipFill>
+          <a:blip r:embed="rId6">
+            <a:extLst>
+              <a:ext uri="{28A0092B-C50C-407E-A947-70E740481C1C}">
+                <a14:useLocalDpi xmlns:a14="http://schemas.microsoft.com/office/drawing/2010/main" val="0"/>
+              </a:ext>
+            </a:extLst>
+          </a:blip>
+          <a:stretch>
+            <a:fillRect/>
+          </a:stretch>
+        </p:blipFill>
+        <p:spPr>
+          <a:xfrm>
+            <a:off x="4609048" y="666611"/>
+            <a:ext cx="2970201" cy="1984457"/>
+          </a:xfrm>
+          <a:prstGeom prst="rect">
+            <a:avLst/>
+          </a:prstGeom>
+          <a:ln>
+            <a:noFill/>
+          </a:ln>
+          <a:effectLst>
+            <a:outerShdw blurRad="292100" dist="139700" dir="2700000" algn="tl" rotWithShape="0">
+              <a:srgbClr val="333333">
+                <a:alpha val="65000"/>
+              </a:srgbClr>
+            </a:outerShdw>
+          </a:effectLst>
+        </p:spPr>
+      </p:pic>
+      <p:pic>
+        <p:nvPicPr>
+          <p:cNvPr id="8" name="Picture 7"/>
+          <p:cNvPicPr>
+            <a:picLocks noChangeAspect="1"/>
+          </p:cNvPicPr>
+          <p:nvPr/>
+        </p:nvPicPr>
+        <p:blipFill>
+          <a:blip r:embed="rId7">
+            <a:extLst>
+              <a:ext uri="{28A0092B-C50C-407E-A947-70E740481C1C}">
+                <a14:useLocalDpi xmlns:a14="http://schemas.microsoft.com/office/drawing/2010/main" val="0"/>
+              </a:ext>
+            </a:extLst>
+          </a:blip>
+          <a:stretch>
+            <a:fillRect/>
+          </a:stretch>
+        </p:blipFill>
+        <p:spPr>
+          <a:xfrm>
+            <a:off x="2778990" y="5111012"/>
+            <a:ext cx="1963674" cy="1309116"/>
+          </a:xfrm>
+          <a:prstGeom prst="rect">
+            <a:avLst/>
+          </a:prstGeom>
+          <a:ln>
+            <a:noFill/>
+          </a:ln>
+          <a:effectLst>
+            <a:outerShdw blurRad="292100" dist="139700" dir="2700000" algn="tl" rotWithShape="0">
+              <a:srgbClr val="333333">
+                <a:alpha val="65000"/>
+              </a:srgbClr>
+            </a:outerShdw>
+          </a:effectLst>
+        </p:spPr>
+      </p:pic>
+      <p:pic>
+        <p:nvPicPr>
+          <p:cNvPr id="9" name="Picture 8"/>
+          <p:cNvPicPr>
+            <a:picLocks noChangeAspect="1"/>
+          </p:cNvPicPr>
+          <p:nvPr/>
+        </p:nvPicPr>
+        <p:blipFill>
+          <a:blip r:embed="rId8">
+            <a:extLst>
+              <a:ext uri="{28A0092B-C50C-407E-A947-70E740481C1C}">
+                <a14:useLocalDpi xmlns:a14="http://schemas.microsoft.com/office/drawing/2010/main" val="0"/>
+              </a:ext>
+            </a:extLst>
+          </a:blip>
+          <a:stretch>
+            <a:fillRect/>
+          </a:stretch>
+        </p:blipFill>
+        <p:spPr>
+          <a:xfrm>
+            <a:off x="5123167" y="5111012"/>
+            <a:ext cx="1963674" cy="1309116"/>
+          </a:xfrm>
+          <a:prstGeom prst="rect">
+            <a:avLst/>
+          </a:prstGeom>
+          <a:ln>
+            <a:noFill/>
+          </a:ln>
+          <a:effectLst>
+            <a:outerShdw blurRad="292100" dist="139700" dir="2700000" algn="tl" rotWithShape="0">
+              <a:srgbClr val="333333">
+                <a:alpha val="65000"/>
+              </a:srgbClr>
+            </a:outerShdw>
+          </a:effectLst>
+        </p:spPr>
+      </p:pic>
+      <p:pic>
+        <p:nvPicPr>
+          <p:cNvPr id="10" name="Picture 9"/>
+          <p:cNvPicPr>
+            <a:picLocks noChangeAspect="1"/>
+          </p:cNvPicPr>
+          <p:nvPr/>
+        </p:nvPicPr>
+        <p:blipFill>
+          <a:blip r:embed="rId9">
+            <a:extLst>
+              <a:ext uri="{28A0092B-C50C-407E-A947-70E740481C1C}">
+                <a14:useLocalDpi xmlns:a14="http://schemas.microsoft.com/office/drawing/2010/main" val="0"/>
+              </a:ext>
+            </a:extLst>
+          </a:blip>
+          <a:stretch>
+            <a:fillRect/>
+          </a:stretch>
+        </p:blipFill>
+        <p:spPr>
+          <a:xfrm>
+            <a:off x="7467344" y="5111012"/>
+            <a:ext cx="1963674" cy="1309116"/>
+          </a:xfrm>
+          <a:prstGeom prst="rect">
+            <a:avLst/>
+          </a:prstGeom>
+          <a:ln>
+            <a:noFill/>
+          </a:ln>
+          <a:effectLst>
+            <a:outerShdw blurRad="292100" dist="139700" dir="2700000" algn="tl" rotWithShape="0">
+              <a:srgbClr val="333333">
+                <a:alpha val="65000"/>
+              </a:srgbClr>
+            </a:outerShdw>
+          </a:effectLst>
+        </p:spPr>
+      </p:pic>
+      <p:pic>
+        <p:nvPicPr>
+          <p:cNvPr id="11" name="Picture 10"/>
+          <p:cNvPicPr>
+            <a:picLocks noChangeAspect="1"/>
+          </p:cNvPicPr>
+          <p:nvPr/>
+        </p:nvPicPr>
+        <p:blipFill>
+          <a:blip r:embed="rId10">
+            <a:extLst>
+              <a:ext uri="{28A0092B-C50C-407E-A947-70E740481C1C}">
+                <a14:useLocalDpi xmlns:a14="http://schemas.microsoft.com/office/drawing/2010/main" val="0"/>
+              </a:ext>
+            </a:extLst>
+          </a:blip>
+          <a:stretch>
+            <a:fillRect/>
+          </a:stretch>
+        </p:blipFill>
+        <p:spPr>
+          <a:xfrm>
+            <a:off x="4609048" y="2806395"/>
+            <a:ext cx="2970201" cy="1984457"/>
+          </a:xfrm>
+          <a:prstGeom prst="rect">
+            <a:avLst/>
+          </a:prstGeom>
+          <a:ln>
+            <a:noFill/>
+          </a:ln>
+          <a:effectLst>
+            <a:outerShdw blurRad="292100" dist="139700" dir="2700000" algn="tl" rotWithShape="0">
+              <a:srgbClr val="333333">
+                <a:alpha val="65000"/>
+              </a:srgbClr>
+            </a:outerShdw>
+          </a:effectLst>
+        </p:spPr>
+      </p:pic>
+      <p:pic>
+        <p:nvPicPr>
+          <p:cNvPr id="12" name="Picture 11"/>
+          <p:cNvPicPr>
+            <a:picLocks noChangeAspect="1"/>
+          </p:cNvPicPr>
+          <p:nvPr/>
+        </p:nvPicPr>
+        <p:blipFill>
+          <a:blip r:embed="rId11">
+            <a:extLst>
+              <a:ext uri="{28A0092B-C50C-407E-A947-70E740481C1C}">
+                <a14:useLocalDpi xmlns:a14="http://schemas.microsoft.com/office/drawing/2010/main" val="0"/>
+              </a:ext>
+            </a:extLst>
+          </a:blip>
+          <a:stretch>
+            <a:fillRect/>
+          </a:stretch>
+        </p:blipFill>
+        <p:spPr>
+          <a:xfrm>
+            <a:off x="7753706" y="2806395"/>
+            <a:ext cx="2970201" cy="1984457"/>
+          </a:xfrm>
+          <a:prstGeom prst="rect">
+            <a:avLst/>
+          </a:prstGeom>
+          <a:ln>
+            <a:noFill/>
+          </a:ln>
+          <a:effectLst>
+            <a:outerShdw blurRad="292100" dist="139700" dir="2700000" algn="tl" rotWithShape="0">
+              <a:srgbClr val="333333">
+                <a:alpha val="65000"/>
+              </a:srgbClr>
+            </a:outerShdw>
+          </a:effectLst>
+        </p:spPr>
+      </p:pic>
+      <p:pic>
+        <p:nvPicPr>
+          <p:cNvPr id="13" name="Picture 12"/>
+          <p:cNvPicPr>
+            <a:picLocks noChangeAspect="1"/>
+          </p:cNvPicPr>
+          <p:nvPr/>
+        </p:nvPicPr>
+        <p:blipFill>
+          <a:blip r:embed="rId12">
+            <a:extLst>
+              <a:ext uri="{28A0092B-C50C-407E-A947-70E740481C1C}">
+                <a14:useLocalDpi xmlns:a14="http://schemas.microsoft.com/office/drawing/2010/main" val="0"/>
+              </a:ext>
+            </a:extLst>
+          </a:blip>
+          <a:stretch>
+            <a:fillRect/>
+          </a:stretch>
+        </p:blipFill>
+        <p:spPr>
+          <a:xfrm>
+            <a:off x="1464389" y="2806395"/>
+            <a:ext cx="2970201" cy="1984457"/>
+          </a:xfrm>
+          <a:prstGeom prst="rect">
+            <a:avLst/>
+          </a:prstGeom>
+          <a:ln>
+            <a:noFill/>
+          </a:ln>
+          <a:effectLst>
+            <a:outerShdw blurRad="292100" dist="139700" dir="2700000" algn="tl" rotWithShape="0">
+              <a:srgbClr val="333333">
+                <a:alpha val="65000"/>
+              </a:srgbClr>
+            </a:outerShdw>
+          </a:effectLst>
+        </p:spPr>
+      </p:pic>
+    </p:spTree>
+    <p:extLst>
+      <p:ext uri="{BB962C8B-B14F-4D97-AF65-F5344CB8AC3E}">
+        <p14:creationId xmlns:p14="http://schemas.microsoft.com/office/powerpoint/2010/main" val="4058187392"/>
+      </p:ext>
+    </p:extLst>
+  </p:cSld>
+  <p:clrMapOvr>
+    <a:masterClrMapping/>
+  </p:clrMapOvr>
+  <p:timing>
+    <p:tnLst>
+      <p:par>
+        <p:cTn id="1" dur="indefinite" restart="never" nodeType="tmRoot"/>
+      </p:par>
+    </p:tnLst>
+  </p:timing>
+</p:sld>
+</file>
+
+<file path=ppt/slides/slide31.xml><?xml version="1.0" encoding="utf-8"?>
+<p:sld xmlns:a="http://schemas.openxmlformats.org/drawingml/2006/main" xmlns:r="http://schemas.openxmlformats.org/officeDocument/2006/relationships" xmlns:p="http://schemas.openxmlformats.org/presentationml/2006/main">
+  <p:cSld>
+    <p:spTree>
+      <p:nvGrpSpPr>
+        <p:cNvPr id="1" name=""/>
+        <p:cNvGrpSpPr/>
+        <p:nvPr/>
+      </p:nvGrpSpPr>
+      <p:grpSpPr>
+        <a:xfrm>
+          <a:off x="0" y="0"/>
+          <a:ext cx="0" cy="0"/>
+          <a:chOff x="0" y="0"/>
+          <a:chExt cx="0" cy="0"/>
+        </a:xfrm>
+      </p:grpSpPr>
+      <p:sp>
+        <p:nvSpPr>
+          <p:cNvPr id="2" name="Title 1"/>
+          <p:cNvSpPr>
+            <a:spLocks noGrp="1"/>
+          </p:cNvSpPr>
+          <p:nvPr>
+            <p:ph type="title"/>
+          </p:nvPr>
+        </p:nvSpPr>
+        <p:spPr/>
+        <p:txBody>
+          <a:bodyPr/>
+          <a:lstStyle/>
+          <a:p>
+            <a:r>
+              <a:rPr lang="en-US" dirty="0" smtClean="0"/>
+              <a:t>Thank You!</a:t>
+            </a:r>
+            <a:endParaRPr lang="en-US" dirty="0"/>
+          </a:p>
+        </p:txBody>
+      </p:sp>
+      <p:sp>
+        <p:nvSpPr>
+          <p:cNvPr id="4" name="Text Placeholder 4"/>
+          <p:cNvSpPr txBox="1">
+            <a:spLocks/>
+          </p:cNvSpPr>
+          <p:nvPr/>
+        </p:nvSpPr>
+        <p:spPr bwMode="auto">
+          <a:xfrm>
+            <a:off x="1981200" y="1371600"/>
+            <a:ext cx="8229600" cy="4237630"/>
+          </a:xfrm>
+          <a:prstGeom prst="rect">
+            <a:avLst/>
+          </a:prstGeom>
+          <a:noFill/>
+          <a:ln w="9525">
+            <a:noFill/>
+            <a:miter lim="800000"/>
+            <a:headEnd/>
+            <a:tailEnd/>
+          </a:ln>
+        </p:spPr>
+        <p:txBody>
+          <a:bodyPr vert="horz" wrap="square" lIns="96646" tIns="48323" rIns="96646" bIns="48323" numCol="1" anchor="t" anchorCtr="0" compatLnSpc="1">
+            <a:prstTxWarp prst="textNoShape">
+              <a:avLst/>
+            </a:prstTxWarp>
+          </a:bodyPr>
+          <a:lstStyle>
+            <a:lvl1pPr marL="340817" indent="-340817" algn="l" defTabSz="906364" rtl="0" eaLnBrk="1" fontAlgn="base" hangingPunct="1">
+              <a:spcBef>
+                <a:spcPct val="20000"/>
+              </a:spcBef>
+              <a:spcAft>
+                <a:spcPct val="0"/>
+              </a:spcAft>
+              <a:buChar char="•"/>
+              <a:defRPr sz="2719">
+                <a:solidFill>
+                  <a:schemeClr val="tx1"/>
+                </a:solidFill>
+                <a:latin typeface="+mn-lt"/>
+                <a:ea typeface="+mn-ea"/>
+                <a:cs typeface="+mn-cs"/>
+              </a:defRPr>
+            </a:lvl1pPr>
+            <a:lvl2pPr marL="735211" indent="-282773" algn="l" defTabSz="906364" rtl="0" eaLnBrk="1" fontAlgn="base" hangingPunct="1">
+              <a:spcBef>
+                <a:spcPct val="20000"/>
+              </a:spcBef>
+              <a:spcAft>
+                <a:spcPct val="0"/>
+              </a:spcAft>
+              <a:buChar char="–"/>
+              <a:defRPr sz="2438">
+                <a:solidFill>
+                  <a:schemeClr val="tx1"/>
+                </a:solidFill>
+                <a:latin typeface="+mn-lt"/>
+              </a:defRPr>
+            </a:lvl2pPr>
+            <a:lvl3pPr marL="1132583" indent="-226219" algn="l" defTabSz="906364" rtl="0" eaLnBrk="1" fontAlgn="base" hangingPunct="1">
+              <a:spcBef>
+                <a:spcPct val="20000"/>
+              </a:spcBef>
+              <a:spcAft>
+                <a:spcPct val="0"/>
+              </a:spcAft>
+              <a:buChar char="•"/>
+              <a:defRPr sz="1969">
+                <a:solidFill>
+                  <a:schemeClr val="tx1"/>
+                </a:solidFill>
+                <a:latin typeface="+mn-lt"/>
+              </a:defRPr>
+            </a:lvl3pPr>
+            <a:lvl4pPr marL="1583531" indent="-223242" algn="l" defTabSz="906364" rtl="0" eaLnBrk="1" fontAlgn="base" hangingPunct="1">
+              <a:spcBef>
+                <a:spcPct val="20000"/>
+              </a:spcBef>
+              <a:spcAft>
+                <a:spcPct val="0"/>
+              </a:spcAft>
+              <a:buChar char="–"/>
+              <a:defRPr sz="1969">
+                <a:solidFill>
+                  <a:schemeClr val="tx1"/>
+                </a:solidFill>
+                <a:latin typeface="+mn-lt"/>
+              </a:defRPr>
+            </a:lvl4pPr>
+            <a:lvl5pPr marL="2038945" indent="-226219" algn="l" defTabSz="906364" rtl="0" eaLnBrk="1" fontAlgn="base" hangingPunct="1">
+              <a:spcBef>
+                <a:spcPct val="20000"/>
+              </a:spcBef>
+              <a:spcAft>
+                <a:spcPct val="0"/>
+              </a:spcAft>
+              <a:buChar char="»"/>
+              <a:defRPr sz="1969">
+                <a:solidFill>
+                  <a:schemeClr val="tx1"/>
+                </a:solidFill>
+                <a:latin typeface="+mn-lt"/>
+              </a:defRPr>
+            </a:lvl5pPr>
+            <a:lvl6pPr marL="2467570" indent="-226219" algn="l" defTabSz="906364" rtl="0" eaLnBrk="1" fontAlgn="base" hangingPunct="1">
+              <a:spcBef>
+                <a:spcPct val="20000"/>
+              </a:spcBef>
+              <a:spcAft>
+                <a:spcPct val="0"/>
+              </a:spcAft>
+              <a:buChar char="»"/>
+              <a:defRPr sz="1969">
+                <a:solidFill>
+                  <a:schemeClr val="tx1"/>
+                </a:solidFill>
+                <a:latin typeface="+mn-lt"/>
+              </a:defRPr>
+            </a:lvl6pPr>
+            <a:lvl7pPr marL="2896195" indent="-226219" algn="l" defTabSz="906364" rtl="0" eaLnBrk="1" fontAlgn="base" hangingPunct="1">
+              <a:spcBef>
+                <a:spcPct val="20000"/>
+              </a:spcBef>
+              <a:spcAft>
+                <a:spcPct val="0"/>
+              </a:spcAft>
+              <a:buChar char="»"/>
+              <a:defRPr sz="1969">
+                <a:solidFill>
+                  <a:schemeClr val="tx1"/>
+                </a:solidFill>
+                <a:latin typeface="+mn-lt"/>
+              </a:defRPr>
+            </a:lvl7pPr>
+            <a:lvl8pPr marL="3324820" indent="-226219" algn="l" defTabSz="906364" rtl="0" eaLnBrk="1" fontAlgn="base" hangingPunct="1">
+              <a:spcBef>
+                <a:spcPct val="20000"/>
+              </a:spcBef>
+              <a:spcAft>
+                <a:spcPct val="0"/>
+              </a:spcAft>
+              <a:buChar char="»"/>
+              <a:defRPr sz="1969">
+                <a:solidFill>
+                  <a:schemeClr val="tx1"/>
+                </a:solidFill>
+                <a:latin typeface="+mn-lt"/>
+              </a:defRPr>
+            </a:lvl8pPr>
+            <a:lvl9pPr marL="3753445" indent="-226219" algn="l" defTabSz="906364" rtl="0" eaLnBrk="1" fontAlgn="base" hangingPunct="1">
+              <a:spcBef>
+                <a:spcPct val="20000"/>
+              </a:spcBef>
+              <a:spcAft>
+                <a:spcPct val="0"/>
+              </a:spcAft>
+              <a:buChar char="»"/>
+              <a:defRPr sz="1969">
+                <a:solidFill>
+                  <a:schemeClr val="tx1"/>
+                </a:solidFill>
+                <a:latin typeface="+mn-lt"/>
+              </a:defRPr>
+            </a:lvl9pPr>
+          </a:lstStyle>
+          <a:p>
+            <a:r>
+              <a:rPr lang="en-US" sz="2400" kern="0" dirty="0"/>
+              <a:t>github.com/KBurnell/</a:t>
+            </a:r>
+            <a:r>
+              <a:rPr lang="en-US" sz="2400" kern="0" dirty="0" err="1"/>
+              <a:t>GoingNativeWithKendoUIMobile</a:t>
+            </a:r>
+            <a:endParaRPr lang="en-US" sz="2400" kern="0" dirty="0"/>
+          </a:p>
+          <a:p>
+            <a:r>
+              <a:rPr lang="en-US" sz="2400" kern="0" dirty="0"/>
+              <a:t>Rate the session: </a:t>
+            </a:r>
+            <a:r>
+              <a:rPr lang="en-US" sz="2400" kern="0" dirty="0">
+                <a:hlinkClick r:id="rId3"/>
+              </a:rPr>
+              <a:t>http://bit.ly/N9xAjU</a:t>
+            </a:r>
+            <a:endParaRPr lang="en-US" sz="2400" kern="0" dirty="0"/>
+          </a:p>
+          <a:p>
+            <a:r>
+              <a:rPr lang="en-US" sz="2400" kern="0" dirty="0"/>
+              <a:t>Find me:</a:t>
+            </a:r>
+          </a:p>
+          <a:p>
+            <a:pPr lvl="1"/>
+            <a:r>
+              <a:rPr lang="en-US" sz="2119" kern="0" dirty="0"/>
+              <a:t>Twitter: 	@</a:t>
+            </a:r>
+            <a:r>
+              <a:rPr lang="en-US" sz="2119" kern="0" dirty="0" err="1"/>
+              <a:t>KeBurnell</a:t>
+            </a:r>
+            <a:endParaRPr lang="en-US" sz="2119" kern="0" dirty="0"/>
+          </a:p>
+          <a:p>
+            <a:pPr lvl="1"/>
+            <a:r>
+              <a:rPr lang="en-US" sz="2119" kern="0" dirty="0"/>
+              <a:t>Blog: 	DotNetDevDude.com</a:t>
+            </a:r>
+          </a:p>
+          <a:p>
+            <a:pPr lvl="1"/>
+            <a:r>
+              <a:rPr lang="en-US" sz="2119" kern="0" dirty="0"/>
+              <a:t>E-Mail:	KBurnell@SkylineTechnologies.com	</a:t>
+            </a:r>
+          </a:p>
+          <a:p>
+            <a:pPr marL="452438" lvl="1" indent="0">
+              <a:buNone/>
+            </a:pPr>
+            <a:endParaRPr lang="en-US" sz="2400" kern="0" dirty="0"/>
+          </a:p>
+          <a:p>
+            <a:r>
+              <a:rPr lang="en-US" sz="2400" kern="0" dirty="0"/>
+              <a:t>Interested in working for/with an awesome organization?</a:t>
+            </a:r>
+          </a:p>
+          <a:p>
+            <a:pPr lvl="1"/>
+            <a:r>
+              <a:rPr lang="en-US" sz="2119" kern="0" dirty="0"/>
+              <a:t>Talk to me or stop by the Skyline Technologies booth</a:t>
+            </a:r>
+          </a:p>
+        </p:txBody>
+      </p:sp>
+    </p:spTree>
+    <p:extLst>
+      <p:ext uri="{BB962C8B-B14F-4D97-AF65-F5344CB8AC3E}">
+        <p14:creationId xmlns:p14="http://schemas.microsoft.com/office/powerpoint/2010/main" val="2412725352"/>
       </p:ext>
     </p:extLst>
   </p:cSld>
@@ -35027,7 +35475,7 @@
         </p:nvSpPr>
         <p:spPr>
           <a:xfrm>
-            <a:off x="457200" y="1371600"/>
+            <a:off x="1981200" y="1371600"/>
             <a:ext cx="8382000" cy="4495800"/>
           </a:xfrm>
           <a:prstGeom prst="rect">
@@ -35195,7 +35643,7 @@
               <a:buChar char="•"/>
             </a:pPr>
             <a:r>
-              <a:rPr lang="en-US" sz="2400" dirty="0" smtClean="0">
+              <a:rPr lang="en-US" sz="2400" dirty="0">
                 <a:latin typeface="+mn-lt"/>
                 <a:cs typeface="Arial" pitchFamily="34" charset="0"/>
               </a:rPr>
@@ -35208,7 +35656,7 @@
               <a:buChar char="•"/>
             </a:pPr>
             <a:r>
-              <a:rPr lang="en-US" sz="2400" dirty="0" smtClean="0">
+              <a:rPr lang="en-US" sz="2400" dirty="0">
                 <a:latin typeface="+mn-lt"/>
                 <a:cs typeface="Arial" pitchFamily="34" charset="0"/>
               </a:rPr>
@@ -35221,7 +35669,7 @@
               <a:buChar char="•"/>
             </a:pPr>
             <a:r>
-              <a:rPr lang="en-US" sz="2400" dirty="0" smtClean="0">
+              <a:rPr lang="en-US" sz="2400" dirty="0">
                 <a:latin typeface="+mn-lt"/>
                 <a:cs typeface="Arial" pitchFamily="34" charset="0"/>
               </a:rPr>
@@ -35234,7 +35682,7 @@
               <a:buChar char="•"/>
             </a:pPr>
             <a:r>
-              <a:rPr lang="en-US" sz="2000" dirty="0" smtClean="0">
+              <a:rPr lang="en-US" sz="2000" dirty="0">
                 <a:solidFill>
                   <a:schemeClr val="tx1"/>
                 </a:solidFill>
@@ -35250,7 +35698,7 @@
               <a:buChar char="•"/>
             </a:pPr>
             <a:r>
-              <a:rPr lang="en-US" sz="2000" dirty="0" smtClean="0">
+              <a:rPr lang="en-US" sz="2000" dirty="0">
                 <a:solidFill>
                   <a:schemeClr val="tx1"/>
                 </a:solidFill>
@@ -35266,7 +35714,7 @@
               <a:buChar char="•"/>
             </a:pPr>
             <a:r>
-              <a:rPr lang="en-US" sz="2000" dirty="0" smtClean="0">
+              <a:rPr lang="en-US" sz="2000" dirty="0">
                 <a:solidFill>
                   <a:schemeClr val="tx1"/>
                 </a:solidFill>
@@ -35282,7 +35730,7 @@
               <a:buChar char="•"/>
             </a:pPr>
             <a:r>
-              <a:rPr lang="en-US" sz="2000" dirty="0" smtClean="0">
+              <a:rPr lang="en-US" sz="2000" dirty="0">
                 <a:solidFill>
                   <a:schemeClr val="tx1"/>
                 </a:solidFill>
@@ -35294,7 +35742,7 @@
           </a:p>
           <a:p>
             <a:pPr lvl="2"/>
-            <a:endParaRPr lang="en-US" dirty="0" smtClean="0">
+            <a:endParaRPr lang="en-US" dirty="0">
               <a:solidFill>
                 <a:schemeClr val="bg1">
                   <a:lumMod val="75000"/>
@@ -35327,7 +35775,7 @@
         </p:blipFill>
         <p:spPr bwMode="auto">
           <a:xfrm>
-            <a:off x="4856050" y="3643482"/>
+            <a:off x="6380050" y="3643483"/>
             <a:ext cx="1857036" cy="1457773"/>
           </a:xfrm>
           <a:prstGeom prst="rect">
@@ -35368,7 +35816,7 @@
         </p:blipFill>
         <p:spPr bwMode="auto">
           <a:xfrm>
-            <a:off x="4928705" y="3567282"/>
+            <a:off x="6452705" y="3567282"/>
             <a:ext cx="1711726" cy="1711726"/>
           </a:xfrm>
           <a:prstGeom prst="rect">
@@ -35409,7 +35857,7 @@
         </p:blipFill>
         <p:spPr bwMode="auto">
           <a:xfrm>
-            <a:off x="4848090" y="3724444"/>
+            <a:off x="6372090" y="3724445"/>
             <a:ext cx="1872956" cy="1397401"/>
           </a:xfrm>
           <a:prstGeom prst="rect">
@@ -35450,7 +35898,7 @@
         </p:blipFill>
         <p:spPr bwMode="auto">
           <a:xfrm>
-            <a:off x="5008450" y="3619500"/>
+            <a:off x="6532450" y="3619500"/>
             <a:ext cx="1547982" cy="1547982"/>
           </a:xfrm>
           <a:prstGeom prst="rect">
@@ -36503,7 +36951,7 @@
         </p:nvSpPr>
         <p:spPr>
           <a:xfrm>
-            <a:off x="457200" y="1371600"/>
+            <a:off x="1981200" y="1371600"/>
             <a:ext cx="8382000" cy="4495800"/>
           </a:xfrm>
           <a:prstGeom prst="rect">
@@ -36674,13 +37122,7 @@
               <a:rPr lang="en-US" sz="2400" dirty="0">
                 <a:latin typeface="+mn-lt"/>
               </a:rPr>
-              <a:t>Rich UI </a:t>
-            </a:r>
-            <a:r>
-              <a:rPr lang="en-US" sz="2400" dirty="0" smtClean="0">
-                <a:latin typeface="+mn-lt"/>
-              </a:rPr>
-              <a:t>Widgets</a:t>
+              <a:t>Rich UI Widgets</a:t>
             </a:r>
           </a:p>
           <a:p>
@@ -36689,14 +37131,11 @@
               <a:buChar char="•"/>
             </a:pPr>
             <a:r>
-              <a:rPr lang="en-US" sz="2400" dirty="0" smtClean="0">
+              <a:rPr lang="en-US" sz="2400" dirty="0">
                 <a:latin typeface="+mn-lt"/>
               </a:rPr>
               <a:t>Mobile Application Framework</a:t>
             </a:r>
-            <a:endParaRPr lang="en-US" sz="2400" dirty="0">
-              <a:latin typeface="+mn-lt"/>
-            </a:endParaRPr>
           </a:p>
           <a:p>
             <a:pPr marL="342900" indent="-342900">
@@ -36755,13 +37194,7 @@
               <a:rPr lang="en-US" sz="2400" dirty="0">
                 <a:latin typeface="+mn-lt"/>
               </a:rPr>
-              <a:t>Validation </a:t>
-            </a:r>
-            <a:r>
-              <a:rPr lang="en-US" sz="2400" dirty="0" smtClean="0">
-                <a:latin typeface="+mn-lt"/>
-              </a:rPr>
-              <a:t>Framework</a:t>
+              <a:t>Validation Framework</a:t>
             </a:r>
           </a:p>
           <a:p>
@@ -36770,7 +37203,7 @@
               <a:buChar char="•"/>
             </a:pPr>
             <a:r>
-              <a:rPr lang="en-US" sz="2400" dirty="0" smtClean="0">
+              <a:rPr lang="en-US" sz="2400" dirty="0">
                 <a:latin typeface="+mn-lt"/>
               </a:rPr>
               <a:t>Animation &amp; Drag-Drop</a:t>
@@ -37592,7 +38025,7 @@
         </p:nvSpPr>
         <p:spPr>
           <a:xfrm>
-            <a:off x="457200" y="1371600"/>
+            <a:off x="1981200" y="1371600"/>
             <a:ext cx="8382000" cy="4495800"/>
           </a:xfrm>
           <a:prstGeom prst="rect">
@@ -37760,7 +38193,7 @@
               <a:buChar char="•"/>
             </a:pPr>
             <a:r>
-              <a:rPr lang="en-US" sz="2400" dirty="0" smtClean="0">
+              <a:rPr lang="en-US" sz="2400" dirty="0">
                 <a:latin typeface="+mn-lt"/>
               </a:rPr>
               <a:t>All the tools in one package</a:t>
@@ -37772,7 +38205,7 @@
               <a:buChar char="•"/>
             </a:pPr>
             <a:r>
-              <a:rPr lang="en-US" sz="2400" dirty="0" smtClean="0">
+              <a:rPr lang="en-US" sz="2400" dirty="0">
                 <a:latin typeface="+mn-lt"/>
               </a:rPr>
               <a:t>Fast</a:t>
@@ -37784,7 +38217,7 @@
               <a:buChar char="•"/>
             </a:pPr>
             <a:r>
-              <a:rPr lang="en-US" sz="2400" dirty="0" smtClean="0">
+              <a:rPr lang="en-US" sz="2400" dirty="0">
                 <a:latin typeface="+mn-lt"/>
               </a:rPr>
               <a:t>Support</a:t>
@@ -38194,7 +38627,7 @@
         </p:nvSpPr>
         <p:spPr>
           <a:xfrm>
-            <a:off x="266700" y="1371600"/>
+            <a:off x="1790700" y="1371600"/>
             <a:ext cx="7289800" cy="4495800"/>
           </a:xfrm>
           <a:prstGeom prst="rect">
@@ -38361,7 +38794,7 @@
               <a:buFont typeface="Arial" pitchFamily="34" charset="0"/>
               <a:buChar char="•"/>
             </a:pPr>
-            <a:endParaRPr lang="en-US" sz="2400" dirty="0" smtClean="0">
+            <a:endParaRPr lang="en-US" sz="2400" dirty="0">
               <a:latin typeface="+mn-lt"/>
             </a:endParaRPr>
           </a:p>
@@ -38377,7 +38810,7 @@
         </p:nvSpPr>
         <p:spPr>
           <a:xfrm>
-            <a:off x="457200" y="1489524"/>
+            <a:off x="1981200" y="1489524"/>
             <a:ext cx="8229600" cy="5029200"/>
           </a:xfrm>
           <a:prstGeom prst="rect">
@@ -38546,20 +38979,20 @@
               </a:tabLst>
             </a:pPr>
             <a:r>
-              <a:rPr lang="en-US" sz="2400" dirty="0" smtClean="0">
+              <a:rPr lang="en-US" sz="2400" dirty="0">
                 <a:latin typeface="+mn-lt"/>
               </a:rPr>
               <a:t>             7.0 +</a:t>
             </a:r>
           </a:p>
           <a:p>
-            <a:endParaRPr lang="en-US" sz="2400" dirty="0" smtClean="0">
+            <a:endParaRPr lang="en-US" sz="2400" dirty="0">
               <a:latin typeface="+mn-lt"/>
             </a:endParaRPr>
           </a:p>
           <a:p>
             <a:r>
-              <a:rPr lang="en-US" sz="2400" dirty="0" smtClean="0">
+              <a:rPr lang="en-US" sz="2400" dirty="0">
                 <a:latin typeface="+mn-lt"/>
               </a:rPr>
               <a:t>             10.0 +</a:t>
@@ -38567,13 +39000,13 @@
           </a:p>
           <a:p>
             <a:pPr marL="57150"/>
-            <a:endParaRPr lang="en-US" sz="2400" dirty="0" smtClean="0">
+            <a:endParaRPr lang="en-US" sz="2400" dirty="0">
               <a:latin typeface="+mn-lt"/>
             </a:endParaRPr>
           </a:p>
           <a:p>
             <a:r>
-              <a:rPr lang="en-US" sz="2400" dirty="0" smtClean="0">
+              <a:rPr lang="en-US" sz="2400" dirty="0">
                 <a:latin typeface="+mn-lt"/>
               </a:rPr>
               <a:t>              All versions</a:t>
@@ -38581,13 +39014,13 @@
           </a:p>
           <a:p>
             <a:pPr marL="57150"/>
-            <a:endParaRPr lang="en-US" sz="2400" dirty="0" smtClean="0">
+            <a:endParaRPr lang="en-US" sz="2400" dirty="0">
               <a:latin typeface="+mn-lt"/>
             </a:endParaRPr>
           </a:p>
           <a:p>
             <a:r>
-              <a:rPr lang="en-US" sz="2400" dirty="0" smtClean="0">
+              <a:rPr lang="en-US" sz="2400" dirty="0">
                 <a:latin typeface="+mn-lt"/>
               </a:rPr>
               <a:t>              10.0 +</a:t>
@@ -38595,26 +39028,26 @@
           </a:p>
           <a:p>
             <a:pPr marL="57150"/>
-            <a:endParaRPr lang="en-US" sz="2400" dirty="0" smtClean="0">
+            <a:endParaRPr lang="en-US" sz="2400" dirty="0">
               <a:latin typeface="+mn-lt"/>
             </a:endParaRPr>
           </a:p>
           <a:p>
             <a:pPr defTabSz="60325"/>
             <a:r>
-              <a:rPr lang="en-US" sz="2400" dirty="0" smtClean="0">
+              <a:rPr lang="en-US" sz="2400" dirty="0">
                 <a:latin typeface="+mn-lt"/>
               </a:rPr>
               <a:t>             			4.0 +</a:t>
             </a:r>
           </a:p>
           <a:p>
-            <a:endParaRPr lang="en-US" sz="2400" dirty="0" smtClean="0">
+            <a:endParaRPr lang="en-US" sz="2400" dirty="0">
               <a:latin typeface="+mn-lt"/>
             </a:endParaRPr>
           </a:p>
           <a:p>
-            <a:endParaRPr lang="en-US" sz="2400" dirty="0" smtClean="0">
+            <a:endParaRPr lang="en-US" sz="2400" dirty="0">
               <a:latin typeface="+mn-lt"/>
             </a:endParaRPr>
           </a:p>
@@ -38643,7 +39076,7 @@
         </p:blipFill>
         <p:spPr bwMode="auto">
           <a:xfrm>
-            <a:off x="781969" y="1337124"/>
+            <a:off x="2305969" y="1337124"/>
             <a:ext cx="685800" cy="685800"/>
           </a:xfrm>
           <a:prstGeom prst="rect">
@@ -38707,7 +39140,7 @@
         </p:blipFill>
         <p:spPr bwMode="auto">
           <a:xfrm>
-            <a:off x="814552" y="2289978"/>
+            <a:off x="2338552" y="2289978"/>
             <a:ext cx="685800" cy="685800"/>
           </a:xfrm>
           <a:prstGeom prst="rect">
@@ -38771,7 +39204,7 @@
         </p:blipFill>
         <p:spPr bwMode="auto">
           <a:xfrm>
-            <a:off x="804829" y="3175344"/>
+            <a:off x="2328829" y="3175344"/>
             <a:ext cx="707522" cy="685800"/>
           </a:xfrm>
           <a:prstGeom prst="rect">
@@ -38835,7 +39268,7 @@
         </p:blipFill>
         <p:spPr bwMode="auto">
           <a:xfrm>
-            <a:off x="815340" y="4011465"/>
+            <a:off x="2339340" y="4011465"/>
             <a:ext cx="685800" cy="685800"/>
           </a:xfrm>
           <a:prstGeom prst="rect">
@@ -38876,7 +39309,7 @@
         </p:blipFill>
         <p:spPr bwMode="auto">
           <a:xfrm>
-            <a:off x="804829" y="4914506"/>
+            <a:off x="2328829" y="4914506"/>
             <a:ext cx="685800" cy="685800"/>
           </a:xfrm>
           <a:prstGeom prst="rect">
@@ -39118,7 +39551,7 @@
         </p:nvSpPr>
         <p:spPr>
           <a:xfrm>
-            <a:off x="457200" y="1371600"/>
+            <a:off x="1981200" y="1371600"/>
             <a:ext cx="8382000" cy="4495800"/>
           </a:xfrm>
           <a:prstGeom prst="rect">
@@ -40093,7 +40526,7 @@
         </p:nvSpPr>
         <p:spPr>
           <a:xfrm>
-            <a:off x="457200" y="1371600"/>
+            <a:off x="1981200" y="1371600"/>
             <a:ext cx="8382000" cy="4495800"/>
           </a:xfrm>
           <a:prstGeom prst="rect">
@@ -40261,14 +40694,11 @@
               <a:buChar char="•"/>
             </a:pPr>
             <a:r>
-              <a:rPr lang="en-US" sz="2400" dirty="0" smtClean="0">
+              <a:rPr lang="en-US" sz="2400" dirty="0">
                 <a:latin typeface="+mn-lt"/>
               </a:rPr>
               <a:t>Mobile development toolset</a:t>
             </a:r>
-            <a:endParaRPr lang="en-US" sz="2400" dirty="0">
-              <a:latin typeface="+mn-lt"/>
-            </a:endParaRPr>
           </a:p>
           <a:p>
             <a:pPr marL="457200" indent="-457200">
@@ -40276,14 +40706,11 @@
               <a:buChar char="•"/>
             </a:pPr>
             <a:r>
-              <a:rPr lang="en-US" sz="2400" dirty="0" smtClean="0">
+              <a:rPr lang="en-US" sz="2400" dirty="0">
                 <a:latin typeface="+mn-lt"/>
               </a:rPr>
               <a:t>HTML5 powered (data-”dash”)</a:t>
             </a:r>
-            <a:endParaRPr lang="en-US" sz="2400" dirty="0">
-              <a:latin typeface="+mn-lt"/>
-            </a:endParaRPr>
           </a:p>
           <a:p>
             <a:pPr marL="457200" indent="-457200">
@@ -40291,14 +40718,11 @@
               <a:buChar char="•"/>
             </a:pPr>
             <a:r>
-              <a:rPr lang="en-US" sz="2400" dirty="0" smtClean="0">
+              <a:rPr lang="en-US" sz="2400" dirty="0">
                 <a:latin typeface="+mn-lt"/>
               </a:rPr>
               <a:t>Native look, feel, and user experience</a:t>
             </a:r>
-            <a:endParaRPr lang="en-US" sz="2400" dirty="0">
-              <a:latin typeface="+mn-lt"/>
-            </a:endParaRPr>
           </a:p>
           <a:p>
             <a:pPr marL="457200" indent="-457200">
@@ -40306,10 +40730,7 @@
               <a:buChar char="•"/>
             </a:pPr>
             <a:r>
-              <a:rPr lang="en-US" sz="2400" dirty="0" smtClean="0">
-                <a:solidFill>
-                  <a:schemeClr val="tx1"/>
-                </a:solidFill>
+              <a:rPr lang="en-US" sz="2400" dirty="0">
                 <a:latin typeface="+mn-lt"/>
               </a:rPr>
               <a:t>Kinetic scrolling</a:t>
@@ -40321,20 +40742,11 @@
               <a:buChar char="•"/>
             </a:pPr>
             <a:r>
-              <a:rPr lang="en-US" sz="2400" dirty="0" smtClean="0">
-                <a:solidFill>
-                  <a:schemeClr val="tx1"/>
-                </a:solidFill>
+              <a:rPr lang="en-US" sz="2400" dirty="0">
                 <a:latin typeface="+mn-lt"/>
               </a:rPr>
               <a:t>Automatic layout system</a:t>
             </a:r>
-            <a:endParaRPr lang="en-US" sz="2400" dirty="0">
-              <a:solidFill>
-                <a:schemeClr val="tx1"/>
-              </a:solidFill>
-              <a:latin typeface="+mn-lt"/>
-            </a:endParaRPr>
           </a:p>
           <a:p>
             <a:pPr marL="457200" indent="-457200">
@@ -40342,10 +40754,7 @@
               <a:buChar char="•"/>
             </a:pPr>
             <a:r>
-              <a:rPr lang="en-US" sz="2400" dirty="0" smtClean="0">
-                <a:solidFill>
-                  <a:schemeClr val="tx1"/>
-                </a:solidFill>
+              <a:rPr lang="en-US" sz="2400" dirty="0">
                 <a:latin typeface="+mn-lt"/>
               </a:rPr>
               <a:t>Application framework</a:t>
@@ -40357,17 +40766,11 @@
               <a:buChar char="•"/>
             </a:pPr>
             <a:r>
-              <a:rPr lang="en-US" sz="2400" dirty="0" smtClean="0">
+              <a:rPr lang="en-US" sz="2400" dirty="0">
                 <a:latin typeface="+mn-lt"/>
               </a:rPr>
               <a:t>Phone and tablet widgets</a:t>
             </a:r>
-            <a:endParaRPr lang="en-US" sz="2400" dirty="0">
-              <a:solidFill>
-                <a:schemeClr val="tx1"/>
-              </a:solidFill>
-              <a:latin typeface="+mn-lt"/>
-            </a:endParaRPr>
           </a:p>
           <a:p>
             <a:pPr marL="457200" indent="-457200">

--- a/GoingNativeWithKendoUIMobile.pptx
+++ b/GoingNativeWithKendoUIMobile.pptx
@@ -5,7 +5,7 @@
     <p:sldMasterId id="2147483696" r:id="rId1"/>
   </p:sldMasterIdLst>
   <p:notesMasterIdLst>
-    <p:notesMasterId r:id="rId33"/>
+    <p:notesMasterId r:id="rId32"/>
   </p:notesMasterIdLst>
   <p:sldIdLst>
     <p:sldId id="256" r:id="rId2"/>
@@ -37,8 +37,7 @@
     <p:sldId id="282" r:id="rId28"/>
     <p:sldId id="283" r:id="rId29"/>
     <p:sldId id="284" r:id="rId30"/>
-    <p:sldId id="286" r:id="rId31"/>
-    <p:sldId id="285" r:id="rId32"/>
+    <p:sldId id="285" r:id="rId31"/>
   </p:sldIdLst>
   <p:sldSz cx="12192000" cy="6858000"/>
   <p:notesSz cx="6858000" cy="9144000"/>
@@ -230,7 +229,7 @@
           <a:p>
             <a:fld id="{D39C16E0-0246-47C1-91A7-ED3E8784215F}" type="datetimeFigureOut">
               <a:rPr lang="en-US" smtClean="0"/>
-              <a:t>8/9/2012</a:t>
+              <a:t>8/20/2012</a:t>
             </a:fld>
             <a:endParaRPr lang="en-US"/>
           </a:p>
@@ -10329,90 +10328,6 @@
             <p:ph type="sldImg"/>
           </p:nvPr>
         </p:nvSpPr>
-        <p:spPr/>
-      </p:sp>
-      <p:sp>
-        <p:nvSpPr>
-          <p:cNvPr id="3" name="Notes Placeholder 2"/>
-          <p:cNvSpPr>
-            <a:spLocks noGrp="1"/>
-          </p:cNvSpPr>
-          <p:nvPr>
-            <p:ph type="body" idx="1"/>
-          </p:nvPr>
-        </p:nvSpPr>
-        <p:spPr/>
-        <p:txBody>
-          <a:bodyPr/>
-          <a:lstStyle/>
-          <a:p>
-            <a:endParaRPr lang="en-US" dirty="0"/>
-          </a:p>
-        </p:txBody>
-      </p:sp>
-      <p:sp>
-        <p:nvSpPr>
-          <p:cNvPr id="4" name="Slide Number Placeholder 3"/>
-          <p:cNvSpPr>
-            <a:spLocks noGrp="1"/>
-          </p:cNvSpPr>
-          <p:nvPr>
-            <p:ph type="sldNum" sz="quarter" idx="10"/>
-          </p:nvPr>
-        </p:nvSpPr>
-        <p:spPr/>
-        <p:txBody>
-          <a:bodyPr/>
-          <a:lstStyle/>
-          <a:p>
-            <a:fld id="{5FE99B72-F90B-46A1-B761-268CB2290A8C}" type="slidenum">
-              <a:rPr lang="en-US" smtClean="0"/>
-              <a:t>30</a:t>
-            </a:fld>
-            <a:endParaRPr lang="en-US"/>
-          </a:p>
-        </p:txBody>
-      </p:sp>
-    </p:spTree>
-    <p:extLst>
-      <p:ext uri="{BB962C8B-B14F-4D97-AF65-F5344CB8AC3E}">
-        <p14:creationId xmlns:p14="http://schemas.microsoft.com/office/powerpoint/2010/main" val="3817577194"/>
-      </p:ext>
-    </p:extLst>
-  </p:cSld>
-  <p:clrMapOvr>
-    <a:masterClrMapping/>
-  </p:clrMapOvr>
-</p:notes>
-</file>
-
-<file path=ppt/notesSlides/notesSlide29.xml><?xml version="1.0" encoding="utf-8"?>
-<p:notes xmlns:a="http://schemas.openxmlformats.org/drawingml/2006/main" xmlns:r="http://schemas.openxmlformats.org/officeDocument/2006/relationships" xmlns:p="http://schemas.openxmlformats.org/presentationml/2006/main">
-  <p:cSld>
-    <p:spTree>
-      <p:nvGrpSpPr>
-        <p:cNvPr id="1" name=""/>
-        <p:cNvGrpSpPr/>
-        <p:nvPr/>
-      </p:nvGrpSpPr>
-      <p:grpSpPr>
-        <a:xfrm>
-          <a:off x="0" y="0"/>
-          <a:ext cx="0" cy="0"/>
-          <a:chOff x="0" y="0"/>
-          <a:chExt cx="0" cy="0"/>
-        </a:xfrm>
-      </p:grpSpPr>
-      <p:sp>
-        <p:nvSpPr>
-          <p:cNvPr id="2" name="Slide Image Placeholder 1"/>
-          <p:cNvSpPr>
-            <a:spLocks noGrp="1" noRot="1" noChangeAspect="1"/>
-          </p:cNvSpPr>
-          <p:nvPr>
-            <p:ph type="sldImg"/>
-          </p:nvPr>
-        </p:nvSpPr>
         <p:spPr>
           <a:xfrm>
             <a:off x="685800" y="1143000"/>
@@ -10692,7 +10607,7 @@
           <a:p>
             <a:fld id="{5FE99B72-F90B-46A1-B761-268CB2290A8C}" type="slidenum">
               <a:rPr lang="en-US" smtClean="0"/>
-              <a:t>31</a:t>
+              <a:t>30</a:t>
             </a:fld>
             <a:endParaRPr lang="en-US"/>
           </a:p>
@@ -14855,7 +14770,6 @@
               <a:rPr lang="en-US" noProof="0" smtClean="0"/>
               <a:t>Click icon to add picture</a:t>
             </a:r>
-            <a:endParaRPr lang="en-US" noProof="0" smtClean="0"/>
           </a:p>
         </p:txBody>
       </p:sp>
@@ -15038,7 +14952,6 @@
               <a:rPr lang="en-US" smtClean="0"/>
               <a:t>Click to edit Master title style</a:t>
             </a:r>
-            <a:endParaRPr lang="en-US" smtClean="0"/>
           </a:p>
         </p:txBody>
       </p:sp>
@@ -15109,7 +15022,6 @@
               <a:rPr lang="en-US" smtClean="0"/>
               <a:t>Fifth level</a:t>
             </a:r>
-            <a:endParaRPr lang="en-US" smtClean="0"/>
           </a:p>
         </p:txBody>
       </p:sp>
@@ -34655,471 +34567,6 @@
 </file>
 
 <file path=ppt/slides/slide30.xml><?xml version="1.0" encoding="utf-8"?>
-<p:sld xmlns:a="http://schemas.openxmlformats.org/drawingml/2006/main" xmlns:r="http://schemas.openxmlformats.org/officeDocument/2006/relationships" xmlns:p="http://schemas.openxmlformats.org/presentationml/2006/main">
-  <p:cSld>
-    <p:spTree>
-      <p:nvGrpSpPr>
-        <p:cNvPr id="1" name=""/>
-        <p:cNvGrpSpPr/>
-        <p:nvPr/>
-      </p:nvGrpSpPr>
-      <p:grpSpPr>
-        <a:xfrm>
-          <a:off x="0" y="0"/>
-          <a:ext cx="0" cy="0"/>
-          <a:chOff x="0" y="0"/>
-          <a:chExt cx="0" cy="0"/>
-        </a:xfrm>
-      </p:grpSpPr>
-      <p:sp>
-        <p:nvSpPr>
-          <p:cNvPr id="2" name="Title 1"/>
-          <p:cNvSpPr>
-            <a:spLocks noGrp="1"/>
-          </p:cNvSpPr>
-          <p:nvPr>
-            <p:ph type="title"/>
-          </p:nvPr>
-        </p:nvSpPr>
-        <p:spPr/>
-        <p:txBody>
-          <a:bodyPr/>
-          <a:lstStyle/>
-          <a:p>
-            <a:endParaRPr lang="en-US"/>
-          </a:p>
-        </p:txBody>
-      </p:sp>
-      <p:sp>
-        <p:nvSpPr>
-          <p:cNvPr id="3" name="Content Placeholder 2"/>
-          <p:cNvSpPr>
-            <a:spLocks noGrp="1"/>
-          </p:cNvSpPr>
-          <p:nvPr>
-            <p:ph idx="1"/>
-          </p:nvPr>
-        </p:nvSpPr>
-        <p:spPr/>
-        <p:txBody>
-          <a:bodyPr/>
-          <a:lstStyle/>
-          <a:p>
-            <a:endParaRPr lang="en-US"/>
-          </a:p>
-        </p:txBody>
-      </p:sp>
-      <p:pic>
-        <p:nvPicPr>
-          <p:cNvPr id="4" name="Picture 3"/>
-          <p:cNvPicPr>
-            <a:picLocks noChangeAspect="1"/>
-          </p:cNvPicPr>
-          <p:nvPr/>
-        </p:nvPicPr>
-        <p:blipFill>
-          <a:blip r:embed="rId3">
-            <a:extLst>
-              <a:ext uri="{28A0092B-C50C-407E-A947-70E740481C1C}">
-                <a14:useLocalDpi xmlns:a14="http://schemas.microsoft.com/office/drawing/2010/main" val="0"/>
-              </a:ext>
-            </a:extLst>
-          </a:blip>
-          <a:stretch>
-            <a:fillRect/>
-          </a:stretch>
-        </p:blipFill>
-        <p:spPr>
-          <a:xfrm>
-            <a:off x="792" y="447"/>
-            <a:ext cx="12190415" cy="6857107"/>
-          </a:xfrm>
-          <a:prstGeom prst="rect">
-            <a:avLst/>
-          </a:prstGeom>
-        </p:spPr>
-      </p:pic>
-      <p:pic>
-        <p:nvPicPr>
-          <p:cNvPr id="5" name="Picture 4"/>
-          <p:cNvPicPr>
-            <a:picLocks noChangeAspect="1"/>
-          </p:cNvPicPr>
-          <p:nvPr/>
-        </p:nvPicPr>
-        <p:blipFill>
-          <a:blip r:embed="rId4">
-            <a:extLst>
-              <a:ext uri="{28A0092B-C50C-407E-A947-70E740481C1C}">
-                <a14:useLocalDpi xmlns:a14="http://schemas.microsoft.com/office/drawing/2010/main" val="0"/>
-              </a:ext>
-            </a:extLst>
-          </a:blip>
-          <a:stretch>
-            <a:fillRect/>
-          </a:stretch>
-        </p:blipFill>
-        <p:spPr>
-          <a:xfrm>
-            <a:off x="1464390" y="666611"/>
-            <a:ext cx="2970201" cy="1984457"/>
-          </a:xfrm>
-          <a:prstGeom prst="rect">
-            <a:avLst/>
-          </a:prstGeom>
-          <a:ln>
-            <a:noFill/>
-          </a:ln>
-          <a:effectLst>
-            <a:outerShdw blurRad="292100" dist="139700" dir="2700000" algn="tl" rotWithShape="0">
-              <a:srgbClr val="333333">
-                <a:alpha val="65000"/>
-              </a:srgbClr>
-            </a:outerShdw>
-          </a:effectLst>
-        </p:spPr>
-      </p:pic>
-      <p:pic>
-        <p:nvPicPr>
-          <p:cNvPr id="6" name="Picture 5"/>
-          <p:cNvPicPr>
-            <a:picLocks noChangeAspect="1"/>
-          </p:cNvPicPr>
-          <p:nvPr/>
-        </p:nvPicPr>
-        <p:blipFill>
-          <a:blip r:embed="rId5">
-            <a:extLst>
-              <a:ext uri="{28A0092B-C50C-407E-A947-70E740481C1C}">
-                <a14:useLocalDpi xmlns:a14="http://schemas.microsoft.com/office/drawing/2010/main" val="0"/>
-              </a:ext>
-            </a:extLst>
-          </a:blip>
-          <a:stretch>
-            <a:fillRect/>
-          </a:stretch>
-        </p:blipFill>
-        <p:spPr>
-          <a:xfrm>
-            <a:off x="7753705" y="666611"/>
-            <a:ext cx="2970201" cy="1984457"/>
-          </a:xfrm>
-          <a:prstGeom prst="rect">
-            <a:avLst/>
-          </a:prstGeom>
-          <a:ln>
-            <a:noFill/>
-          </a:ln>
-          <a:effectLst>
-            <a:outerShdw blurRad="292100" dist="139700" dir="2700000" algn="tl" rotWithShape="0">
-              <a:srgbClr val="333333">
-                <a:alpha val="65000"/>
-              </a:srgbClr>
-            </a:outerShdw>
-          </a:effectLst>
-        </p:spPr>
-      </p:pic>
-      <p:pic>
-        <p:nvPicPr>
-          <p:cNvPr id="7" name="Picture 6"/>
-          <p:cNvPicPr>
-            <a:picLocks noChangeAspect="1"/>
-          </p:cNvPicPr>
-          <p:nvPr/>
-        </p:nvPicPr>
-        <p:blipFill>
-          <a:blip r:embed="rId6">
-            <a:extLst>
-              <a:ext uri="{28A0092B-C50C-407E-A947-70E740481C1C}">
-                <a14:useLocalDpi xmlns:a14="http://schemas.microsoft.com/office/drawing/2010/main" val="0"/>
-              </a:ext>
-            </a:extLst>
-          </a:blip>
-          <a:stretch>
-            <a:fillRect/>
-          </a:stretch>
-        </p:blipFill>
-        <p:spPr>
-          <a:xfrm>
-            <a:off x="4609048" y="666611"/>
-            <a:ext cx="2970201" cy="1984457"/>
-          </a:xfrm>
-          <a:prstGeom prst="rect">
-            <a:avLst/>
-          </a:prstGeom>
-          <a:ln>
-            <a:noFill/>
-          </a:ln>
-          <a:effectLst>
-            <a:outerShdw blurRad="292100" dist="139700" dir="2700000" algn="tl" rotWithShape="0">
-              <a:srgbClr val="333333">
-                <a:alpha val="65000"/>
-              </a:srgbClr>
-            </a:outerShdw>
-          </a:effectLst>
-        </p:spPr>
-      </p:pic>
-      <p:pic>
-        <p:nvPicPr>
-          <p:cNvPr id="8" name="Picture 7"/>
-          <p:cNvPicPr>
-            <a:picLocks noChangeAspect="1"/>
-          </p:cNvPicPr>
-          <p:nvPr/>
-        </p:nvPicPr>
-        <p:blipFill>
-          <a:blip r:embed="rId7">
-            <a:extLst>
-              <a:ext uri="{28A0092B-C50C-407E-A947-70E740481C1C}">
-                <a14:useLocalDpi xmlns:a14="http://schemas.microsoft.com/office/drawing/2010/main" val="0"/>
-              </a:ext>
-            </a:extLst>
-          </a:blip>
-          <a:stretch>
-            <a:fillRect/>
-          </a:stretch>
-        </p:blipFill>
-        <p:spPr>
-          <a:xfrm>
-            <a:off x="2778990" y="5111012"/>
-            <a:ext cx="1963674" cy="1309116"/>
-          </a:xfrm>
-          <a:prstGeom prst="rect">
-            <a:avLst/>
-          </a:prstGeom>
-          <a:ln>
-            <a:noFill/>
-          </a:ln>
-          <a:effectLst>
-            <a:outerShdw blurRad="292100" dist="139700" dir="2700000" algn="tl" rotWithShape="0">
-              <a:srgbClr val="333333">
-                <a:alpha val="65000"/>
-              </a:srgbClr>
-            </a:outerShdw>
-          </a:effectLst>
-        </p:spPr>
-      </p:pic>
-      <p:pic>
-        <p:nvPicPr>
-          <p:cNvPr id="9" name="Picture 8"/>
-          <p:cNvPicPr>
-            <a:picLocks noChangeAspect="1"/>
-          </p:cNvPicPr>
-          <p:nvPr/>
-        </p:nvPicPr>
-        <p:blipFill>
-          <a:blip r:embed="rId8">
-            <a:extLst>
-              <a:ext uri="{28A0092B-C50C-407E-A947-70E740481C1C}">
-                <a14:useLocalDpi xmlns:a14="http://schemas.microsoft.com/office/drawing/2010/main" val="0"/>
-              </a:ext>
-            </a:extLst>
-          </a:blip>
-          <a:stretch>
-            <a:fillRect/>
-          </a:stretch>
-        </p:blipFill>
-        <p:spPr>
-          <a:xfrm>
-            <a:off x="5123167" y="5111012"/>
-            <a:ext cx="1963674" cy="1309116"/>
-          </a:xfrm>
-          <a:prstGeom prst="rect">
-            <a:avLst/>
-          </a:prstGeom>
-          <a:ln>
-            <a:noFill/>
-          </a:ln>
-          <a:effectLst>
-            <a:outerShdw blurRad="292100" dist="139700" dir="2700000" algn="tl" rotWithShape="0">
-              <a:srgbClr val="333333">
-                <a:alpha val="65000"/>
-              </a:srgbClr>
-            </a:outerShdw>
-          </a:effectLst>
-        </p:spPr>
-      </p:pic>
-      <p:pic>
-        <p:nvPicPr>
-          <p:cNvPr id="10" name="Picture 9"/>
-          <p:cNvPicPr>
-            <a:picLocks noChangeAspect="1"/>
-          </p:cNvPicPr>
-          <p:nvPr/>
-        </p:nvPicPr>
-        <p:blipFill>
-          <a:blip r:embed="rId9">
-            <a:extLst>
-              <a:ext uri="{28A0092B-C50C-407E-A947-70E740481C1C}">
-                <a14:useLocalDpi xmlns:a14="http://schemas.microsoft.com/office/drawing/2010/main" val="0"/>
-              </a:ext>
-            </a:extLst>
-          </a:blip>
-          <a:stretch>
-            <a:fillRect/>
-          </a:stretch>
-        </p:blipFill>
-        <p:spPr>
-          <a:xfrm>
-            <a:off x="7467344" y="5111012"/>
-            <a:ext cx="1963674" cy="1309116"/>
-          </a:xfrm>
-          <a:prstGeom prst="rect">
-            <a:avLst/>
-          </a:prstGeom>
-          <a:ln>
-            <a:noFill/>
-          </a:ln>
-          <a:effectLst>
-            <a:outerShdw blurRad="292100" dist="139700" dir="2700000" algn="tl" rotWithShape="0">
-              <a:srgbClr val="333333">
-                <a:alpha val="65000"/>
-              </a:srgbClr>
-            </a:outerShdw>
-          </a:effectLst>
-        </p:spPr>
-      </p:pic>
-      <p:pic>
-        <p:nvPicPr>
-          <p:cNvPr id="11" name="Picture 10"/>
-          <p:cNvPicPr>
-            <a:picLocks noChangeAspect="1"/>
-          </p:cNvPicPr>
-          <p:nvPr/>
-        </p:nvPicPr>
-        <p:blipFill>
-          <a:blip r:embed="rId10">
-            <a:extLst>
-              <a:ext uri="{28A0092B-C50C-407E-A947-70E740481C1C}">
-                <a14:useLocalDpi xmlns:a14="http://schemas.microsoft.com/office/drawing/2010/main" val="0"/>
-              </a:ext>
-            </a:extLst>
-          </a:blip>
-          <a:stretch>
-            <a:fillRect/>
-          </a:stretch>
-        </p:blipFill>
-        <p:spPr>
-          <a:xfrm>
-            <a:off x="4609048" y="2806395"/>
-            <a:ext cx="2970201" cy="1984457"/>
-          </a:xfrm>
-          <a:prstGeom prst="rect">
-            <a:avLst/>
-          </a:prstGeom>
-          <a:ln>
-            <a:noFill/>
-          </a:ln>
-          <a:effectLst>
-            <a:outerShdw blurRad="292100" dist="139700" dir="2700000" algn="tl" rotWithShape="0">
-              <a:srgbClr val="333333">
-                <a:alpha val="65000"/>
-              </a:srgbClr>
-            </a:outerShdw>
-          </a:effectLst>
-        </p:spPr>
-      </p:pic>
-      <p:pic>
-        <p:nvPicPr>
-          <p:cNvPr id="12" name="Picture 11"/>
-          <p:cNvPicPr>
-            <a:picLocks noChangeAspect="1"/>
-          </p:cNvPicPr>
-          <p:nvPr/>
-        </p:nvPicPr>
-        <p:blipFill>
-          <a:blip r:embed="rId11">
-            <a:extLst>
-              <a:ext uri="{28A0092B-C50C-407E-A947-70E740481C1C}">
-                <a14:useLocalDpi xmlns:a14="http://schemas.microsoft.com/office/drawing/2010/main" val="0"/>
-              </a:ext>
-            </a:extLst>
-          </a:blip>
-          <a:stretch>
-            <a:fillRect/>
-          </a:stretch>
-        </p:blipFill>
-        <p:spPr>
-          <a:xfrm>
-            <a:off x="7753706" y="2806395"/>
-            <a:ext cx="2970201" cy="1984457"/>
-          </a:xfrm>
-          <a:prstGeom prst="rect">
-            <a:avLst/>
-          </a:prstGeom>
-          <a:ln>
-            <a:noFill/>
-          </a:ln>
-          <a:effectLst>
-            <a:outerShdw blurRad="292100" dist="139700" dir="2700000" algn="tl" rotWithShape="0">
-              <a:srgbClr val="333333">
-                <a:alpha val="65000"/>
-              </a:srgbClr>
-            </a:outerShdw>
-          </a:effectLst>
-        </p:spPr>
-      </p:pic>
-      <p:pic>
-        <p:nvPicPr>
-          <p:cNvPr id="13" name="Picture 12"/>
-          <p:cNvPicPr>
-            <a:picLocks noChangeAspect="1"/>
-          </p:cNvPicPr>
-          <p:nvPr/>
-        </p:nvPicPr>
-        <p:blipFill>
-          <a:blip r:embed="rId12">
-            <a:extLst>
-              <a:ext uri="{28A0092B-C50C-407E-A947-70E740481C1C}">
-                <a14:useLocalDpi xmlns:a14="http://schemas.microsoft.com/office/drawing/2010/main" val="0"/>
-              </a:ext>
-            </a:extLst>
-          </a:blip>
-          <a:stretch>
-            <a:fillRect/>
-          </a:stretch>
-        </p:blipFill>
-        <p:spPr>
-          <a:xfrm>
-            <a:off x="1464389" y="2806395"/>
-            <a:ext cx="2970201" cy="1984457"/>
-          </a:xfrm>
-          <a:prstGeom prst="rect">
-            <a:avLst/>
-          </a:prstGeom>
-          <a:ln>
-            <a:noFill/>
-          </a:ln>
-          <a:effectLst>
-            <a:outerShdw blurRad="292100" dist="139700" dir="2700000" algn="tl" rotWithShape="0">
-              <a:srgbClr val="333333">
-                <a:alpha val="65000"/>
-              </a:srgbClr>
-            </a:outerShdw>
-          </a:effectLst>
-        </p:spPr>
-      </p:pic>
-    </p:spTree>
-    <p:extLst>
-      <p:ext uri="{BB962C8B-B14F-4D97-AF65-F5344CB8AC3E}">
-        <p14:creationId xmlns:p14="http://schemas.microsoft.com/office/powerpoint/2010/main" val="4058187392"/>
-      </p:ext>
-    </p:extLst>
-  </p:cSld>
-  <p:clrMapOvr>
-    <a:masterClrMapping/>
-  </p:clrMapOvr>
-  <p:timing>
-    <p:tnLst>
-      <p:par>
-        <p:cTn id="1" dur="indefinite" restart="never" nodeType="tmRoot"/>
-      </p:par>
-    </p:tnLst>
-  </p:timing>
-</p:sld>
-</file>
-
-<file path=ppt/slides/slide31.xml><?xml version="1.0" encoding="utf-8"?>
 <p:sld xmlns:a="http://schemas.openxmlformats.org/drawingml/2006/main" xmlns:r="http://schemas.openxmlformats.org/officeDocument/2006/relationships" xmlns:p="http://schemas.openxmlformats.org/presentationml/2006/main">
   <p:cSld>
     <p:spTree>

--- a/GoingNativeWithKendoUIMobile.pptx
+++ b/GoingNativeWithKendoUIMobile.pptx
@@ -2,7 +2,7 @@
 <file path=ppt/presentation.xml><?xml version="1.0" encoding="utf-8"?>
 <p:presentation xmlns:a="http://schemas.openxmlformats.org/drawingml/2006/main" xmlns:r="http://schemas.openxmlformats.org/officeDocument/2006/relationships" xmlns:p="http://schemas.openxmlformats.org/presentationml/2006/main" saveSubsetFonts="1">
   <p:sldMasterIdLst>
-    <p:sldMasterId id="2147483756" r:id="rId1"/>
+    <p:sldMasterId id="2147483780" r:id="rId1"/>
   </p:sldMasterIdLst>
   <p:notesMasterIdLst>
     <p:notesMasterId r:id="rId32"/>
@@ -229,7 +229,7 @@
           <a:p>
             <a:fld id="{D39C16E0-0246-47C1-91A7-ED3E8784215F}" type="datetimeFigureOut">
               <a:rPr lang="en-US" smtClean="0"/>
-              <a:t>8/21/2012</a:t>
+              <a:t>8/29/2012</a:t>
             </a:fld>
             <a:endParaRPr lang="en-US"/>
           </a:p>
@@ -15379,26 +15379,18 @@
             </a:br>
             <a:r>
               <a:rPr lang="en-US" sz="1400" dirty="0" smtClean="0"/>
-              <a:t>Senior </a:t>
-            </a:r>
-            <a:r>
-              <a:rPr lang="en-US" sz="1400" dirty="0" err="1" smtClean="0"/>
-              <a:t>Sofware</a:t>
-            </a:r>
-            <a:r>
-              <a:rPr lang="en-US" sz="1400" dirty="0" smtClean="0"/>
-              <a:t> Engineer</a:t>
+              <a:t>Senior Software Engineer</a:t>
             </a:r>
             <a:br>
               <a:rPr lang="en-US" sz="1400" dirty="0" smtClean="0"/>
             </a:br>
             <a:r>
               <a:rPr lang="en-US" sz="1400" dirty="0" smtClean="0"/>
-              <a:t>Skyline Technologies, </a:t>
-            </a:r>
-            <a:r>
-              <a:rPr lang="en-US" sz="1400" dirty="0" err="1" smtClean="0"/>
-              <a:t>Inc</a:t>
+              <a:t>Skyline Technologies</a:t>
+            </a:r>
+            <a:r>
+              <a:rPr lang="en-US" sz="1400" smtClean="0"/>
+              <a:t>, Inc.</a:t>
             </a:r>
             <a:endParaRPr lang="en-US" sz="1400" dirty="0" smtClean="0"/>
           </a:p>
@@ -15456,7 +15448,7 @@
     </p:spTree>
     <p:extLst>
       <p:ext uri="{BB962C8B-B14F-4D97-AF65-F5344CB8AC3E}">
-        <p14:creationId xmlns:p14="http://schemas.microsoft.com/office/powerpoint/2010/main" val="3480604219"/>
+        <p14:creationId xmlns:p14="http://schemas.microsoft.com/office/powerpoint/2010/main" val="715943257"/>
       </p:ext>
     </p:extLst>
   </p:cSld>
@@ -15573,7 +15565,7 @@
     </p:spTree>
     <p:extLst>
       <p:ext uri="{BB962C8B-B14F-4D97-AF65-F5344CB8AC3E}">
-        <p14:creationId xmlns:p14="http://schemas.microsoft.com/office/powerpoint/2010/main" val="2904346738"/>
+        <p14:creationId xmlns:p14="http://schemas.microsoft.com/office/powerpoint/2010/main" val="1584916426"/>
       </p:ext>
     </p:extLst>
   </p:cSld>
@@ -15695,7 +15687,7 @@
     </p:spTree>
     <p:extLst>
       <p:ext uri="{BB962C8B-B14F-4D97-AF65-F5344CB8AC3E}">
-        <p14:creationId xmlns:p14="http://schemas.microsoft.com/office/powerpoint/2010/main" val="4120564254"/>
+        <p14:creationId xmlns:p14="http://schemas.microsoft.com/office/powerpoint/2010/main" val="1771247842"/>
       </p:ext>
     </p:extLst>
   </p:cSld>
@@ -15807,7 +15799,7 @@
     </p:spTree>
     <p:extLst>
       <p:ext uri="{BB962C8B-B14F-4D97-AF65-F5344CB8AC3E}">
-        <p14:creationId xmlns:p14="http://schemas.microsoft.com/office/powerpoint/2010/main" val="2426993405"/>
+        <p14:creationId xmlns:p14="http://schemas.microsoft.com/office/powerpoint/2010/main" val="277518296"/>
       </p:ext>
     </p:extLst>
   </p:cSld>
@@ -16000,7 +15992,7 @@
     </p:spTree>
     <p:extLst>
       <p:ext uri="{BB962C8B-B14F-4D97-AF65-F5344CB8AC3E}">
-        <p14:creationId xmlns:p14="http://schemas.microsoft.com/office/powerpoint/2010/main" val="164168761"/>
+        <p14:creationId xmlns:p14="http://schemas.microsoft.com/office/powerpoint/2010/main" val="5090609"/>
       </p:ext>
     </p:extLst>
   </p:cSld>
@@ -16174,7 +16166,7 @@
     </p:spTree>
     <p:extLst>
       <p:ext uri="{BB962C8B-B14F-4D97-AF65-F5344CB8AC3E}">
-        <p14:creationId xmlns:p14="http://schemas.microsoft.com/office/powerpoint/2010/main" val="196225579"/>
+        <p14:creationId xmlns:p14="http://schemas.microsoft.com/office/powerpoint/2010/main" val="2631897972"/>
       </p:ext>
     </p:extLst>
   </p:cSld>
@@ -16486,7 +16478,7 @@
     </p:spTree>
     <p:extLst>
       <p:ext uri="{BB962C8B-B14F-4D97-AF65-F5344CB8AC3E}">
-        <p14:creationId xmlns:p14="http://schemas.microsoft.com/office/powerpoint/2010/main" val="987173951"/>
+        <p14:creationId xmlns:p14="http://schemas.microsoft.com/office/powerpoint/2010/main" val="626941221"/>
       </p:ext>
     </p:extLst>
   </p:cSld>
@@ -16546,7 +16538,7 @@
     </p:spTree>
     <p:extLst>
       <p:ext uri="{BB962C8B-B14F-4D97-AF65-F5344CB8AC3E}">
-        <p14:creationId xmlns:p14="http://schemas.microsoft.com/office/powerpoint/2010/main" val="3504218556"/>
+        <p14:creationId xmlns:p14="http://schemas.microsoft.com/office/powerpoint/2010/main" val="1720382563"/>
       </p:ext>
     </p:extLst>
   </p:cSld>
@@ -16606,7 +16598,7 @@
     </p:spTree>
     <p:extLst>
       <p:ext uri="{BB962C8B-B14F-4D97-AF65-F5344CB8AC3E}">
-        <p14:creationId xmlns:p14="http://schemas.microsoft.com/office/powerpoint/2010/main" val="1836349586"/>
+        <p14:creationId xmlns:p14="http://schemas.microsoft.com/office/powerpoint/2010/main" val="380083411"/>
       </p:ext>
     </p:extLst>
   </p:cSld>
@@ -16838,7 +16830,7 @@
     </p:spTree>
     <p:extLst>
       <p:ext uri="{BB962C8B-B14F-4D97-AF65-F5344CB8AC3E}">
-        <p14:creationId xmlns:p14="http://schemas.microsoft.com/office/powerpoint/2010/main" val="3037801332"/>
+        <p14:creationId xmlns:p14="http://schemas.microsoft.com/office/powerpoint/2010/main" val="219662349"/>
       </p:ext>
     </p:extLst>
   </p:cSld>
@@ -17050,7 +17042,7 @@
     </p:spTree>
     <p:extLst>
       <p:ext uri="{BB962C8B-B14F-4D97-AF65-F5344CB8AC3E}">
-        <p14:creationId xmlns:p14="http://schemas.microsoft.com/office/powerpoint/2010/main" val="140484919"/>
+        <p14:creationId xmlns:p14="http://schemas.microsoft.com/office/powerpoint/2010/main" val="2957243056"/>
       </p:ext>
     </p:extLst>
   </p:cSld>
@@ -17247,23 +17239,23 @@
     </p:spTree>
     <p:extLst>
       <p:ext uri="{BB962C8B-B14F-4D97-AF65-F5344CB8AC3E}">
-        <p14:creationId xmlns:p14="http://schemas.microsoft.com/office/powerpoint/2010/main" val="3326148766"/>
+        <p14:creationId xmlns:p14="http://schemas.microsoft.com/office/powerpoint/2010/main" val="2157614414"/>
       </p:ext>
     </p:extLst>
   </p:cSld>
   <p:clrMap bg1="lt1" tx1="dk1" bg2="lt2" tx2="dk2" accent1="accent1" accent2="accent2" accent3="accent3" accent4="accent4" accent5="accent5" accent6="accent6" hlink="hlink" folHlink="folHlink"/>
   <p:sldLayoutIdLst>
-    <p:sldLayoutId id="2147483757" r:id="rId1"/>
-    <p:sldLayoutId id="2147483758" r:id="rId2"/>
-    <p:sldLayoutId id="2147483759" r:id="rId3"/>
-    <p:sldLayoutId id="2147483760" r:id="rId4"/>
-    <p:sldLayoutId id="2147483761" r:id="rId5"/>
-    <p:sldLayoutId id="2147483762" r:id="rId6"/>
-    <p:sldLayoutId id="2147483763" r:id="rId7"/>
-    <p:sldLayoutId id="2147483764" r:id="rId8"/>
-    <p:sldLayoutId id="2147483765" r:id="rId9"/>
-    <p:sldLayoutId id="2147483766" r:id="rId10"/>
-    <p:sldLayoutId id="2147483767" r:id="rId11"/>
+    <p:sldLayoutId id="2147483781" r:id="rId1"/>
+    <p:sldLayoutId id="2147483782" r:id="rId2"/>
+    <p:sldLayoutId id="2147483783" r:id="rId3"/>
+    <p:sldLayoutId id="2147483784" r:id="rId4"/>
+    <p:sldLayoutId id="2147483785" r:id="rId5"/>
+    <p:sldLayoutId id="2147483786" r:id="rId6"/>
+    <p:sldLayoutId id="2147483787" r:id="rId7"/>
+    <p:sldLayoutId id="2147483788" r:id="rId8"/>
+    <p:sldLayoutId id="2147483789" r:id="rId9"/>
+    <p:sldLayoutId id="2147483790" r:id="rId10"/>
+    <p:sldLayoutId id="2147483791" r:id="rId11"/>
   </p:sldLayoutIdLst>
   <p:timing>
     <p:tnLst>
@@ -36470,11 +36462,7 @@
           <a:p>
             <a:r>
               <a:rPr lang="en-US" sz="1800" dirty="0"/>
-              <a:t>Kendo UI </a:t>
-            </a:r>
-            <a:r>
-              <a:rPr lang="en-US" sz="1800" dirty="0"/>
-              <a:t>Mobile</a:t>
+              <a:t>Kendo UI Mobile</a:t>
             </a:r>
           </a:p>
           <a:p>
@@ -36754,11 +36742,7 @@
           <a:p>
             <a:r>
               <a:rPr lang="en-US" sz="1800" kern="0" dirty="0"/>
-              <a:t>Find </a:t>
-            </a:r>
-            <a:r>
-              <a:rPr lang="en-US" sz="1800" kern="0" dirty="0"/>
-              <a:t>me:</a:t>
+              <a:t>Find me:</a:t>
             </a:r>
           </a:p>
           <a:p>
@@ -40366,19 +40350,7 @@
               <a:rPr lang="en-US" sz="1800" dirty="0">
                 <a:latin typeface="+mn-lt"/>
               </a:rPr>
-              <a:t>             </a:t>
-            </a:r>
-            <a:r>
-              <a:rPr lang="en-US" sz="1800" dirty="0">
-                <a:latin typeface="+mn-lt"/>
-              </a:rPr>
-              <a:t>    7.0 </a:t>
-            </a:r>
-            <a:r>
-              <a:rPr lang="en-US" sz="1800" dirty="0">
-                <a:latin typeface="+mn-lt"/>
-              </a:rPr>
-              <a:t>+</a:t>
+              <a:t>                 7.0 +</a:t>
             </a:r>
           </a:p>
           <a:p>
@@ -40391,19 +40363,7 @@
               <a:rPr lang="en-US" sz="1800" dirty="0">
                 <a:latin typeface="+mn-lt"/>
               </a:rPr>
-              <a:t>             </a:t>
-            </a:r>
-            <a:r>
-              <a:rPr lang="en-US" sz="1800" dirty="0">
-                <a:latin typeface="+mn-lt"/>
-              </a:rPr>
-              <a:t>  10.0 </a:t>
-            </a:r>
-            <a:r>
-              <a:rPr lang="en-US" sz="1800" dirty="0">
-                <a:latin typeface="+mn-lt"/>
-              </a:rPr>
-              <a:t>+</a:t>
+              <a:t>               10.0 +</a:t>
             </a:r>
           </a:p>
           <a:p>
@@ -40417,19 +40377,7 @@
               <a:rPr lang="en-US" sz="1800" dirty="0">
                 <a:latin typeface="+mn-lt"/>
               </a:rPr>
-              <a:t>              </a:t>
-            </a:r>
-            <a:r>
-              <a:rPr lang="en-US" sz="1800" dirty="0">
-                <a:latin typeface="+mn-lt"/>
-              </a:rPr>
-              <a:t>  All </a:t>
-            </a:r>
-            <a:r>
-              <a:rPr lang="en-US" sz="1800" dirty="0">
-                <a:latin typeface="+mn-lt"/>
-              </a:rPr>
-              <a:t>versions</a:t>
+              <a:t>                All versions</a:t>
             </a:r>
           </a:p>
           <a:p>
@@ -40443,19 +40391,7 @@
               <a:rPr lang="en-US" sz="1800" dirty="0">
                 <a:latin typeface="+mn-lt"/>
               </a:rPr>
-              <a:t>              </a:t>
-            </a:r>
-            <a:r>
-              <a:rPr lang="en-US" sz="1800" dirty="0">
-                <a:latin typeface="+mn-lt"/>
-              </a:rPr>
-              <a:t> 10.0 </a:t>
-            </a:r>
-            <a:r>
-              <a:rPr lang="en-US" sz="1800" dirty="0">
-                <a:latin typeface="+mn-lt"/>
-              </a:rPr>
-              <a:t>+</a:t>
+              <a:t>               10.0 +</a:t>
             </a:r>
           </a:p>
           <a:p>
@@ -40470,19 +40406,7 @@
               <a:rPr lang="en-US" sz="1800" dirty="0">
                 <a:latin typeface="+mn-lt"/>
               </a:rPr>
-              <a:t>             			</a:t>
-            </a:r>
-            <a:r>
-              <a:rPr lang="en-US" sz="1800" dirty="0">
-                <a:latin typeface="+mn-lt"/>
-              </a:rPr>
-              <a:t>  4.0 </a:t>
-            </a:r>
-            <a:r>
-              <a:rPr lang="en-US" sz="1800" dirty="0">
-                <a:latin typeface="+mn-lt"/>
-              </a:rPr>
-              <a:t>+</a:t>
+              <a:t>             			  4.0 +</a:t>
             </a:r>
           </a:p>
           <a:p>
